--- a/Ressources/presentation_projet_connect.pptx
+++ b/Ressources/presentation_projet_connect.pptx
@@ -10,8 +10,13 @@
     <p:sldId id="262" r:id="rId4"/>
     <p:sldId id="260" r:id="rId5"/>
     <p:sldId id="261" r:id="rId6"/>
-    <p:sldId id="258" r:id="rId7"/>
-    <p:sldId id="259" r:id="rId8"/>
+    <p:sldId id="263" r:id="rId7"/>
+    <p:sldId id="264" r:id="rId8"/>
+    <p:sldId id="265" r:id="rId9"/>
+    <p:sldId id="266" r:id="rId10"/>
+    <p:sldId id="267" r:id="rId11"/>
+    <p:sldId id="258" r:id="rId12"/>
+    <p:sldId id="259" r:id="rId13"/>
   </p:sldIdLst>
   <p:sldSz cx="12192000" cy="6858000"/>
   <p:notesSz cx="6858000" cy="9144000"/>
@@ -3338,10 +3343,10 @@
       </p:grpSpPr>
       <p:pic>
         <p:nvPicPr>
-          <p:cNvPr id="7" name="Image 6">
-            <a:extLst>
-              <a:ext uri="{FF2B5EF4-FFF2-40B4-BE49-F238E27FC236}">
-                <a16:creationId xmlns:a16="http://schemas.microsoft.com/office/drawing/2014/main" id="{167A63C3-3A89-4803-96B3-B87D483E511B}"/>
+          <p:cNvPr id="12" name="Image 11">
+            <a:extLst>
+              <a:ext uri="{FF2B5EF4-FFF2-40B4-BE49-F238E27FC236}">
+                <a16:creationId xmlns:a16="http://schemas.microsoft.com/office/drawing/2014/main" id="{EABA5552-B898-4432-AF43-37180D855AB5}"/>
               </a:ext>
             </a:extLst>
           </p:cNvPr>
@@ -3364,8 +3369,8 @@
         </p:blipFill>
         <p:spPr>
           <a:xfrm>
-            <a:off x="8327206" y="386829"/>
-            <a:ext cx="1710365" cy="3042169"/>
+            <a:off x="7063570" y="147219"/>
+            <a:ext cx="1996043" cy="4079876"/>
           </a:xfrm>
           <a:prstGeom prst="rect">
             <a:avLst/>
@@ -3399,10 +3404,14 @@
           <a:lstStyle/>
           <a:p>
             <a:r>
-              <a:rPr lang="fr-FR" dirty="0" err="1"/>
+              <a:rPr lang="fr-FR" dirty="0" err="1">
+                <a:latin typeface="Helvetica-Light" panose="020B0400000000000000" pitchFamily="34" charset="0"/>
+              </a:rPr>
               <a:t>Connect</a:t>
             </a:r>
-            <a:endParaRPr lang="fr-FR" dirty="0"/>
+            <a:endParaRPr lang="fr-FR" dirty="0">
+              <a:latin typeface="Helvetica-Light" panose="020B0400000000000000" pitchFamily="34" charset="0"/>
+            </a:endParaRPr>
           </a:p>
         </p:txBody>
       </p:sp>
@@ -3433,13 +3442,17 @@
           <a:lstStyle/>
           <a:p>
             <a:r>
-              <a:rPr lang="fr-FR" dirty="0"/>
+              <a:rPr lang="fr-FR" dirty="0">
+                <a:latin typeface="Helvetica-Light" panose="020B0400000000000000" pitchFamily="34" charset="0"/>
+              </a:rPr>
               <a:t>NIJEAN Jordan</a:t>
             </a:r>
           </a:p>
           <a:p>
             <a:r>
-              <a:rPr lang="fr-FR" dirty="0"/>
+              <a:rPr lang="fr-FR" dirty="0">
+                <a:latin typeface="Helvetica-Light" panose="020B0400000000000000" pitchFamily="34" charset="0"/>
+              </a:rPr>
               <a:t>UREN Can Serkan</a:t>
             </a:r>
           </a:p>
@@ -3447,10 +3460,10 @@
       </p:sp>
       <p:pic>
         <p:nvPicPr>
-          <p:cNvPr id="9" name="Image 8">
-            <a:extLst>
-              <a:ext uri="{FF2B5EF4-FFF2-40B4-BE49-F238E27FC236}">
-                <a16:creationId xmlns:a16="http://schemas.microsoft.com/office/drawing/2014/main" id="{FBD2BE22-E864-4E6E-AF5C-3E0D21601F70}"/>
+          <p:cNvPr id="10" name="Image 9">
+            <a:extLst>
+              <a:ext uri="{FF2B5EF4-FFF2-40B4-BE49-F238E27FC236}">
+                <a16:creationId xmlns:a16="http://schemas.microsoft.com/office/drawing/2014/main" id="{675634DD-1AFC-4E84-9E74-640FE6B16B17}"/>
               </a:ext>
             </a:extLst>
           </p:cNvPr>
@@ -3473,8 +3486,8 @@
         </p:blipFill>
         <p:spPr>
           <a:xfrm>
-            <a:off x="9182389" y="1907914"/>
-            <a:ext cx="1710365" cy="3042171"/>
+            <a:off x="8242198" y="1493424"/>
+            <a:ext cx="1996043" cy="4079875"/>
           </a:xfrm>
           <a:prstGeom prst="rect">
             <a:avLst/>
@@ -3483,10 +3496,10 @@
       </p:pic>
       <p:pic>
         <p:nvPicPr>
-          <p:cNvPr id="5" name="Image 4">
-            <a:extLst>
-              <a:ext uri="{FF2B5EF4-FFF2-40B4-BE49-F238E27FC236}">
-                <a16:creationId xmlns:a16="http://schemas.microsoft.com/office/drawing/2014/main" id="{5DF2CFEF-FDF2-4528-A6C9-F6664C13980B}"/>
+          <p:cNvPr id="6" name="Image 5">
+            <a:extLst>
+              <a:ext uri="{FF2B5EF4-FFF2-40B4-BE49-F238E27FC236}">
+                <a16:creationId xmlns:a16="http://schemas.microsoft.com/office/drawing/2014/main" id="{F5E96A58-268D-42B9-B6EA-15530B6D4650}"/>
               </a:ext>
             </a:extLst>
           </p:cNvPr>
@@ -3509,8 +3522,8 @@
         </p:blipFill>
         <p:spPr>
           <a:xfrm>
-            <a:off x="10033307" y="3233070"/>
-            <a:ext cx="1718895" cy="3042171"/>
+            <a:off x="9669978" y="2707238"/>
+            <a:ext cx="1996043" cy="4079875"/>
           </a:xfrm>
           <a:prstGeom prst="rect">
             <a:avLst/>
@@ -3521,6 +3534,364 @@
     <p:extLst>
       <p:ext uri="{BB962C8B-B14F-4D97-AF65-F5344CB8AC3E}">
         <p14:creationId xmlns:p14="http://schemas.microsoft.com/office/powerpoint/2010/main" val="3061064769"/>
+      </p:ext>
+    </p:extLst>
+  </p:cSld>
+  <p:clrMapOvr>
+    <a:masterClrMapping/>
+  </p:clrMapOvr>
+</p:sld>
+</file>
+
+<file path=ppt/slides/slide10.xml><?xml version="1.0" encoding="utf-8"?>
+<p:sld xmlns:a="http://schemas.openxmlformats.org/drawingml/2006/main" xmlns:r="http://schemas.openxmlformats.org/officeDocument/2006/relationships" xmlns:p="http://schemas.openxmlformats.org/presentationml/2006/main">
+  <p:cSld>
+    <p:spTree>
+      <p:nvGrpSpPr>
+        <p:cNvPr id="1" name=""/>
+        <p:cNvGrpSpPr/>
+        <p:nvPr/>
+      </p:nvGrpSpPr>
+      <p:grpSpPr>
+        <a:xfrm>
+          <a:off x="0" y="0"/>
+          <a:ext cx="0" cy="0"/>
+          <a:chOff x="0" y="0"/>
+          <a:chExt cx="0" cy="0"/>
+        </a:xfrm>
+      </p:grpSpPr>
+      <p:sp>
+        <p:nvSpPr>
+          <p:cNvPr id="2" name="Titre 1">
+            <a:extLst>
+              <a:ext uri="{FF2B5EF4-FFF2-40B4-BE49-F238E27FC236}">
+                <a16:creationId xmlns:a16="http://schemas.microsoft.com/office/drawing/2014/main" id="{D0B0AC82-1BA4-4F15-8FF4-079A6CFA9750}"/>
+              </a:ext>
+            </a:extLst>
+          </p:cNvPr>
+          <p:cNvSpPr>
+            <a:spLocks noGrp="1"/>
+          </p:cNvSpPr>
+          <p:nvPr>
+            <p:ph type="title"/>
+          </p:nvPr>
+        </p:nvSpPr>
+        <p:spPr/>
+        <p:txBody>
+          <a:bodyPr/>
+          <a:lstStyle/>
+          <a:p>
+            <a:pPr algn="ctr"/>
+            <a:r>
+              <a:rPr lang="fr-FR" dirty="0"/>
+              <a:t>Fonctionnalités</a:t>
+            </a:r>
+          </a:p>
+        </p:txBody>
+      </p:sp>
+      <p:sp>
+        <p:nvSpPr>
+          <p:cNvPr id="3" name="Espace réservé du contenu 2">
+            <a:extLst>
+              <a:ext uri="{FF2B5EF4-FFF2-40B4-BE49-F238E27FC236}">
+                <a16:creationId xmlns:a16="http://schemas.microsoft.com/office/drawing/2014/main" id="{74D41573-F310-4C80-8827-7ED40DEB453B}"/>
+              </a:ext>
+            </a:extLst>
+          </p:cNvPr>
+          <p:cNvSpPr>
+            <a:spLocks noGrp="1"/>
+          </p:cNvSpPr>
+          <p:nvPr>
+            <p:ph idx="1"/>
+          </p:nvPr>
+        </p:nvSpPr>
+        <p:spPr/>
+        <p:txBody>
+          <a:bodyPr/>
+          <a:lstStyle/>
+          <a:p>
+            <a:r>
+              <a:rPr lang="fr-FR" dirty="0">
+                <a:latin typeface="Helvetica-Light" panose="020B0400000000000000" pitchFamily="34" charset="0"/>
+              </a:rPr>
+              <a:t>Appel vidéo</a:t>
+            </a:r>
+          </a:p>
+        </p:txBody>
+      </p:sp>
+    </p:spTree>
+    <p:extLst>
+      <p:ext uri="{BB962C8B-B14F-4D97-AF65-F5344CB8AC3E}">
+        <p14:creationId xmlns:p14="http://schemas.microsoft.com/office/powerpoint/2010/main" val="3734181321"/>
+      </p:ext>
+    </p:extLst>
+  </p:cSld>
+  <p:clrMapOvr>
+    <a:masterClrMapping/>
+  </p:clrMapOvr>
+</p:sld>
+</file>
+
+<file path=ppt/slides/slide11.xml><?xml version="1.0" encoding="utf-8"?>
+<p:sld xmlns:a="http://schemas.openxmlformats.org/drawingml/2006/main" xmlns:r="http://schemas.openxmlformats.org/officeDocument/2006/relationships" xmlns:p="http://schemas.openxmlformats.org/presentationml/2006/main">
+  <p:cSld>
+    <p:spTree>
+      <p:nvGrpSpPr>
+        <p:cNvPr id="1" name=""/>
+        <p:cNvGrpSpPr/>
+        <p:nvPr/>
+      </p:nvGrpSpPr>
+      <p:grpSpPr>
+        <a:xfrm>
+          <a:off x="0" y="0"/>
+          <a:ext cx="0" cy="0"/>
+          <a:chOff x="0" y="0"/>
+          <a:chExt cx="0" cy="0"/>
+        </a:xfrm>
+      </p:grpSpPr>
+      <p:sp>
+        <p:nvSpPr>
+          <p:cNvPr id="2" name="Titre 1">
+            <a:extLst>
+              <a:ext uri="{FF2B5EF4-FFF2-40B4-BE49-F238E27FC236}">
+                <a16:creationId xmlns:a16="http://schemas.microsoft.com/office/drawing/2014/main" id="{ABD0262C-D8DE-4C52-A37C-0E08629F491D}"/>
+              </a:ext>
+            </a:extLst>
+          </p:cNvPr>
+          <p:cNvSpPr>
+            <a:spLocks noGrp="1"/>
+          </p:cNvSpPr>
+          <p:nvPr>
+            <p:ph type="title"/>
+          </p:nvPr>
+        </p:nvSpPr>
+        <p:spPr/>
+        <p:txBody>
+          <a:bodyPr/>
+          <a:lstStyle/>
+          <a:p>
+            <a:pPr algn="ctr"/>
+            <a:r>
+              <a:rPr lang="fr-FR" dirty="0">
+                <a:latin typeface="Helvetica-Light" panose="020B0400000000000000" pitchFamily="34" charset="0"/>
+              </a:rPr>
+              <a:t>Intérêts</a:t>
+            </a:r>
+          </a:p>
+        </p:txBody>
+      </p:sp>
+      <p:sp>
+        <p:nvSpPr>
+          <p:cNvPr id="3" name="Espace réservé du contenu 2">
+            <a:extLst>
+              <a:ext uri="{FF2B5EF4-FFF2-40B4-BE49-F238E27FC236}">
+                <a16:creationId xmlns:a16="http://schemas.microsoft.com/office/drawing/2014/main" id="{B97000C7-769B-4C59-A947-B9CAB3D7756B}"/>
+              </a:ext>
+            </a:extLst>
+          </p:cNvPr>
+          <p:cNvSpPr>
+            <a:spLocks noGrp="1"/>
+          </p:cNvSpPr>
+          <p:nvPr>
+            <p:ph idx="1"/>
+          </p:nvPr>
+        </p:nvSpPr>
+        <p:spPr/>
+        <p:txBody>
+          <a:bodyPr/>
+          <a:lstStyle/>
+          <a:p>
+            <a:r>
+              <a:rPr lang="fr-FR" dirty="0">
+                <a:latin typeface="Helvetica-Light" panose="020B0400000000000000" pitchFamily="34" charset="0"/>
+              </a:rPr>
+              <a:t> Chat </a:t>
+            </a:r>
+            <a:r>
+              <a:rPr lang="fr-FR" dirty="0" err="1">
+                <a:latin typeface="Helvetica-Light" panose="020B0400000000000000" pitchFamily="34" charset="0"/>
+              </a:rPr>
+              <a:t>éphèmère</a:t>
+            </a:r>
+            <a:r>
+              <a:rPr lang="fr-FR" dirty="0">
+                <a:latin typeface="Helvetica-Light" panose="020B0400000000000000" pitchFamily="34" charset="0"/>
+              </a:rPr>
+              <a:t>  :</a:t>
+            </a:r>
+          </a:p>
+          <a:p>
+            <a:pPr marL="0" indent="0">
+              <a:buNone/>
+            </a:pPr>
+            <a:r>
+              <a:rPr lang="fr-FR" dirty="0">
+                <a:latin typeface="Helvetica-Light" panose="020B0400000000000000" pitchFamily="34" charset="0"/>
+              </a:rPr>
+              <a:t>	- Mobilise l’attention de l’utilisateur </a:t>
+            </a:r>
+          </a:p>
+          <a:p>
+            <a:r>
+              <a:rPr lang="fr-FR" dirty="0">
+                <a:latin typeface="Helvetica-Light" panose="020B0400000000000000" pitchFamily="34" charset="0"/>
+              </a:rPr>
+              <a:t>Objectif principal : mettre en place un moyen de communication simple et sans contrainte</a:t>
+            </a:r>
+          </a:p>
+          <a:p>
+            <a:r>
+              <a:rPr lang="fr-FR" dirty="0">
+                <a:latin typeface="Helvetica-Light" panose="020B0400000000000000" pitchFamily="34" charset="0"/>
+              </a:rPr>
+              <a:t>Objectif secondaire : implémenter les fonctions essentielles d’un chat</a:t>
+            </a:r>
+          </a:p>
+        </p:txBody>
+      </p:sp>
+    </p:spTree>
+    <p:extLst>
+      <p:ext uri="{BB962C8B-B14F-4D97-AF65-F5344CB8AC3E}">
+        <p14:creationId xmlns:p14="http://schemas.microsoft.com/office/powerpoint/2010/main" val="1385726154"/>
+      </p:ext>
+    </p:extLst>
+  </p:cSld>
+  <p:clrMapOvr>
+    <a:masterClrMapping/>
+  </p:clrMapOvr>
+</p:sld>
+</file>
+
+<file path=ppt/slides/slide12.xml><?xml version="1.0" encoding="utf-8"?>
+<p:sld xmlns:a="http://schemas.openxmlformats.org/drawingml/2006/main" xmlns:r="http://schemas.openxmlformats.org/officeDocument/2006/relationships" xmlns:p="http://schemas.openxmlformats.org/presentationml/2006/main">
+  <p:cSld>
+    <p:spTree>
+      <p:nvGrpSpPr>
+        <p:cNvPr id="1" name=""/>
+        <p:cNvGrpSpPr/>
+        <p:nvPr/>
+      </p:nvGrpSpPr>
+      <p:grpSpPr>
+        <a:xfrm>
+          <a:off x="0" y="0"/>
+          <a:ext cx="0" cy="0"/>
+          <a:chOff x="0" y="0"/>
+          <a:chExt cx="0" cy="0"/>
+        </a:xfrm>
+      </p:grpSpPr>
+      <p:sp>
+        <p:nvSpPr>
+          <p:cNvPr id="2" name="Titre 1">
+            <a:extLst>
+              <a:ext uri="{FF2B5EF4-FFF2-40B4-BE49-F238E27FC236}">
+                <a16:creationId xmlns:a16="http://schemas.microsoft.com/office/drawing/2014/main" id="{F034CE1F-ADF4-4B23-A222-E31B5A268960}"/>
+              </a:ext>
+            </a:extLst>
+          </p:cNvPr>
+          <p:cNvSpPr>
+            <a:spLocks noGrp="1"/>
+          </p:cNvSpPr>
+          <p:nvPr>
+            <p:ph type="title"/>
+          </p:nvPr>
+        </p:nvSpPr>
+        <p:spPr/>
+        <p:txBody>
+          <a:bodyPr/>
+          <a:lstStyle/>
+          <a:p>
+            <a:pPr algn="ctr"/>
+            <a:r>
+              <a:rPr lang="fr-FR" dirty="0">
+                <a:latin typeface="Helvetica-Light" panose="020B0400000000000000" pitchFamily="34" charset="0"/>
+              </a:rPr>
+              <a:t>Possibilité d’évolution</a:t>
+            </a:r>
+          </a:p>
+        </p:txBody>
+      </p:sp>
+      <p:sp>
+        <p:nvSpPr>
+          <p:cNvPr id="3" name="Espace réservé du contenu 2">
+            <a:extLst>
+              <a:ext uri="{FF2B5EF4-FFF2-40B4-BE49-F238E27FC236}">
+                <a16:creationId xmlns:a16="http://schemas.microsoft.com/office/drawing/2014/main" id="{BAAFEF82-5000-44C5-9108-84BDA5757C28}"/>
+              </a:ext>
+            </a:extLst>
+          </p:cNvPr>
+          <p:cNvSpPr>
+            <a:spLocks noGrp="1"/>
+          </p:cNvSpPr>
+          <p:nvPr>
+            <p:ph idx="1"/>
+          </p:nvPr>
+        </p:nvSpPr>
+        <p:spPr/>
+        <p:txBody>
+          <a:bodyPr/>
+          <a:lstStyle/>
+          <a:p>
+            <a:r>
+              <a:rPr lang="fr-FR" dirty="0">
+                <a:latin typeface="Helvetica-Light" panose="020B0400000000000000" pitchFamily="34" charset="0"/>
+              </a:rPr>
+              <a:t>L’appel audio</a:t>
+            </a:r>
+          </a:p>
+          <a:p>
+            <a:r>
+              <a:rPr lang="fr-FR" dirty="0">
+                <a:latin typeface="Helvetica-Light" panose="020B0400000000000000" pitchFamily="34" charset="0"/>
+              </a:rPr>
+              <a:t>L’appel vidéo avec son</a:t>
+            </a:r>
+          </a:p>
+          <a:p>
+            <a:r>
+              <a:rPr lang="fr-FR" dirty="0">
+                <a:latin typeface="Helvetica-Light" panose="020B0400000000000000" pitchFamily="34" charset="0"/>
+              </a:rPr>
+              <a:t>Partage de vidéo</a:t>
+            </a:r>
+          </a:p>
+          <a:p>
+            <a:r>
+              <a:rPr lang="fr-FR" dirty="0">
+                <a:latin typeface="Helvetica-Light" panose="020B0400000000000000" pitchFamily="34" charset="0"/>
+              </a:rPr>
+              <a:t>Ajout de mini-jeux</a:t>
+            </a:r>
+          </a:p>
+          <a:p>
+            <a:r>
+              <a:rPr lang="fr-FR" dirty="0">
+                <a:latin typeface="Helvetica-Light" panose="020B0400000000000000" pitchFamily="34" charset="0"/>
+              </a:rPr>
+              <a:t>Chat de groupe</a:t>
+            </a:r>
+          </a:p>
+          <a:p>
+            <a:r>
+              <a:rPr lang="fr-FR" dirty="0">
+                <a:latin typeface="Helvetica-Light" panose="020B0400000000000000" pitchFamily="34" charset="0"/>
+              </a:rPr>
+              <a:t>Cryptage des messages de bout en bout</a:t>
+            </a:r>
+          </a:p>
+          <a:p>
+            <a:r>
+              <a:rPr lang="fr-FR" dirty="0">
+                <a:latin typeface="Helvetica-Light" panose="020B0400000000000000" pitchFamily="34" charset="0"/>
+              </a:rPr>
+              <a:t>Possibilité de changer de nom d’utilisateur</a:t>
+            </a:r>
+          </a:p>
+        </p:txBody>
+      </p:sp>
+    </p:spTree>
+    <p:extLst>
+      <p:ext uri="{BB962C8B-B14F-4D97-AF65-F5344CB8AC3E}">
+        <p14:creationId xmlns:p14="http://schemas.microsoft.com/office/powerpoint/2010/main" val="118572163"/>
       </p:ext>
     </p:extLst>
   </p:cSld>
@@ -3570,7 +3941,9 @@
           <a:p>
             <a:pPr algn="ctr"/>
             <a:r>
-              <a:rPr lang="fr-FR" dirty="0"/>
+              <a:rPr lang="fr-FR" dirty="0">
+                <a:latin typeface="Helvetica-Light" panose="020B0400000000000000" pitchFamily="34" charset="0"/>
+              </a:rPr>
               <a:t>Le projet</a:t>
             </a:r>
           </a:p>
@@ -3600,30 +3973,52 @@
           <a:lstStyle/>
           <a:p>
             <a:r>
-              <a:rPr lang="fr-FR" dirty="0"/>
-              <a:t>Chat éphémère, de proximité</a:t>
-            </a:r>
-          </a:p>
-          <a:p>
-            <a:r>
-              <a:rPr lang="fr-FR" dirty="0"/>
+              <a:rPr lang="fr-FR" dirty="0">
+                <a:latin typeface="Helvetica-Light" panose="020B0400000000000000" pitchFamily="34" charset="0"/>
+              </a:rPr>
+              <a:t>Chat éphémère, de proximité, basé sur le Framework </a:t>
+            </a:r>
+            <a:r>
+              <a:rPr lang="fr-FR" dirty="0" err="1">
+                <a:latin typeface="Helvetica-Light" panose="020B0400000000000000" pitchFamily="34" charset="0"/>
+              </a:rPr>
+              <a:t>MultipeerConnectivity</a:t>
+            </a:r>
+            <a:r>
+              <a:rPr lang="fr-FR" dirty="0">
+                <a:latin typeface="Helvetica-Light" panose="020B0400000000000000" pitchFamily="34" charset="0"/>
+              </a:rPr>
+              <a:t>, compatible Mac, iPhone et tout autre équipement Apple</a:t>
+            </a:r>
+          </a:p>
+          <a:p>
+            <a:r>
+              <a:rPr lang="fr-FR" dirty="0">
+                <a:latin typeface="Helvetica-Light" panose="020B0400000000000000" pitchFamily="34" charset="0"/>
+              </a:rPr>
               <a:t>Partage entre amis</a:t>
             </a:r>
           </a:p>
           <a:p>
             <a:r>
-              <a:rPr lang="fr-FR" dirty="0"/>
+              <a:rPr lang="fr-FR" dirty="0">
+                <a:latin typeface="Helvetica-Light" panose="020B0400000000000000" pitchFamily="34" charset="0"/>
+              </a:rPr>
               <a:t>Appel vidéo</a:t>
             </a:r>
           </a:p>
           <a:p>
-            <a:endParaRPr lang="fr-FR" dirty="0"/>
+            <a:endParaRPr lang="fr-FR" dirty="0">
+              <a:latin typeface="Helvetica-Light" panose="020B0400000000000000" pitchFamily="34" charset="0"/>
+            </a:endParaRPr>
           </a:p>
           <a:p>
             <a:pPr marL="0" indent="0">
               <a:buNone/>
             </a:pPr>
-            <a:endParaRPr lang="fr-FR" dirty="0"/>
+            <a:endParaRPr lang="fr-FR" dirty="0">
+              <a:latin typeface="Helvetica-Light" panose="020B0400000000000000" pitchFamily="34" charset="0"/>
+            </a:endParaRPr>
           </a:p>
         </p:txBody>
       </p:sp>
@@ -3680,7 +4075,9 @@
           <a:p>
             <a:pPr algn="ctr"/>
             <a:r>
-              <a:rPr lang="fr-FR" dirty="0"/>
+              <a:rPr lang="fr-FR" dirty="0">
+                <a:latin typeface="Helvetica-Light" panose="020B0400000000000000" pitchFamily="34" charset="0"/>
+              </a:rPr>
               <a:t>Le projet</a:t>
             </a:r>
           </a:p>
@@ -3710,34 +4107,48 @@
           <a:lstStyle/>
           <a:p>
             <a:r>
-              <a:rPr lang="fr-FR" dirty="0"/>
+              <a:rPr lang="fr-FR" dirty="0">
+                <a:latin typeface="Helvetica-Light" panose="020B0400000000000000" pitchFamily="34" charset="0"/>
+              </a:rPr>
               <a:t>Principal </a:t>
             </a:r>
             <a:r>
-              <a:rPr lang="fr-FR" dirty="0" err="1"/>
+              <a:rPr lang="fr-FR" dirty="0" err="1">
+                <a:latin typeface="Helvetica-Light" panose="020B0400000000000000" pitchFamily="34" charset="0"/>
+              </a:rPr>
               <a:t>framework</a:t>
             </a:r>
             <a:r>
-              <a:rPr lang="fr-FR" dirty="0"/>
+              <a:rPr lang="fr-FR" dirty="0">
+                <a:latin typeface="Helvetica-Light" panose="020B0400000000000000" pitchFamily="34" charset="0"/>
+              </a:rPr>
               <a:t> : </a:t>
             </a:r>
             <a:r>
-              <a:rPr lang="fr-FR" dirty="0" err="1"/>
+              <a:rPr lang="fr-FR" dirty="0" err="1">
+                <a:latin typeface="Helvetica-Light" panose="020B0400000000000000" pitchFamily="34" charset="0"/>
+              </a:rPr>
               <a:t>MultipeerConnectivity</a:t>
             </a:r>
-            <a:endParaRPr lang="fr-FR" dirty="0"/>
-          </a:p>
-          <a:p>
-            <a:r>
-              <a:rPr lang="fr-FR" dirty="0"/>
-              <a:t>Framework qui permet la découverte d’appareils aux alentours (Bluetooth) ou connectés au même réseau Wi-Fi</a:t>
+            <a:endParaRPr lang="fr-FR" dirty="0">
+              <a:latin typeface="Helvetica-Light" panose="020B0400000000000000" pitchFamily="34" charset="0"/>
+            </a:endParaRPr>
+          </a:p>
+          <a:p>
+            <a:r>
+              <a:rPr lang="fr-FR" dirty="0">
+                <a:latin typeface="Helvetica-Light" panose="020B0400000000000000" pitchFamily="34" charset="0"/>
+              </a:rPr>
+              <a:t>Framework qui permet la découverte d’appareils à proximité alentours (Bluetooth) ou connectés au même réseau Wi-Fi ou encore le NFC</a:t>
             </a:r>
           </a:p>
           <a:p>
             <a:pPr marL="0" indent="0">
               <a:buNone/>
             </a:pPr>
-            <a:endParaRPr lang="fr-FR" dirty="0"/>
+            <a:endParaRPr lang="fr-FR" dirty="0">
+              <a:latin typeface="Helvetica-Light" panose="020B0400000000000000" pitchFamily="34" charset="0"/>
+            </a:endParaRPr>
           </a:p>
         </p:txBody>
       </p:sp>
@@ -3794,7 +4205,9 @@
           <a:p>
             <a:pPr algn="ctr"/>
             <a:r>
-              <a:rPr lang="fr-FR" dirty="0"/>
+              <a:rPr lang="fr-FR" dirty="0">
+                <a:latin typeface="Helvetica-Light" panose="020B0400000000000000" pitchFamily="34" charset="0"/>
+              </a:rPr>
               <a:t>L’idée derrière ce projet</a:t>
             </a:r>
           </a:p>
@@ -3824,21 +4237,35 @@
           <a:lstStyle/>
           <a:p>
             <a:r>
-              <a:rPr lang="fr-FR" dirty="0"/>
+              <a:rPr lang="fr-FR" dirty="0">
+                <a:latin typeface="Helvetica-Light" panose="020B0400000000000000" pitchFamily="34" charset="0"/>
+              </a:rPr>
               <a:t>Parler sans que l’on soit enregistré</a:t>
             </a:r>
           </a:p>
           <a:p>
             <a:r>
-              <a:rPr lang="fr-FR" dirty="0"/>
-              <a:t>Faire des rencontres sans que personne le sache</a:t>
-            </a:r>
-          </a:p>
-          <a:p>
-            <a:pPr marL="0" indent="0">
-              <a:buNone/>
-            </a:pPr>
-            <a:endParaRPr lang="fr-FR" dirty="0"/>
+              <a:rPr lang="fr-FR" dirty="0">
+                <a:latin typeface="Helvetica-Light" panose="020B0400000000000000" pitchFamily="34" charset="0"/>
+              </a:rPr>
+              <a:t>Faire des rencontres</a:t>
+            </a:r>
+          </a:p>
+          <a:p>
+            <a:r>
+              <a:rPr lang="fr-FR" dirty="0">
+                <a:latin typeface="Helvetica-Light" panose="020B0400000000000000" pitchFamily="34" charset="0"/>
+              </a:rPr>
+              <a:t>Avoir les fonctions essentielles d'un chat, qui ici, a l'avantage d'être éphémère</a:t>
+            </a:r>
+          </a:p>
+          <a:p>
+            <a:r>
+              <a:rPr lang="fr-FR" dirty="0">
+                <a:latin typeface="Helvetica-Light" panose="020B0400000000000000" pitchFamily="34" charset="0"/>
+              </a:rPr>
+              <a:t>Connectivité qui ne nécessite pas de connexion internet</a:t>
+            </a:r>
           </a:p>
         </p:txBody>
       </p:sp>
@@ -3895,7 +4322,9 @@
           <a:p>
             <a:pPr algn="ctr"/>
             <a:r>
-              <a:rPr lang="fr-FR" dirty="0"/>
+              <a:rPr lang="fr-FR" dirty="0">
+                <a:latin typeface="Helvetica-Light" panose="020B0400000000000000" pitchFamily="34" charset="0"/>
+              </a:rPr>
               <a:t>Points forts</a:t>
             </a:r>
           </a:p>
@@ -3922,7 +4351,36 @@
           <a:bodyPr/>
           <a:lstStyle/>
           <a:p>
-            <a:endParaRPr lang="fr-FR" dirty="0"/>
+            <a:r>
+              <a:rPr lang="fr-FR" dirty="0">
+                <a:latin typeface="Helvetica-Light" panose="020B0400000000000000" pitchFamily="34" charset="0"/>
+              </a:rPr>
+              <a:t>Pas besoin de connexion internet</a:t>
+            </a:r>
+          </a:p>
+          <a:p>
+            <a:r>
+              <a:rPr lang="fr-FR" dirty="0">
+                <a:latin typeface="Helvetica-Light" panose="020B0400000000000000" pitchFamily="34" charset="0"/>
+              </a:rPr>
+              <a:t>Chat éphémère </a:t>
+            </a:r>
+          </a:p>
+          <a:p>
+            <a:r>
+              <a:rPr lang="fr-FR" dirty="0">
+                <a:latin typeface="Helvetica-Light" panose="020B0400000000000000" pitchFamily="34" charset="0"/>
+              </a:rPr>
+              <a:t>Fin de discussion provoque une déconnexion du chat pour les utilisateurs</a:t>
+            </a:r>
+          </a:p>
+          <a:p>
+            <a:r>
+              <a:rPr lang="fr-FR" dirty="0">
+                <a:latin typeface="Helvetica-Light" panose="020B0400000000000000" pitchFamily="34" charset="0"/>
+              </a:rPr>
+              <a:t>Communication en temps réel</a:t>
+            </a:r>
           </a:p>
         </p:txBody>
       </p:sp>
@@ -3961,7 +4419,7 @@
           <p:cNvPr id="2" name="Titre 1">
             <a:extLst>
               <a:ext uri="{FF2B5EF4-FFF2-40B4-BE49-F238E27FC236}">
-                <a16:creationId xmlns:a16="http://schemas.microsoft.com/office/drawing/2014/main" id="{ABD0262C-D8DE-4C52-A37C-0E08629F491D}"/>
+                <a16:creationId xmlns:a16="http://schemas.microsoft.com/office/drawing/2014/main" id="{D0B0AC82-1BA4-4F15-8FF4-079A6CFA9750}"/>
               </a:ext>
             </a:extLst>
           </p:cNvPr>
@@ -3980,7 +4438,7 @@
             <a:pPr algn="ctr"/>
             <a:r>
               <a:rPr lang="fr-FR" dirty="0"/>
-              <a:t>Intérêts</a:t>
+              <a:t>Fonctionnalités</a:t>
             </a:r>
           </a:p>
         </p:txBody>
@@ -3990,7 +4448,7 @@
           <p:cNvPr id="3" name="Espace réservé du contenu 2">
             <a:extLst>
               <a:ext uri="{FF2B5EF4-FFF2-40B4-BE49-F238E27FC236}">
-                <a16:creationId xmlns:a16="http://schemas.microsoft.com/office/drawing/2014/main" id="{B97000C7-769B-4C59-A947-B9CAB3D7756B}"/>
+                <a16:creationId xmlns:a16="http://schemas.microsoft.com/office/drawing/2014/main" id="{74D41573-F310-4C80-8827-7ED40DEB453B}"/>
               </a:ext>
             </a:extLst>
           </p:cNvPr>
@@ -4006,23 +4464,75 @@
           <a:bodyPr/>
           <a:lstStyle/>
           <a:p>
-            <a:r>
-              <a:rPr lang="fr-FR" dirty="0"/>
-              <a:t>Rencontre des personnes aux alentours</a:t>
-            </a:r>
-          </a:p>
-          <a:p>
-            <a:r>
-              <a:rPr lang="fr-FR" dirty="0"/>
-              <a:t>Socialiser vos nouveaux arrivants???</a:t>
-            </a:r>
-          </a:p>
-        </p:txBody>
-      </p:sp>
+            <a:endParaRPr lang="fr-FR" dirty="0">
+              <a:latin typeface="Helvetica-Light" panose="020B0400000000000000" pitchFamily="34" charset="0"/>
+            </a:endParaRPr>
+          </a:p>
+          <a:p>
+            <a:endParaRPr lang="fr-FR" dirty="0">
+              <a:latin typeface="Helvetica-Light" panose="020B0400000000000000" pitchFamily="34" charset="0"/>
+            </a:endParaRPr>
+          </a:p>
+          <a:p>
+            <a:endParaRPr lang="fr-FR" dirty="0">
+              <a:latin typeface="Helvetica-Light" panose="020B0400000000000000" pitchFamily="34" charset="0"/>
+            </a:endParaRPr>
+          </a:p>
+          <a:p>
+            <a:r>
+              <a:rPr lang="fr-FR" dirty="0">
+                <a:latin typeface="Helvetica-Light" panose="020B0400000000000000" pitchFamily="34" charset="0"/>
+              </a:rPr>
+              <a:t>Envoi de message</a:t>
+            </a:r>
+          </a:p>
+          <a:p>
+            <a:endParaRPr lang="fr-FR" dirty="0">
+              <a:latin typeface="Helvetica-Light" panose="020B0400000000000000" pitchFamily="34" charset="0"/>
+            </a:endParaRPr>
+          </a:p>
+        </p:txBody>
+      </p:sp>
+      <p:pic>
+        <p:nvPicPr>
+          <p:cNvPr id="5" name="Image 4">
+            <a:extLst>
+              <a:ext uri="{FF2B5EF4-FFF2-40B4-BE49-F238E27FC236}">
+                <a16:creationId xmlns:a16="http://schemas.microsoft.com/office/drawing/2014/main" id="{F1579BAB-4F70-4183-82F1-295BB8F70F19}"/>
+              </a:ext>
+            </a:extLst>
+          </p:cNvPr>
+          <p:cNvPicPr>
+            <a:picLocks noChangeAspect="1"/>
+          </p:cNvPicPr>
+          <p:nvPr/>
+        </p:nvPicPr>
+        <p:blipFill>
+          <a:blip r:embed="rId2">
+            <a:extLst>
+              <a:ext uri="{28A0092B-C50C-407E-A947-70E740481C1C}">
+                <a14:useLocalDpi xmlns:a14="http://schemas.microsoft.com/office/drawing/2010/main" val="0"/>
+              </a:ext>
+            </a:extLst>
+          </a:blip>
+          <a:stretch>
+            <a:fillRect/>
+          </a:stretch>
+        </p:blipFill>
+        <p:spPr>
+          <a:xfrm>
+            <a:off x="6398368" y="1596197"/>
+            <a:ext cx="2395657" cy="4896678"/>
+          </a:xfrm>
+          <a:prstGeom prst="rect">
+            <a:avLst/>
+          </a:prstGeom>
+        </p:spPr>
+      </p:pic>
     </p:spTree>
     <p:extLst>
       <p:ext uri="{BB962C8B-B14F-4D97-AF65-F5344CB8AC3E}">
-        <p14:creationId xmlns:p14="http://schemas.microsoft.com/office/powerpoint/2010/main" val="1385726154"/>
+        <p14:creationId xmlns:p14="http://schemas.microsoft.com/office/powerpoint/2010/main" val="2224913794"/>
       </p:ext>
     </p:extLst>
   </p:cSld>
@@ -4054,7 +4564,7 @@
           <p:cNvPr id="2" name="Titre 1">
             <a:extLst>
               <a:ext uri="{FF2B5EF4-FFF2-40B4-BE49-F238E27FC236}">
-                <a16:creationId xmlns:a16="http://schemas.microsoft.com/office/drawing/2014/main" id="{F034CE1F-ADF4-4B23-A222-E31B5A268960}"/>
+                <a16:creationId xmlns:a16="http://schemas.microsoft.com/office/drawing/2014/main" id="{D0B0AC82-1BA4-4F15-8FF4-079A6CFA9750}"/>
               </a:ext>
             </a:extLst>
           </p:cNvPr>
@@ -4073,7 +4583,7 @@
             <a:pPr algn="ctr"/>
             <a:r>
               <a:rPr lang="fr-FR" dirty="0"/>
-              <a:t>Possibilité d’évolution</a:t>
+              <a:t>Fonctionnalités</a:t>
             </a:r>
           </a:p>
         </p:txBody>
@@ -4083,7 +4593,7 @@
           <p:cNvPr id="3" name="Espace réservé du contenu 2">
             <a:extLst>
               <a:ext uri="{FF2B5EF4-FFF2-40B4-BE49-F238E27FC236}">
-                <a16:creationId xmlns:a16="http://schemas.microsoft.com/office/drawing/2014/main" id="{BAAFEF82-5000-44C5-9108-84BDA5757C28}"/>
+                <a16:creationId xmlns:a16="http://schemas.microsoft.com/office/drawing/2014/main" id="{74D41573-F310-4C80-8827-7ED40DEB453B}"/>
               </a:ext>
             </a:extLst>
           </p:cNvPr>
@@ -4100,36 +4610,253 @@
           <a:lstStyle/>
           <a:p>
             <a:r>
-              <a:rPr lang="fr-FR" dirty="0"/>
-              <a:t>Rajouter le </a:t>
-            </a:r>
-            <a:r>
-              <a:rPr lang="fr-FR" dirty="0" err="1"/>
-              <a:t>voice</a:t>
-            </a:r>
-            <a:r>
-              <a:rPr lang="fr-FR" dirty="0"/>
-              <a:t> record lors du chat vidéo</a:t>
-            </a:r>
-          </a:p>
-          <a:p>
-            <a:r>
-              <a:rPr lang="fr-FR" dirty="0"/>
-              <a:t>Partage de vidéo</a:t>
-            </a:r>
-          </a:p>
-          <a:p>
-            <a:pPr marL="0" indent="0">
-              <a:buNone/>
-            </a:pPr>
-            <a:endParaRPr lang="fr-FR" dirty="0"/>
+              <a:rPr lang="fr-FR" dirty="0">
+                <a:latin typeface="Helvetica-Light" panose="020B0400000000000000" pitchFamily="34" charset="0"/>
+              </a:rPr>
+              <a:t>Ajouter, modifier, supprimer son avatar</a:t>
+            </a:r>
           </a:p>
         </p:txBody>
       </p:sp>
     </p:spTree>
     <p:extLst>
       <p:ext uri="{BB962C8B-B14F-4D97-AF65-F5344CB8AC3E}">
-        <p14:creationId xmlns:p14="http://schemas.microsoft.com/office/powerpoint/2010/main" val="118572163"/>
+        <p14:creationId xmlns:p14="http://schemas.microsoft.com/office/powerpoint/2010/main" val="1744349762"/>
+      </p:ext>
+    </p:extLst>
+  </p:cSld>
+  <p:clrMapOvr>
+    <a:masterClrMapping/>
+  </p:clrMapOvr>
+</p:sld>
+</file>
+
+<file path=ppt/slides/slide8.xml><?xml version="1.0" encoding="utf-8"?>
+<p:sld xmlns:a="http://schemas.openxmlformats.org/drawingml/2006/main" xmlns:r="http://schemas.openxmlformats.org/officeDocument/2006/relationships" xmlns:p="http://schemas.openxmlformats.org/presentationml/2006/main">
+  <p:cSld>
+    <p:spTree>
+      <p:nvGrpSpPr>
+        <p:cNvPr id="1" name=""/>
+        <p:cNvGrpSpPr/>
+        <p:nvPr/>
+      </p:nvGrpSpPr>
+      <p:grpSpPr>
+        <a:xfrm>
+          <a:off x="0" y="0"/>
+          <a:ext cx="0" cy="0"/>
+          <a:chOff x="0" y="0"/>
+          <a:chExt cx="0" cy="0"/>
+        </a:xfrm>
+      </p:grpSpPr>
+      <p:sp>
+        <p:nvSpPr>
+          <p:cNvPr id="2" name="Titre 1">
+            <a:extLst>
+              <a:ext uri="{FF2B5EF4-FFF2-40B4-BE49-F238E27FC236}">
+                <a16:creationId xmlns:a16="http://schemas.microsoft.com/office/drawing/2014/main" id="{D0B0AC82-1BA4-4F15-8FF4-079A6CFA9750}"/>
+              </a:ext>
+            </a:extLst>
+          </p:cNvPr>
+          <p:cNvSpPr>
+            <a:spLocks noGrp="1"/>
+          </p:cNvSpPr>
+          <p:nvPr>
+            <p:ph type="title"/>
+          </p:nvPr>
+        </p:nvSpPr>
+        <p:spPr/>
+        <p:txBody>
+          <a:bodyPr/>
+          <a:lstStyle/>
+          <a:p>
+            <a:pPr algn="ctr"/>
+            <a:r>
+              <a:rPr lang="fr-FR" dirty="0"/>
+              <a:t>Fonctionnalités</a:t>
+            </a:r>
+          </a:p>
+        </p:txBody>
+      </p:sp>
+      <p:sp>
+        <p:nvSpPr>
+          <p:cNvPr id="3" name="Espace réservé du contenu 2">
+            <a:extLst>
+              <a:ext uri="{FF2B5EF4-FFF2-40B4-BE49-F238E27FC236}">
+                <a16:creationId xmlns:a16="http://schemas.microsoft.com/office/drawing/2014/main" id="{74D41573-F310-4C80-8827-7ED40DEB453B}"/>
+              </a:ext>
+            </a:extLst>
+          </p:cNvPr>
+          <p:cNvSpPr>
+            <a:spLocks noGrp="1"/>
+          </p:cNvSpPr>
+          <p:nvPr>
+            <p:ph idx="1"/>
+          </p:nvPr>
+        </p:nvSpPr>
+        <p:spPr/>
+        <p:txBody>
+          <a:bodyPr/>
+          <a:lstStyle/>
+          <a:p>
+            <a:r>
+              <a:rPr lang="fr-FR" dirty="0">
+                <a:latin typeface="Helvetica-Light" panose="020B0400000000000000" pitchFamily="34" charset="0"/>
+              </a:rPr>
+              <a:t>Envoi d’une image via galerie ou caméra</a:t>
+            </a:r>
+          </a:p>
+        </p:txBody>
+      </p:sp>
+    </p:spTree>
+    <p:extLst>
+      <p:ext uri="{BB962C8B-B14F-4D97-AF65-F5344CB8AC3E}">
+        <p14:creationId xmlns:p14="http://schemas.microsoft.com/office/powerpoint/2010/main" val="3556748884"/>
+      </p:ext>
+    </p:extLst>
+  </p:cSld>
+  <p:clrMapOvr>
+    <a:masterClrMapping/>
+  </p:clrMapOvr>
+</p:sld>
+</file>
+
+<file path=ppt/slides/slide9.xml><?xml version="1.0" encoding="utf-8"?>
+<p:sld xmlns:a="http://schemas.openxmlformats.org/drawingml/2006/main" xmlns:r="http://schemas.openxmlformats.org/officeDocument/2006/relationships" xmlns:p="http://schemas.openxmlformats.org/presentationml/2006/main">
+  <p:cSld>
+    <p:spTree>
+      <p:nvGrpSpPr>
+        <p:cNvPr id="1" name=""/>
+        <p:cNvGrpSpPr/>
+        <p:nvPr/>
+      </p:nvGrpSpPr>
+      <p:grpSpPr>
+        <a:xfrm>
+          <a:off x="0" y="0"/>
+          <a:ext cx="0" cy="0"/>
+          <a:chOff x="0" y="0"/>
+          <a:chExt cx="0" cy="0"/>
+        </a:xfrm>
+      </p:grpSpPr>
+      <p:sp>
+        <p:nvSpPr>
+          <p:cNvPr id="2" name="Titre 1">
+            <a:extLst>
+              <a:ext uri="{FF2B5EF4-FFF2-40B4-BE49-F238E27FC236}">
+                <a16:creationId xmlns:a16="http://schemas.microsoft.com/office/drawing/2014/main" id="{D0B0AC82-1BA4-4F15-8FF4-079A6CFA9750}"/>
+              </a:ext>
+            </a:extLst>
+          </p:cNvPr>
+          <p:cNvSpPr>
+            <a:spLocks noGrp="1"/>
+          </p:cNvSpPr>
+          <p:nvPr>
+            <p:ph type="title"/>
+          </p:nvPr>
+        </p:nvSpPr>
+        <p:spPr/>
+        <p:txBody>
+          <a:bodyPr/>
+          <a:lstStyle/>
+          <a:p>
+            <a:pPr algn="ctr"/>
+            <a:r>
+              <a:rPr lang="fr-FR" dirty="0"/>
+              <a:t>Fonctionnalités</a:t>
+            </a:r>
+          </a:p>
+        </p:txBody>
+      </p:sp>
+      <p:sp>
+        <p:nvSpPr>
+          <p:cNvPr id="3" name="Espace réservé du contenu 2">
+            <a:extLst>
+              <a:ext uri="{FF2B5EF4-FFF2-40B4-BE49-F238E27FC236}">
+                <a16:creationId xmlns:a16="http://schemas.microsoft.com/office/drawing/2014/main" id="{74D41573-F310-4C80-8827-7ED40DEB453B}"/>
+              </a:ext>
+            </a:extLst>
+          </p:cNvPr>
+          <p:cNvSpPr>
+            <a:spLocks noGrp="1"/>
+          </p:cNvSpPr>
+          <p:nvPr>
+            <p:ph idx="1"/>
+          </p:nvPr>
+        </p:nvSpPr>
+        <p:spPr/>
+        <p:txBody>
+          <a:bodyPr/>
+          <a:lstStyle/>
+          <a:p>
+            <a:endParaRPr lang="fr-FR" dirty="0">
+              <a:latin typeface="Helvetica-Light" panose="020B0400000000000000" pitchFamily="34" charset="0"/>
+            </a:endParaRPr>
+          </a:p>
+          <a:p>
+            <a:endParaRPr lang="fr-FR" dirty="0">
+              <a:latin typeface="Helvetica-Light" panose="020B0400000000000000" pitchFamily="34" charset="0"/>
+            </a:endParaRPr>
+          </a:p>
+          <a:p>
+            <a:endParaRPr lang="fr-FR">
+              <a:latin typeface="Helvetica-Light" panose="020B0400000000000000" pitchFamily="34" charset="0"/>
+            </a:endParaRPr>
+          </a:p>
+          <a:p>
+            <a:r>
+              <a:rPr lang="fr-FR">
+                <a:latin typeface="Helvetica-Light" panose="020B0400000000000000" pitchFamily="34" charset="0"/>
+              </a:rPr>
+              <a:t>Partage </a:t>
+            </a:r>
+            <a:r>
+              <a:rPr lang="fr-FR" dirty="0">
+                <a:latin typeface="Helvetica-Light" panose="020B0400000000000000" pitchFamily="34" charset="0"/>
+              </a:rPr>
+              <a:t>de localisation</a:t>
+            </a:r>
+          </a:p>
+        </p:txBody>
+      </p:sp>
+      <p:pic>
+        <p:nvPicPr>
+          <p:cNvPr id="5" name="Image 4">
+            <a:extLst>
+              <a:ext uri="{FF2B5EF4-FFF2-40B4-BE49-F238E27FC236}">
+                <a16:creationId xmlns:a16="http://schemas.microsoft.com/office/drawing/2014/main" id="{67AC4C79-48F7-4591-8D1C-95A1BACFD167}"/>
+              </a:ext>
+            </a:extLst>
+          </p:cNvPr>
+          <p:cNvPicPr>
+            <a:picLocks noChangeAspect="1"/>
+          </p:cNvPicPr>
+          <p:nvPr/>
+        </p:nvPicPr>
+        <p:blipFill>
+          <a:blip r:embed="rId2">
+            <a:extLst>
+              <a:ext uri="{28A0092B-C50C-407E-A947-70E740481C1C}">
+                <a14:useLocalDpi xmlns:a14="http://schemas.microsoft.com/office/drawing/2010/main" val="0"/>
+              </a:ext>
+            </a:extLst>
+          </a:blip>
+          <a:stretch>
+            <a:fillRect/>
+          </a:stretch>
+        </p:blipFill>
+        <p:spPr>
+          <a:xfrm>
+            <a:off x="7285333" y="1690688"/>
+            <a:ext cx="2052031" cy="4194313"/>
+          </a:xfrm>
+          <a:prstGeom prst="rect">
+            <a:avLst/>
+          </a:prstGeom>
+        </p:spPr>
+      </p:pic>
+    </p:spTree>
+    <p:extLst>
+      <p:ext uri="{BB962C8B-B14F-4D97-AF65-F5344CB8AC3E}">
+        <p14:creationId xmlns:p14="http://schemas.microsoft.com/office/powerpoint/2010/main" val="297754459"/>
       </p:ext>
     </p:extLst>
   </p:cSld>

--- a/Ressources/presentation_projet_connect.pptx
+++ b/Ressources/presentation_projet_connect.pptx
@@ -7,16 +7,12 @@
   <p:sldIdLst>
     <p:sldId id="256" r:id="rId2"/>
     <p:sldId id="257" r:id="rId3"/>
-    <p:sldId id="262" r:id="rId4"/>
-    <p:sldId id="260" r:id="rId5"/>
-    <p:sldId id="261" r:id="rId6"/>
-    <p:sldId id="263" r:id="rId7"/>
-    <p:sldId id="264" r:id="rId8"/>
-    <p:sldId id="265" r:id="rId9"/>
-    <p:sldId id="266" r:id="rId10"/>
-    <p:sldId id="267" r:id="rId11"/>
-    <p:sldId id="258" r:id="rId12"/>
-    <p:sldId id="259" r:id="rId13"/>
+    <p:sldId id="260" r:id="rId4"/>
+    <p:sldId id="261" r:id="rId5"/>
+    <p:sldId id="269" r:id="rId6"/>
+    <p:sldId id="258" r:id="rId7"/>
+    <p:sldId id="259" r:id="rId8"/>
+    <p:sldId id="268" r:id="rId9"/>
   </p:sldIdLst>
   <p:sldSz cx="12192000" cy="6858000"/>
   <p:notesSz cx="6858000" cy="9144000"/>
@@ -274,7 +270,7 @@
           <a:p>
             <a:fld id="{FCA2A284-87E6-4F11-9F7E-ECCEA042C354}" type="datetimeFigureOut">
               <a:rPr lang="fr-FR" smtClean="0"/>
-              <a:t>22/01/2018</a:t>
+              <a:t>23/01/2018</a:t>
             </a:fld>
             <a:endParaRPr lang="fr-FR"/>
           </a:p>
@@ -472,7 +468,7 @@
           <a:p>
             <a:fld id="{FCA2A284-87E6-4F11-9F7E-ECCEA042C354}" type="datetimeFigureOut">
               <a:rPr lang="fr-FR" smtClean="0"/>
-              <a:t>22/01/2018</a:t>
+              <a:t>23/01/2018</a:t>
             </a:fld>
             <a:endParaRPr lang="fr-FR"/>
           </a:p>
@@ -680,7 +676,7 @@
           <a:p>
             <a:fld id="{FCA2A284-87E6-4F11-9F7E-ECCEA042C354}" type="datetimeFigureOut">
               <a:rPr lang="fr-FR" smtClean="0"/>
-              <a:t>22/01/2018</a:t>
+              <a:t>23/01/2018</a:t>
             </a:fld>
             <a:endParaRPr lang="fr-FR"/>
           </a:p>
@@ -878,7 +874,7 @@
           <a:p>
             <a:fld id="{FCA2A284-87E6-4F11-9F7E-ECCEA042C354}" type="datetimeFigureOut">
               <a:rPr lang="fr-FR" smtClean="0"/>
-              <a:t>22/01/2018</a:t>
+              <a:t>23/01/2018</a:t>
             </a:fld>
             <a:endParaRPr lang="fr-FR"/>
           </a:p>
@@ -1153,7 +1149,7 @@
           <a:p>
             <a:fld id="{FCA2A284-87E6-4F11-9F7E-ECCEA042C354}" type="datetimeFigureOut">
               <a:rPr lang="fr-FR" smtClean="0"/>
-              <a:t>22/01/2018</a:t>
+              <a:t>23/01/2018</a:t>
             </a:fld>
             <a:endParaRPr lang="fr-FR"/>
           </a:p>
@@ -1418,7 +1414,7 @@
           <a:p>
             <a:fld id="{FCA2A284-87E6-4F11-9F7E-ECCEA042C354}" type="datetimeFigureOut">
               <a:rPr lang="fr-FR" smtClean="0"/>
-              <a:t>22/01/2018</a:t>
+              <a:t>23/01/2018</a:t>
             </a:fld>
             <a:endParaRPr lang="fr-FR"/>
           </a:p>
@@ -1830,7 +1826,7 @@
           <a:p>
             <a:fld id="{FCA2A284-87E6-4F11-9F7E-ECCEA042C354}" type="datetimeFigureOut">
               <a:rPr lang="fr-FR" smtClean="0"/>
-              <a:t>22/01/2018</a:t>
+              <a:t>23/01/2018</a:t>
             </a:fld>
             <a:endParaRPr lang="fr-FR"/>
           </a:p>
@@ -1971,7 +1967,7 @@
           <a:p>
             <a:fld id="{FCA2A284-87E6-4F11-9F7E-ECCEA042C354}" type="datetimeFigureOut">
               <a:rPr lang="fr-FR" smtClean="0"/>
-              <a:t>22/01/2018</a:t>
+              <a:t>23/01/2018</a:t>
             </a:fld>
             <a:endParaRPr lang="fr-FR"/>
           </a:p>
@@ -2084,7 +2080,7 @@
           <a:p>
             <a:fld id="{FCA2A284-87E6-4F11-9F7E-ECCEA042C354}" type="datetimeFigureOut">
               <a:rPr lang="fr-FR" smtClean="0"/>
-              <a:t>22/01/2018</a:t>
+              <a:t>23/01/2018</a:t>
             </a:fld>
             <a:endParaRPr lang="fr-FR"/>
           </a:p>
@@ -2395,7 +2391,7 @@
           <a:p>
             <a:fld id="{FCA2A284-87E6-4F11-9F7E-ECCEA042C354}" type="datetimeFigureOut">
               <a:rPr lang="fr-FR" smtClean="0"/>
-              <a:t>22/01/2018</a:t>
+              <a:t>23/01/2018</a:t>
             </a:fld>
             <a:endParaRPr lang="fr-FR"/>
           </a:p>
@@ -2683,7 +2679,7 @@
           <a:p>
             <a:fld id="{FCA2A284-87E6-4F11-9F7E-ECCEA042C354}" type="datetimeFigureOut">
               <a:rPr lang="fr-FR" smtClean="0"/>
-              <a:t>22/01/2018</a:t>
+              <a:t>23/01/2018</a:t>
             </a:fld>
             <a:endParaRPr lang="fr-FR"/>
           </a:p>
@@ -2924,7 +2920,7 @@
           <a:p>
             <a:fld id="{FCA2A284-87E6-4F11-9F7E-ECCEA042C354}" type="datetimeFigureOut">
               <a:rPr lang="fr-FR" smtClean="0"/>
-              <a:t>22/01/2018</a:t>
+              <a:t>23/01/2018</a:t>
             </a:fld>
             <a:endParaRPr lang="fr-FR"/>
           </a:p>
@@ -3395,7 +3391,7 @@
         </p:nvSpPr>
         <p:spPr>
           <a:xfrm>
-            <a:off x="1524000" y="1122363"/>
+            <a:off x="424966" y="2187157"/>
             <a:ext cx="6232358" cy="1655762"/>
           </a:xfrm>
         </p:spPr>
@@ -3433,7 +3429,7 @@
         </p:nvSpPr>
         <p:spPr>
           <a:xfrm>
-            <a:off x="1524000" y="3233070"/>
+            <a:off x="424966" y="4250162"/>
             <a:ext cx="6232358" cy="994025"/>
           </a:xfrm>
         </p:spPr>
@@ -3540,364 +3536,369 @@
   <p:clrMapOvr>
     <a:masterClrMapping/>
   </p:clrMapOvr>
-</p:sld>
-</file>
-
-<file path=ppt/slides/slide10.xml><?xml version="1.0" encoding="utf-8"?>
-<p:sld xmlns:a="http://schemas.openxmlformats.org/drawingml/2006/main" xmlns:r="http://schemas.openxmlformats.org/officeDocument/2006/relationships" xmlns:p="http://schemas.openxmlformats.org/presentationml/2006/main">
-  <p:cSld>
-    <p:spTree>
-      <p:nvGrpSpPr>
-        <p:cNvPr id="1" name=""/>
-        <p:cNvGrpSpPr/>
-        <p:nvPr/>
-      </p:nvGrpSpPr>
-      <p:grpSpPr>
-        <a:xfrm>
-          <a:off x="0" y="0"/>
-          <a:ext cx="0" cy="0"/>
-          <a:chOff x="0" y="0"/>
-          <a:chExt cx="0" cy="0"/>
-        </a:xfrm>
-      </p:grpSpPr>
-      <p:sp>
-        <p:nvSpPr>
-          <p:cNvPr id="2" name="Titre 1">
-            <a:extLst>
-              <a:ext uri="{FF2B5EF4-FFF2-40B4-BE49-F238E27FC236}">
-                <a16:creationId xmlns:a16="http://schemas.microsoft.com/office/drawing/2014/main" id="{D0B0AC82-1BA4-4F15-8FF4-079A6CFA9750}"/>
-              </a:ext>
-            </a:extLst>
-          </p:cNvPr>
-          <p:cNvSpPr>
-            <a:spLocks noGrp="1"/>
-          </p:cNvSpPr>
-          <p:nvPr>
-            <p:ph type="title"/>
-          </p:nvPr>
-        </p:nvSpPr>
-        <p:spPr/>
-        <p:txBody>
-          <a:bodyPr/>
-          <a:lstStyle/>
-          <a:p>
-            <a:pPr algn="ctr"/>
-            <a:r>
-              <a:rPr lang="fr-FR" dirty="0"/>
-              <a:t>Fonctionnalités</a:t>
-            </a:r>
-          </a:p>
-        </p:txBody>
-      </p:sp>
-      <p:sp>
-        <p:nvSpPr>
-          <p:cNvPr id="3" name="Espace réservé du contenu 2">
-            <a:extLst>
-              <a:ext uri="{FF2B5EF4-FFF2-40B4-BE49-F238E27FC236}">
-                <a16:creationId xmlns:a16="http://schemas.microsoft.com/office/drawing/2014/main" id="{74D41573-F310-4C80-8827-7ED40DEB453B}"/>
-              </a:ext>
-            </a:extLst>
-          </p:cNvPr>
-          <p:cNvSpPr>
-            <a:spLocks noGrp="1"/>
-          </p:cNvSpPr>
-          <p:nvPr>
-            <p:ph idx="1"/>
-          </p:nvPr>
-        </p:nvSpPr>
-        <p:spPr/>
-        <p:txBody>
-          <a:bodyPr/>
-          <a:lstStyle/>
-          <a:p>
-            <a:r>
-              <a:rPr lang="fr-FR" dirty="0">
-                <a:latin typeface="Helvetica-Light" panose="020B0400000000000000" pitchFamily="34" charset="0"/>
-              </a:rPr>
-              <a:t>Appel vidéo</a:t>
-            </a:r>
-          </a:p>
-        </p:txBody>
-      </p:sp>
-    </p:spTree>
-    <p:extLst>
-      <p:ext uri="{BB962C8B-B14F-4D97-AF65-F5344CB8AC3E}">
-        <p14:creationId xmlns:p14="http://schemas.microsoft.com/office/powerpoint/2010/main" val="3734181321"/>
-      </p:ext>
-    </p:extLst>
-  </p:cSld>
-  <p:clrMapOvr>
-    <a:masterClrMapping/>
-  </p:clrMapOvr>
-</p:sld>
-</file>
-
-<file path=ppt/slides/slide11.xml><?xml version="1.0" encoding="utf-8"?>
-<p:sld xmlns:a="http://schemas.openxmlformats.org/drawingml/2006/main" xmlns:r="http://schemas.openxmlformats.org/officeDocument/2006/relationships" xmlns:p="http://schemas.openxmlformats.org/presentationml/2006/main">
-  <p:cSld>
-    <p:spTree>
-      <p:nvGrpSpPr>
-        <p:cNvPr id="1" name=""/>
-        <p:cNvGrpSpPr/>
-        <p:nvPr/>
-      </p:nvGrpSpPr>
-      <p:grpSpPr>
-        <a:xfrm>
-          <a:off x="0" y="0"/>
-          <a:ext cx="0" cy="0"/>
-          <a:chOff x="0" y="0"/>
-          <a:chExt cx="0" cy="0"/>
-        </a:xfrm>
-      </p:grpSpPr>
-      <p:sp>
-        <p:nvSpPr>
-          <p:cNvPr id="2" name="Titre 1">
-            <a:extLst>
-              <a:ext uri="{FF2B5EF4-FFF2-40B4-BE49-F238E27FC236}">
-                <a16:creationId xmlns:a16="http://schemas.microsoft.com/office/drawing/2014/main" id="{ABD0262C-D8DE-4C52-A37C-0E08629F491D}"/>
-              </a:ext>
-            </a:extLst>
-          </p:cNvPr>
-          <p:cNvSpPr>
-            <a:spLocks noGrp="1"/>
-          </p:cNvSpPr>
-          <p:nvPr>
-            <p:ph type="title"/>
-          </p:nvPr>
-        </p:nvSpPr>
-        <p:spPr/>
-        <p:txBody>
-          <a:bodyPr/>
-          <a:lstStyle/>
-          <a:p>
-            <a:pPr algn="ctr"/>
-            <a:r>
-              <a:rPr lang="fr-FR" dirty="0">
-                <a:latin typeface="Helvetica-Light" panose="020B0400000000000000" pitchFamily="34" charset="0"/>
-              </a:rPr>
-              <a:t>Intérêts</a:t>
-            </a:r>
-          </a:p>
-        </p:txBody>
-      </p:sp>
-      <p:sp>
-        <p:nvSpPr>
-          <p:cNvPr id="3" name="Espace réservé du contenu 2">
-            <a:extLst>
-              <a:ext uri="{FF2B5EF4-FFF2-40B4-BE49-F238E27FC236}">
-                <a16:creationId xmlns:a16="http://schemas.microsoft.com/office/drawing/2014/main" id="{B97000C7-769B-4C59-A947-B9CAB3D7756B}"/>
-              </a:ext>
-            </a:extLst>
-          </p:cNvPr>
-          <p:cNvSpPr>
-            <a:spLocks noGrp="1"/>
-          </p:cNvSpPr>
-          <p:nvPr>
-            <p:ph idx="1"/>
-          </p:nvPr>
-        </p:nvSpPr>
-        <p:spPr/>
-        <p:txBody>
-          <a:bodyPr/>
-          <a:lstStyle/>
-          <a:p>
-            <a:r>
-              <a:rPr lang="fr-FR" dirty="0">
-                <a:latin typeface="Helvetica-Light" panose="020B0400000000000000" pitchFamily="34" charset="0"/>
-              </a:rPr>
-              <a:t> Chat </a:t>
-            </a:r>
-            <a:r>
-              <a:rPr lang="fr-FR" dirty="0" err="1">
-                <a:latin typeface="Helvetica-Light" panose="020B0400000000000000" pitchFamily="34" charset="0"/>
-              </a:rPr>
-              <a:t>éphèmère</a:t>
-            </a:r>
-            <a:r>
-              <a:rPr lang="fr-FR" dirty="0">
-                <a:latin typeface="Helvetica-Light" panose="020B0400000000000000" pitchFamily="34" charset="0"/>
-              </a:rPr>
-              <a:t>  :</a:t>
-            </a:r>
-          </a:p>
-          <a:p>
-            <a:pPr marL="0" indent="0">
-              <a:buNone/>
-            </a:pPr>
-            <a:r>
-              <a:rPr lang="fr-FR" dirty="0">
-                <a:latin typeface="Helvetica-Light" panose="020B0400000000000000" pitchFamily="34" charset="0"/>
-              </a:rPr>
-              <a:t>	- Mobilise l’attention de l’utilisateur </a:t>
-            </a:r>
-          </a:p>
-          <a:p>
-            <a:r>
-              <a:rPr lang="fr-FR" dirty="0">
-                <a:latin typeface="Helvetica-Light" panose="020B0400000000000000" pitchFamily="34" charset="0"/>
-              </a:rPr>
-              <a:t>Objectif principal : mettre en place un moyen de communication simple et sans contrainte</a:t>
-            </a:r>
-          </a:p>
-          <a:p>
-            <a:r>
-              <a:rPr lang="fr-FR" dirty="0">
-                <a:latin typeface="Helvetica-Light" panose="020B0400000000000000" pitchFamily="34" charset="0"/>
-              </a:rPr>
-              <a:t>Objectif secondaire : implémenter les fonctions essentielles d’un chat</a:t>
-            </a:r>
-          </a:p>
-        </p:txBody>
-      </p:sp>
-    </p:spTree>
-    <p:extLst>
-      <p:ext uri="{BB962C8B-B14F-4D97-AF65-F5344CB8AC3E}">
-        <p14:creationId xmlns:p14="http://schemas.microsoft.com/office/powerpoint/2010/main" val="1385726154"/>
-      </p:ext>
-    </p:extLst>
-  </p:cSld>
-  <p:clrMapOvr>
-    <a:masterClrMapping/>
-  </p:clrMapOvr>
-</p:sld>
-</file>
-
-<file path=ppt/slides/slide12.xml><?xml version="1.0" encoding="utf-8"?>
-<p:sld xmlns:a="http://schemas.openxmlformats.org/drawingml/2006/main" xmlns:r="http://schemas.openxmlformats.org/officeDocument/2006/relationships" xmlns:p="http://schemas.openxmlformats.org/presentationml/2006/main">
-  <p:cSld>
-    <p:spTree>
-      <p:nvGrpSpPr>
-        <p:cNvPr id="1" name=""/>
-        <p:cNvGrpSpPr/>
-        <p:nvPr/>
-      </p:nvGrpSpPr>
-      <p:grpSpPr>
-        <a:xfrm>
-          <a:off x="0" y="0"/>
-          <a:ext cx="0" cy="0"/>
-          <a:chOff x="0" y="0"/>
-          <a:chExt cx="0" cy="0"/>
-        </a:xfrm>
-      </p:grpSpPr>
-      <p:sp>
-        <p:nvSpPr>
-          <p:cNvPr id="2" name="Titre 1">
-            <a:extLst>
-              <a:ext uri="{FF2B5EF4-FFF2-40B4-BE49-F238E27FC236}">
-                <a16:creationId xmlns:a16="http://schemas.microsoft.com/office/drawing/2014/main" id="{F034CE1F-ADF4-4B23-A222-E31B5A268960}"/>
-              </a:ext>
-            </a:extLst>
-          </p:cNvPr>
-          <p:cNvSpPr>
-            <a:spLocks noGrp="1"/>
-          </p:cNvSpPr>
-          <p:nvPr>
-            <p:ph type="title"/>
-          </p:nvPr>
-        </p:nvSpPr>
-        <p:spPr/>
-        <p:txBody>
-          <a:bodyPr/>
-          <a:lstStyle/>
-          <a:p>
-            <a:pPr algn="ctr"/>
-            <a:r>
-              <a:rPr lang="fr-FR" dirty="0">
-                <a:latin typeface="Helvetica-Light" panose="020B0400000000000000" pitchFamily="34" charset="0"/>
-              </a:rPr>
-              <a:t>Possibilité d’évolution</a:t>
-            </a:r>
-          </a:p>
-        </p:txBody>
-      </p:sp>
-      <p:sp>
-        <p:nvSpPr>
-          <p:cNvPr id="3" name="Espace réservé du contenu 2">
-            <a:extLst>
-              <a:ext uri="{FF2B5EF4-FFF2-40B4-BE49-F238E27FC236}">
-                <a16:creationId xmlns:a16="http://schemas.microsoft.com/office/drawing/2014/main" id="{BAAFEF82-5000-44C5-9108-84BDA5757C28}"/>
-              </a:ext>
-            </a:extLst>
-          </p:cNvPr>
-          <p:cNvSpPr>
-            <a:spLocks noGrp="1"/>
-          </p:cNvSpPr>
-          <p:nvPr>
-            <p:ph idx="1"/>
-          </p:nvPr>
-        </p:nvSpPr>
-        <p:spPr/>
-        <p:txBody>
-          <a:bodyPr/>
-          <a:lstStyle/>
-          <a:p>
-            <a:r>
-              <a:rPr lang="fr-FR" dirty="0">
-                <a:latin typeface="Helvetica-Light" panose="020B0400000000000000" pitchFamily="34" charset="0"/>
-              </a:rPr>
-              <a:t>L’appel audio</a:t>
-            </a:r>
-          </a:p>
-          <a:p>
-            <a:r>
-              <a:rPr lang="fr-FR" dirty="0">
-                <a:latin typeface="Helvetica-Light" panose="020B0400000000000000" pitchFamily="34" charset="0"/>
-              </a:rPr>
-              <a:t>L’appel vidéo avec son</a:t>
-            </a:r>
-          </a:p>
-          <a:p>
-            <a:r>
-              <a:rPr lang="fr-FR" dirty="0">
-                <a:latin typeface="Helvetica-Light" panose="020B0400000000000000" pitchFamily="34" charset="0"/>
-              </a:rPr>
-              <a:t>Partage de vidéo</a:t>
-            </a:r>
-          </a:p>
-          <a:p>
-            <a:r>
-              <a:rPr lang="fr-FR" dirty="0">
-                <a:latin typeface="Helvetica-Light" panose="020B0400000000000000" pitchFamily="34" charset="0"/>
-              </a:rPr>
-              <a:t>Ajout de mini-jeux</a:t>
-            </a:r>
-          </a:p>
-          <a:p>
-            <a:r>
-              <a:rPr lang="fr-FR" dirty="0">
-                <a:latin typeface="Helvetica-Light" panose="020B0400000000000000" pitchFamily="34" charset="0"/>
-              </a:rPr>
-              <a:t>Chat de groupe</a:t>
-            </a:r>
-          </a:p>
-          <a:p>
-            <a:r>
-              <a:rPr lang="fr-FR" dirty="0">
-                <a:latin typeface="Helvetica-Light" panose="020B0400000000000000" pitchFamily="34" charset="0"/>
-              </a:rPr>
-              <a:t>Cryptage des messages de bout en bout</a:t>
-            </a:r>
-          </a:p>
-          <a:p>
-            <a:r>
-              <a:rPr lang="fr-FR" dirty="0">
-                <a:latin typeface="Helvetica-Light" panose="020B0400000000000000" pitchFamily="34" charset="0"/>
-              </a:rPr>
-              <a:t>Possibilité de changer de nom d’utilisateur</a:t>
-            </a:r>
-          </a:p>
-        </p:txBody>
-      </p:sp>
-    </p:spTree>
-    <p:extLst>
-      <p:ext uri="{BB962C8B-B14F-4D97-AF65-F5344CB8AC3E}">
-        <p14:creationId xmlns:p14="http://schemas.microsoft.com/office/powerpoint/2010/main" val="118572163"/>
-      </p:ext>
-    </p:extLst>
-  </p:cSld>
-  <p:clrMapOvr>
-    <a:masterClrMapping/>
-  </p:clrMapOvr>
+  <p:timing>
+    <p:tnLst>
+      <p:par>
+        <p:cTn id="1" dur="indefinite" restart="never" nodeType="tmRoot">
+          <p:childTnLst>
+            <p:seq concurrent="1" nextAc="seek">
+              <p:cTn id="2" dur="indefinite" nodeType="mainSeq">
+                <p:childTnLst>
+                  <p:par>
+                    <p:cTn id="3" fill="hold">
+                      <p:stCondLst>
+                        <p:cond delay="indefinite"/>
+                      </p:stCondLst>
+                      <p:childTnLst>
+                        <p:par>
+                          <p:cTn id="4" fill="hold">
+                            <p:stCondLst>
+                              <p:cond delay="0"/>
+                            </p:stCondLst>
+                            <p:childTnLst>
+                              <p:par>
+                                <p:cTn id="5" presetID="42" presetClass="entr" presetSubtype="0" fill="hold" grpId="0" nodeType="clickEffect">
+                                  <p:stCondLst>
+                                    <p:cond delay="0"/>
+                                  </p:stCondLst>
+                                  <p:childTnLst>
+                                    <p:set>
+                                      <p:cBhvr>
+                                        <p:cTn id="6" dur="1" fill="hold">
+                                          <p:stCondLst>
+                                            <p:cond delay="0"/>
+                                          </p:stCondLst>
+                                        </p:cTn>
+                                        <p:tgtEl>
+                                          <p:spTgt spid="2"/>
+                                        </p:tgtEl>
+                                        <p:attrNameLst>
+                                          <p:attrName>style.visibility</p:attrName>
+                                        </p:attrNameLst>
+                                      </p:cBhvr>
+                                      <p:to>
+                                        <p:strVal val="visible"/>
+                                      </p:to>
+                                    </p:set>
+                                    <p:animEffect transition="in" filter="fade">
+                                      <p:cBhvr>
+                                        <p:cTn id="7" dur="500"/>
+                                        <p:tgtEl>
+                                          <p:spTgt spid="2"/>
+                                        </p:tgtEl>
+                                      </p:cBhvr>
+                                    </p:animEffect>
+                                    <p:anim calcmode="lin" valueType="num">
+                                      <p:cBhvr>
+                                        <p:cTn id="8" dur="500" fill="hold"/>
+                                        <p:tgtEl>
+                                          <p:spTgt spid="2"/>
+                                        </p:tgtEl>
+                                        <p:attrNameLst>
+                                          <p:attrName>ppt_x</p:attrName>
+                                        </p:attrNameLst>
+                                      </p:cBhvr>
+                                      <p:tavLst>
+                                        <p:tav tm="0">
+                                          <p:val>
+                                            <p:strVal val="#ppt_x"/>
+                                          </p:val>
+                                        </p:tav>
+                                        <p:tav tm="100000">
+                                          <p:val>
+                                            <p:strVal val="#ppt_x"/>
+                                          </p:val>
+                                        </p:tav>
+                                      </p:tavLst>
+                                    </p:anim>
+                                    <p:anim calcmode="lin" valueType="num">
+                                      <p:cBhvr>
+                                        <p:cTn id="9" dur="500" fill="hold"/>
+                                        <p:tgtEl>
+                                          <p:spTgt spid="2"/>
+                                        </p:tgtEl>
+                                        <p:attrNameLst>
+                                          <p:attrName>ppt_y</p:attrName>
+                                        </p:attrNameLst>
+                                      </p:cBhvr>
+                                      <p:tavLst>
+                                        <p:tav tm="0">
+                                          <p:val>
+                                            <p:strVal val="#ppt_y+.1"/>
+                                          </p:val>
+                                        </p:tav>
+                                        <p:tav tm="100000">
+                                          <p:val>
+                                            <p:strVal val="#ppt_y"/>
+                                          </p:val>
+                                        </p:tav>
+                                      </p:tavLst>
+                                    </p:anim>
+                                  </p:childTnLst>
+                                </p:cTn>
+                              </p:par>
+                            </p:childTnLst>
+                          </p:cTn>
+                        </p:par>
+                      </p:childTnLst>
+                    </p:cTn>
+                  </p:par>
+                  <p:par>
+                    <p:cTn id="10" fill="hold">
+                      <p:stCondLst>
+                        <p:cond delay="indefinite"/>
+                      </p:stCondLst>
+                      <p:childTnLst>
+                        <p:par>
+                          <p:cTn id="11" fill="hold">
+                            <p:stCondLst>
+                              <p:cond delay="0"/>
+                            </p:stCondLst>
+                            <p:childTnLst>
+                              <p:par>
+                                <p:cTn id="12" presetID="42" presetClass="entr" presetSubtype="0" fill="hold" grpId="0" nodeType="clickEffect">
+                                  <p:stCondLst>
+                                    <p:cond delay="0"/>
+                                  </p:stCondLst>
+                                  <p:childTnLst>
+                                    <p:set>
+                                      <p:cBhvr>
+                                        <p:cTn id="13" dur="1" fill="hold">
+                                          <p:stCondLst>
+                                            <p:cond delay="0"/>
+                                          </p:stCondLst>
+                                        </p:cTn>
+                                        <p:tgtEl>
+                                          <p:spTgt spid="3">
+                                            <p:txEl>
+                                              <p:pRg st="0" end="0"/>
+                                            </p:txEl>
+                                          </p:spTgt>
+                                        </p:tgtEl>
+                                        <p:attrNameLst>
+                                          <p:attrName>style.visibility</p:attrName>
+                                        </p:attrNameLst>
+                                      </p:cBhvr>
+                                      <p:to>
+                                        <p:strVal val="visible"/>
+                                      </p:to>
+                                    </p:set>
+                                    <p:animEffect transition="in" filter="fade">
+                                      <p:cBhvr>
+                                        <p:cTn id="14" dur="500"/>
+                                        <p:tgtEl>
+                                          <p:spTgt spid="3">
+                                            <p:txEl>
+                                              <p:pRg st="0" end="0"/>
+                                            </p:txEl>
+                                          </p:spTgt>
+                                        </p:tgtEl>
+                                      </p:cBhvr>
+                                    </p:animEffect>
+                                    <p:anim calcmode="lin" valueType="num">
+                                      <p:cBhvr>
+                                        <p:cTn id="15" dur="500" fill="hold"/>
+                                        <p:tgtEl>
+                                          <p:spTgt spid="3">
+                                            <p:txEl>
+                                              <p:pRg st="0" end="0"/>
+                                            </p:txEl>
+                                          </p:spTgt>
+                                        </p:tgtEl>
+                                        <p:attrNameLst>
+                                          <p:attrName>ppt_x</p:attrName>
+                                        </p:attrNameLst>
+                                      </p:cBhvr>
+                                      <p:tavLst>
+                                        <p:tav tm="0">
+                                          <p:val>
+                                            <p:strVal val="#ppt_x"/>
+                                          </p:val>
+                                        </p:tav>
+                                        <p:tav tm="100000">
+                                          <p:val>
+                                            <p:strVal val="#ppt_x"/>
+                                          </p:val>
+                                        </p:tav>
+                                      </p:tavLst>
+                                    </p:anim>
+                                    <p:anim calcmode="lin" valueType="num">
+                                      <p:cBhvr>
+                                        <p:cTn id="16" dur="500" fill="hold"/>
+                                        <p:tgtEl>
+                                          <p:spTgt spid="3">
+                                            <p:txEl>
+                                              <p:pRg st="0" end="0"/>
+                                            </p:txEl>
+                                          </p:spTgt>
+                                        </p:tgtEl>
+                                        <p:attrNameLst>
+                                          <p:attrName>ppt_y</p:attrName>
+                                        </p:attrNameLst>
+                                      </p:cBhvr>
+                                      <p:tavLst>
+                                        <p:tav tm="0">
+                                          <p:val>
+                                            <p:strVal val="#ppt_y+.1"/>
+                                          </p:val>
+                                        </p:tav>
+                                        <p:tav tm="100000">
+                                          <p:val>
+                                            <p:strVal val="#ppt_y"/>
+                                          </p:val>
+                                        </p:tav>
+                                      </p:tavLst>
+                                    </p:anim>
+                                  </p:childTnLst>
+                                </p:cTn>
+                              </p:par>
+                            </p:childTnLst>
+                          </p:cTn>
+                        </p:par>
+                      </p:childTnLst>
+                    </p:cTn>
+                  </p:par>
+                  <p:par>
+                    <p:cTn id="17" fill="hold">
+                      <p:stCondLst>
+                        <p:cond delay="indefinite"/>
+                      </p:stCondLst>
+                      <p:childTnLst>
+                        <p:par>
+                          <p:cTn id="18" fill="hold">
+                            <p:stCondLst>
+                              <p:cond delay="0"/>
+                            </p:stCondLst>
+                            <p:childTnLst>
+                              <p:par>
+                                <p:cTn id="19" presetID="42" presetClass="entr" presetSubtype="0" fill="hold" grpId="0" nodeType="clickEffect">
+                                  <p:stCondLst>
+                                    <p:cond delay="0"/>
+                                  </p:stCondLst>
+                                  <p:childTnLst>
+                                    <p:set>
+                                      <p:cBhvr>
+                                        <p:cTn id="20" dur="1" fill="hold">
+                                          <p:stCondLst>
+                                            <p:cond delay="0"/>
+                                          </p:stCondLst>
+                                        </p:cTn>
+                                        <p:tgtEl>
+                                          <p:spTgt spid="3">
+                                            <p:txEl>
+                                              <p:pRg st="1" end="1"/>
+                                            </p:txEl>
+                                          </p:spTgt>
+                                        </p:tgtEl>
+                                        <p:attrNameLst>
+                                          <p:attrName>style.visibility</p:attrName>
+                                        </p:attrNameLst>
+                                      </p:cBhvr>
+                                      <p:to>
+                                        <p:strVal val="visible"/>
+                                      </p:to>
+                                    </p:set>
+                                    <p:animEffect transition="in" filter="fade">
+                                      <p:cBhvr>
+                                        <p:cTn id="21" dur="500"/>
+                                        <p:tgtEl>
+                                          <p:spTgt spid="3">
+                                            <p:txEl>
+                                              <p:pRg st="1" end="1"/>
+                                            </p:txEl>
+                                          </p:spTgt>
+                                        </p:tgtEl>
+                                      </p:cBhvr>
+                                    </p:animEffect>
+                                    <p:anim calcmode="lin" valueType="num">
+                                      <p:cBhvr>
+                                        <p:cTn id="22" dur="500" fill="hold"/>
+                                        <p:tgtEl>
+                                          <p:spTgt spid="3">
+                                            <p:txEl>
+                                              <p:pRg st="1" end="1"/>
+                                            </p:txEl>
+                                          </p:spTgt>
+                                        </p:tgtEl>
+                                        <p:attrNameLst>
+                                          <p:attrName>ppt_x</p:attrName>
+                                        </p:attrNameLst>
+                                      </p:cBhvr>
+                                      <p:tavLst>
+                                        <p:tav tm="0">
+                                          <p:val>
+                                            <p:strVal val="#ppt_x"/>
+                                          </p:val>
+                                        </p:tav>
+                                        <p:tav tm="100000">
+                                          <p:val>
+                                            <p:strVal val="#ppt_x"/>
+                                          </p:val>
+                                        </p:tav>
+                                      </p:tavLst>
+                                    </p:anim>
+                                    <p:anim calcmode="lin" valueType="num">
+                                      <p:cBhvr>
+                                        <p:cTn id="23" dur="500" fill="hold"/>
+                                        <p:tgtEl>
+                                          <p:spTgt spid="3">
+                                            <p:txEl>
+                                              <p:pRg st="1" end="1"/>
+                                            </p:txEl>
+                                          </p:spTgt>
+                                        </p:tgtEl>
+                                        <p:attrNameLst>
+                                          <p:attrName>ppt_y</p:attrName>
+                                        </p:attrNameLst>
+                                      </p:cBhvr>
+                                      <p:tavLst>
+                                        <p:tav tm="0">
+                                          <p:val>
+                                            <p:strVal val="#ppt_y+.1"/>
+                                          </p:val>
+                                        </p:tav>
+                                        <p:tav tm="100000">
+                                          <p:val>
+                                            <p:strVal val="#ppt_y"/>
+                                          </p:val>
+                                        </p:tav>
+                                      </p:tavLst>
+                                    </p:anim>
+                                  </p:childTnLst>
+                                </p:cTn>
+                              </p:par>
+                            </p:childTnLst>
+                          </p:cTn>
+                        </p:par>
+                      </p:childTnLst>
+                    </p:cTn>
+                  </p:par>
+                </p:childTnLst>
+              </p:cTn>
+              <p:prevCondLst>
+                <p:cond evt="onPrev" delay="0">
+                  <p:tgtEl>
+                    <p:sldTgt/>
+                  </p:tgtEl>
+                </p:cond>
+              </p:prevCondLst>
+              <p:nextCondLst>
+                <p:cond evt="onNext" delay="0">
+                  <p:tgtEl>
+                    <p:sldTgt/>
+                  </p:tgtEl>
+                </p:cond>
+              </p:nextCondLst>
+            </p:seq>
+          </p:childTnLst>
+        </p:cTn>
+      </p:par>
+    </p:tnLst>
+    <p:bldLst>
+      <p:bldP spid="2" grpId="0"/>
+      <p:bldP spid="3" grpId="0" uiExpand="1" build="p"/>
+    </p:bldLst>
+  </p:timing>
 </p:sld>
 </file>
 
@@ -3976,36 +3977,40 @@
               <a:rPr lang="fr-FR" dirty="0">
                 <a:latin typeface="Helvetica-Light" panose="020B0400000000000000" pitchFamily="34" charset="0"/>
               </a:rPr>
-              <a:t>Chat éphémère, de proximité, basé sur le Framework </a:t>
-            </a:r>
+              <a:t>Application de communication</a:t>
+            </a:r>
+          </a:p>
+          <a:p>
+            <a:r>
+              <a:rPr lang="fr-FR" dirty="0">
+                <a:latin typeface="Helvetica-Light" panose="020B0400000000000000" pitchFamily="34" charset="0"/>
+              </a:rPr>
+              <a:t>Communication éphémère de proximité</a:t>
+            </a:r>
+          </a:p>
+          <a:p>
+            <a:r>
+              <a:rPr lang="fr-FR" dirty="0">
+                <a:latin typeface="Helvetica-Light" panose="020B0400000000000000" pitchFamily="34" charset="0"/>
+              </a:rPr>
+              <a:t>Discussion instantanée</a:t>
+            </a:r>
+          </a:p>
+          <a:p>
             <a:r>
               <a:rPr lang="fr-FR" dirty="0" err="1">
                 <a:latin typeface="Helvetica-Light" panose="020B0400000000000000" pitchFamily="34" charset="0"/>
               </a:rPr>
               <a:t>MultipeerConnectivity</a:t>
             </a:r>
-            <a:r>
-              <a:rPr lang="fr-FR" dirty="0">
-                <a:latin typeface="Helvetica-Light" panose="020B0400000000000000" pitchFamily="34" charset="0"/>
-              </a:rPr>
-              <a:t>, compatible Mac, iPhone et tout autre équipement Apple</a:t>
-            </a:r>
-          </a:p>
-          <a:p>
-            <a:r>
-              <a:rPr lang="fr-FR" dirty="0">
-                <a:latin typeface="Helvetica-Light" panose="020B0400000000000000" pitchFamily="34" charset="0"/>
-              </a:rPr>
-              <a:t>Partage entre amis</a:t>
-            </a:r>
-          </a:p>
-          <a:p>
-            <a:r>
-              <a:rPr lang="fr-FR" dirty="0">
-                <a:latin typeface="Helvetica-Light" panose="020B0400000000000000" pitchFamily="34" charset="0"/>
-              </a:rPr>
-              <a:t>Appel vidéo</a:t>
-            </a:r>
+            <a:endParaRPr lang="fr-FR" dirty="0">
+              <a:latin typeface="Helvetica-Light" panose="020B0400000000000000" pitchFamily="34" charset="0"/>
+            </a:endParaRPr>
+          </a:p>
+          <a:p>
+            <a:endParaRPr lang="fr-FR" dirty="0">
+              <a:latin typeface="Helvetica-Light" panose="020B0400000000000000" pitchFamily="34" charset="0"/>
+            </a:endParaRPr>
           </a:p>
           <a:p>
             <a:endParaRPr lang="fr-FR" dirty="0">
@@ -4032,6 +4037,511 @@
   <p:clrMapOvr>
     <a:masterClrMapping/>
   </p:clrMapOvr>
+  <mc:AlternateContent xmlns:mc="http://schemas.openxmlformats.org/markup-compatibility/2006">
+    <mc:Choice xmlns:p14="http://schemas.microsoft.com/office/powerpoint/2010/main" Requires="p14">
+      <p:transition spd="med" p14:dur="700">
+        <p:fade/>
+      </p:transition>
+    </mc:Choice>
+    <mc:Fallback>
+      <p:transition spd="med">
+        <p:fade/>
+      </p:transition>
+    </mc:Fallback>
+  </mc:AlternateContent>
+  <p:timing>
+    <p:tnLst>
+      <p:par>
+        <p:cTn id="1" dur="indefinite" restart="never" nodeType="tmRoot">
+          <p:childTnLst>
+            <p:seq concurrent="1" nextAc="seek">
+              <p:cTn id="2" dur="indefinite" nodeType="mainSeq">
+                <p:childTnLst>
+                  <p:par>
+                    <p:cTn id="3" fill="hold">
+                      <p:stCondLst>
+                        <p:cond delay="indefinite"/>
+                      </p:stCondLst>
+                      <p:childTnLst>
+                        <p:par>
+                          <p:cTn id="4" fill="hold">
+                            <p:stCondLst>
+                              <p:cond delay="0"/>
+                            </p:stCondLst>
+                            <p:childTnLst>
+                              <p:par>
+                                <p:cTn id="5" presetID="42" presetClass="entr" presetSubtype="0" fill="hold" grpId="0" nodeType="clickEffect">
+                                  <p:stCondLst>
+                                    <p:cond delay="0"/>
+                                  </p:stCondLst>
+                                  <p:childTnLst>
+                                    <p:set>
+                                      <p:cBhvr>
+                                        <p:cTn id="6" dur="1" fill="hold">
+                                          <p:stCondLst>
+                                            <p:cond delay="0"/>
+                                          </p:stCondLst>
+                                        </p:cTn>
+                                        <p:tgtEl>
+                                          <p:spTgt spid="3">
+                                            <p:txEl>
+                                              <p:pRg st="0" end="0"/>
+                                            </p:txEl>
+                                          </p:spTgt>
+                                        </p:tgtEl>
+                                        <p:attrNameLst>
+                                          <p:attrName>style.visibility</p:attrName>
+                                        </p:attrNameLst>
+                                      </p:cBhvr>
+                                      <p:to>
+                                        <p:strVal val="visible"/>
+                                      </p:to>
+                                    </p:set>
+                                    <p:animEffect transition="in" filter="fade">
+                                      <p:cBhvr>
+                                        <p:cTn id="7" dur="500"/>
+                                        <p:tgtEl>
+                                          <p:spTgt spid="3">
+                                            <p:txEl>
+                                              <p:pRg st="0" end="0"/>
+                                            </p:txEl>
+                                          </p:spTgt>
+                                        </p:tgtEl>
+                                      </p:cBhvr>
+                                    </p:animEffect>
+                                    <p:anim calcmode="lin" valueType="num">
+                                      <p:cBhvr>
+                                        <p:cTn id="8" dur="500" fill="hold"/>
+                                        <p:tgtEl>
+                                          <p:spTgt spid="3">
+                                            <p:txEl>
+                                              <p:pRg st="0" end="0"/>
+                                            </p:txEl>
+                                          </p:spTgt>
+                                        </p:tgtEl>
+                                        <p:attrNameLst>
+                                          <p:attrName>ppt_x</p:attrName>
+                                        </p:attrNameLst>
+                                      </p:cBhvr>
+                                      <p:tavLst>
+                                        <p:tav tm="0">
+                                          <p:val>
+                                            <p:strVal val="#ppt_x"/>
+                                          </p:val>
+                                        </p:tav>
+                                        <p:tav tm="100000">
+                                          <p:val>
+                                            <p:strVal val="#ppt_x"/>
+                                          </p:val>
+                                        </p:tav>
+                                      </p:tavLst>
+                                    </p:anim>
+                                    <p:anim calcmode="lin" valueType="num">
+                                      <p:cBhvr>
+                                        <p:cTn id="9" dur="500" fill="hold"/>
+                                        <p:tgtEl>
+                                          <p:spTgt spid="3">
+                                            <p:txEl>
+                                              <p:pRg st="0" end="0"/>
+                                            </p:txEl>
+                                          </p:spTgt>
+                                        </p:tgtEl>
+                                        <p:attrNameLst>
+                                          <p:attrName>ppt_y</p:attrName>
+                                        </p:attrNameLst>
+                                      </p:cBhvr>
+                                      <p:tavLst>
+                                        <p:tav tm="0">
+                                          <p:val>
+                                            <p:strVal val="#ppt_y+.1"/>
+                                          </p:val>
+                                        </p:tav>
+                                        <p:tav tm="100000">
+                                          <p:val>
+                                            <p:strVal val="#ppt_y"/>
+                                          </p:val>
+                                        </p:tav>
+                                      </p:tavLst>
+                                    </p:anim>
+                                  </p:childTnLst>
+                                </p:cTn>
+                              </p:par>
+                            </p:childTnLst>
+                          </p:cTn>
+                        </p:par>
+                      </p:childTnLst>
+                    </p:cTn>
+                  </p:par>
+                  <p:par>
+                    <p:cTn id="10" fill="hold">
+                      <p:stCondLst>
+                        <p:cond delay="indefinite"/>
+                      </p:stCondLst>
+                      <p:childTnLst>
+                        <p:par>
+                          <p:cTn id="11" fill="hold">
+                            <p:stCondLst>
+                              <p:cond delay="0"/>
+                            </p:stCondLst>
+                            <p:childTnLst>
+                              <p:par>
+                                <p:cTn id="12" presetID="42" presetClass="entr" presetSubtype="0" fill="hold" grpId="0" nodeType="clickEffect">
+                                  <p:stCondLst>
+                                    <p:cond delay="0"/>
+                                  </p:stCondLst>
+                                  <p:childTnLst>
+                                    <p:set>
+                                      <p:cBhvr>
+                                        <p:cTn id="13" dur="1" fill="hold">
+                                          <p:stCondLst>
+                                            <p:cond delay="0"/>
+                                          </p:stCondLst>
+                                        </p:cTn>
+                                        <p:tgtEl>
+                                          <p:spTgt spid="3">
+                                            <p:txEl>
+                                              <p:pRg st="1" end="1"/>
+                                            </p:txEl>
+                                          </p:spTgt>
+                                        </p:tgtEl>
+                                        <p:attrNameLst>
+                                          <p:attrName>style.visibility</p:attrName>
+                                        </p:attrNameLst>
+                                      </p:cBhvr>
+                                      <p:to>
+                                        <p:strVal val="visible"/>
+                                      </p:to>
+                                    </p:set>
+                                    <p:animEffect transition="in" filter="fade">
+                                      <p:cBhvr>
+                                        <p:cTn id="14" dur="500"/>
+                                        <p:tgtEl>
+                                          <p:spTgt spid="3">
+                                            <p:txEl>
+                                              <p:pRg st="1" end="1"/>
+                                            </p:txEl>
+                                          </p:spTgt>
+                                        </p:tgtEl>
+                                      </p:cBhvr>
+                                    </p:animEffect>
+                                    <p:anim calcmode="lin" valueType="num">
+                                      <p:cBhvr>
+                                        <p:cTn id="15" dur="500" fill="hold"/>
+                                        <p:tgtEl>
+                                          <p:spTgt spid="3">
+                                            <p:txEl>
+                                              <p:pRg st="1" end="1"/>
+                                            </p:txEl>
+                                          </p:spTgt>
+                                        </p:tgtEl>
+                                        <p:attrNameLst>
+                                          <p:attrName>ppt_x</p:attrName>
+                                        </p:attrNameLst>
+                                      </p:cBhvr>
+                                      <p:tavLst>
+                                        <p:tav tm="0">
+                                          <p:val>
+                                            <p:strVal val="#ppt_x"/>
+                                          </p:val>
+                                        </p:tav>
+                                        <p:tav tm="100000">
+                                          <p:val>
+                                            <p:strVal val="#ppt_x"/>
+                                          </p:val>
+                                        </p:tav>
+                                      </p:tavLst>
+                                    </p:anim>
+                                    <p:anim calcmode="lin" valueType="num">
+                                      <p:cBhvr>
+                                        <p:cTn id="16" dur="500" fill="hold"/>
+                                        <p:tgtEl>
+                                          <p:spTgt spid="3">
+                                            <p:txEl>
+                                              <p:pRg st="1" end="1"/>
+                                            </p:txEl>
+                                          </p:spTgt>
+                                        </p:tgtEl>
+                                        <p:attrNameLst>
+                                          <p:attrName>ppt_y</p:attrName>
+                                        </p:attrNameLst>
+                                      </p:cBhvr>
+                                      <p:tavLst>
+                                        <p:tav tm="0">
+                                          <p:val>
+                                            <p:strVal val="#ppt_y+.1"/>
+                                          </p:val>
+                                        </p:tav>
+                                        <p:tav tm="100000">
+                                          <p:val>
+                                            <p:strVal val="#ppt_y"/>
+                                          </p:val>
+                                        </p:tav>
+                                      </p:tavLst>
+                                    </p:anim>
+                                  </p:childTnLst>
+                                </p:cTn>
+                              </p:par>
+                            </p:childTnLst>
+                          </p:cTn>
+                        </p:par>
+                      </p:childTnLst>
+                    </p:cTn>
+                  </p:par>
+                  <p:par>
+                    <p:cTn id="17" fill="hold">
+                      <p:stCondLst>
+                        <p:cond delay="indefinite"/>
+                      </p:stCondLst>
+                      <p:childTnLst>
+                        <p:par>
+                          <p:cTn id="18" fill="hold">
+                            <p:stCondLst>
+                              <p:cond delay="0"/>
+                            </p:stCondLst>
+                            <p:childTnLst>
+                              <p:par>
+                                <p:cTn id="19" presetID="42" presetClass="entr" presetSubtype="0" fill="hold" grpId="0" nodeType="clickEffect">
+                                  <p:stCondLst>
+                                    <p:cond delay="0"/>
+                                  </p:stCondLst>
+                                  <p:childTnLst>
+                                    <p:set>
+                                      <p:cBhvr>
+                                        <p:cTn id="20" dur="1" fill="hold">
+                                          <p:stCondLst>
+                                            <p:cond delay="0"/>
+                                          </p:stCondLst>
+                                        </p:cTn>
+                                        <p:tgtEl>
+                                          <p:spTgt spid="3">
+                                            <p:txEl>
+                                              <p:pRg st="2" end="2"/>
+                                            </p:txEl>
+                                          </p:spTgt>
+                                        </p:tgtEl>
+                                        <p:attrNameLst>
+                                          <p:attrName>style.visibility</p:attrName>
+                                        </p:attrNameLst>
+                                      </p:cBhvr>
+                                      <p:to>
+                                        <p:strVal val="visible"/>
+                                      </p:to>
+                                    </p:set>
+                                    <p:animEffect transition="in" filter="fade">
+                                      <p:cBhvr>
+                                        <p:cTn id="21" dur="500"/>
+                                        <p:tgtEl>
+                                          <p:spTgt spid="3">
+                                            <p:txEl>
+                                              <p:pRg st="2" end="2"/>
+                                            </p:txEl>
+                                          </p:spTgt>
+                                        </p:tgtEl>
+                                      </p:cBhvr>
+                                    </p:animEffect>
+                                    <p:anim calcmode="lin" valueType="num">
+                                      <p:cBhvr>
+                                        <p:cTn id="22" dur="500" fill="hold"/>
+                                        <p:tgtEl>
+                                          <p:spTgt spid="3">
+                                            <p:txEl>
+                                              <p:pRg st="2" end="2"/>
+                                            </p:txEl>
+                                          </p:spTgt>
+                                        </p:tgtEl>
+                                        <p:attrNameLst>
+                                          <p:attrName>ppt_x</p:attrName>
+                                        </p:attrNameLst>
+                                      </p:cBhvr>
+                                      <p:tavLst>
+                                        <p:tav tm="0">
+                                          <p:val>
+                                            <p:strVal val="#ppt_x"/>
+                                          </p:val>
+                                        </p:tav>
+                                        <p:tav tm="100000">
+                                          <p:val>
+                                            <p:strVal val="#ppt_x"/>
+                                          </p:val>
+                                        </p:tav>
+                                      </p:tavLst>
+                                    </p:anim>
+                                    <p:anim calcmode="lin" valueType="num">
+                                      <p:cBhvr>
+                                        <p:cTn id="23" dur="500" fill="hold"/>
+                                        <p:tgtEl>
+                                          <p:spTgt spid="3">
+                                            <p:txEl>
+                                              <p:pRg st="2" end="2"/>
+                                            </p:txEl>
+                                          </p:spTgt>
+                                        </p:tgtEl>
+                                        <p:attrNameLst>
+                                          <p:attrName>ppt_y</p:attrName>
+                                        </p:attrNameLst>
+                                      </p:cBhvr>
+                                      <p:tavLst>
+                                        <p:tav tm="0">
+                                          <p:val>
+                                            <p:strVal val="#ppt_y+.1"/>
+                                          </p:val>
+                                        </p:tav>
+                                        <p:tav tm="100000">
+                                          <p:val>
+                                            <p:strVal val="#ppt_y"/>
+                                          </p:val>
+                                        </p:tav>
+                                      </p:tavLst>
+                                    </p:anim>
+                                  </p:childTnLst>
+                                </p:cTn>
+                              </p:par>
+                            </p:childTnLst>
+                          </p:cTn>
+                        </p:par>
+                      </p:childTnLst>
+                    </p:cTn>
+                  </p:par>
+                  <p:par>
+                    <p:cTn id="24" fill="hold">
+                      <p:stCondLst>
+                        <p:cond delay="indefinite"/>
+                      </p:stCondLst>
+                      <p:childTnLst>
+                        <p:par>
+                          <p:cTn id="25" fill="hold">
+                            <p:stCondLst>
+                              <p:cond delay="0"/>
+                            </p:stCondLst>
+                            <p:childTnLst>
+                              <p:par>
+                                <p:cTn id="26" presetID="42" presetClass="entr" presetSubtype="0" fill="hold" grpId="0" nodeType="clickEffect">
+                                  <p:stCondLst>
+                                    <p:cond delay="0"/>
+                                  </p:stCondLst>
+                                  <p:childTnLst>
+                                    <p:set>
+                                      <p:cBhvr>
+                                        <p:cTn id="27" dur="1" fill="hold">
+                                          <p:stCondLst>
+                                            <p:cond delay="0"/>
+                                          </p:stCondLst>
+                                        </p:cTn>
+                                        <p:tgtEl>
+                                          <p:spTgt spid="3">
+                                            <p:txEl>
+                                              <p:pRg st="3" end="3"/>
+                                            </p:txEl>
+                                          </p:spTgt>
+                                        </p:tgtEl>
+                                        <p:attrNameLst>
+                                          <p:attrName>style.visibility</p:attrName>
+                                        </p:attrNameLst>
+                                      </p:cBhvr>
+                                      <p:to>
+                                        <p:strVal val="visible"/>
+                                      </p:to>
+                                    </p:set>
+                                    <p:animEffect transition="in" filter="fade">
+                                      <p:cBhvr>
+                                        <p:cTn id="28" dur="500"/>
+                                        <p:tgtEl>
+                                          <p:spTgt spid="3">
+                                            <p:txEl>
+                                              <p:pRg st="3" end="3"/>
+                                            </p:txEl>
+                                          </p:spTgt>
+                                        </p:tgtEl>
+                                      </p:cBhvr>
+                                    </p:animEffect>
+                                    <p:anim calcmode="lin" valueType="num">
+                                      <p:cBhvr>
+                                        <p:cTn id="29" dur="500" fill="hold"/>
+                                        <p:tgtEl>
+                                          <p:spTgt spid="3">
+                                            <p:txEl>
+                                              <p:pRg st="3" end="3"/>
+                                            </p:txEl>
+                                          </p:spTgt>
+                                        </p:tgtEl>
+                                        <p:attrNameLst>
+                                          <p:attrName>ppt_x</p:attrName>
+                                        </p:attrNameLst>
+                                      </p:cBhvr>
+                                      <p:tavLst>
+                                        <p:tav tm="0">
+                                          <p:val>
+                                            <p:strVal val="#ppt_x"/>
+                                          </p:val>
+                                        </p:tav>
+                                        <p:tav tm="100000">
+                                          <p:val>
+                                            <p:strVal val="#ppt_x"/>
+                                          </p:val>
+                                        </p:tav>
+                                      </p:tavLst>
+                                    </p:anim>
+                                    <p:anim calcmode="lin" valueType="num">
+                                      <p:cBhvr>
+                                        <p:cTn id="30" dur="500" fill="hold"/>
+                                        <p:tgtEl>
+                                          <p:spTgt spid="3">
+                                            <p:txEl>
+                                              <p:pRg st="3" end="3"/>
+                                            </p:txEl>
+                                          </p:spTgt>
+                                        </p:tgtEl>
+                                        <p:attrNameLst>
+                                          <p:attrName>ppt_y</p:attrName>
+                                        </p:attrNameLst>
+                                      </p:cBhvr>
+                                      <p:tavLst>
+                                        <p:tav tm="0">
+                                          <p:val>
+                                            <p:strVal val="#ppt_y+.1"/>
+                                          </p:val>
+                                        </p:tav>
+                                        <p:tav tm="100000">
+                                          <p:val>
+                                            <p:strVal val="#ppt_y"/>
+                                          </p:val>
+                                        </p:tav>
+                                      </p:tavLst>
+                                    </p:anim>
+                                  </p:childTnLst>
+                                </p:cTn>
+                              </p:par>
+                            </p:childTnLst>
+                          </p:cTn>
+                        </p:par>
+                      </p:childTnLst>
+                    </p:cTn>
+                  </p:par>
+                </p:childTnLst>
+              </p:cTn>
+              <p:prevCondLst>
+                <p:cond evt="onPrev" delay="0">
+                  <p:tgtEl>
+                    <p:sldTgt/>
+                  </p:tgtEl>
+                </p:cond>
+              </p:prevCondLst>
+              <p:nextCondLst>
+                <p:cond evt="onNext" delay="0">
+                  <p:tgtEl>
+                    <p:sldTgt/>
+                  </p:tgtEl>
+                </p:cond>
+              </p:nextCondLst>
+            </p:seq>
+          </p:childTnLst>
+        </p:cTn>
+      </p:par>
+    </p:tnLst>
+    <p:bldLst>
+      <p:bldP spid="3" grpId="0" uiExpand="1" build="p"/>
+    </p:bldLst>
+  </p:timing>
 </p:sld>
 </file>
 
@@ -4078,7 +4588,7 @@
               <a:rPr lang="fr-FR" dirty="0">
                 <a:latin typeface="Helvetica-Light" panose="020B0400000000000000" pitchFamily="34" charset="0"/>
               </a:rPr>
-              <a:t>Le projet</a:t>
+              <a:t>L’idée derrière ce projet</a:t>
             </a:r>
           </a:p>
         </p:txBody>
@@ -4110,58 +4620,550 @@
               <a:rPr lang="fr-FR" dirty="0">
                 <a:latin typeface="Helvetica-Light" panose="020B0400000000000000" pitchFamily="34" charset="0"/>
               </a:rPr>
-              <a:t>Principal </a:t>
-            </a:r>
-            <a:r>
-              <a:rPr lang="fr-FR" dirty="0" err="1">
-                <a:latin typeface="Helvetica-Light" panose="020B0400000000000000" pitchFamily="34" charset="0"/>
-              </a:rPr>
-              <a:t>framework</a:t>
-            </a:r>
+              <a:t>Parler sans que l’on soit enregistré</a:t>
+            </a:r>
+          </a:p>
+          <a:p>
             <a:r>
               <a:rPr lang="fr-FR" dirty="0">
                 <a:latin typeface="Helvetica-Light" panose="020B0400000000000000" pitchFamily="34" charset="0"/>
               </a:rPr>
-              <a:t> : </a:t>
-            </a:r>
-            <a:r>
-              <a:rPr lang="fr-FR" dirty="0" err="1">
-                <a:latin typeface="Helvetica-Light" panose="020B0400000000000000" pitchFamily="34" charset="0"/>
-              </a:rPr>
-              <a:t>MultipeerConnectivity</a:t>
-            </a:r>
-            <a:endParaRPr lang="fr-FR" dirty="0">
-              <a:latin typeface="Helvetica-Light" panose="020B0400000000000000" pitchFamily="34" charset="0"/>
-            </a:endParaRPr>
+              <a:t>Faire des rencontres</a:t>
+            </a:r>
           </a:p>
           <a:p>
             <a:r>
               <a:rPr lang="fr-FR" dirty="0">
                 <a:latin typeface="Helvetica-Light" panose="020B0400000000000000" pitchFamily="34" charset="0"/>
               </a:rPr>
-              <a:t>Framework qui permet la découverte d’appareils à proximité alentours (Bluetooth) ou connectés au même réseau Wi-Fi ou encore le NFC</a:t>
-            </a:r>
-          </a:p>
-          <a:p>
-            <a:pPr marL="0" indent="0">
-              <a:buNone/>
-            </a:pPr>
-            <a:endParaRPr lang="fr-FR" dirty="0">
-              <a:latin typeface="Helvetica-Light" panose="020B0400000000000000" pitchFamily="34" charset="0"/>
-            </a:endParaRPr>
+              <a:t>Avoir les fonctions essentielles d'un chat, qui ici, a l'avantage d'être éphémère</a:t>
+            </a:r>
+          </a:p>
+          <a:p>
+            <a:r>
+              <a:rPr lang="fr-FR" dirty="0">
+                <a:latin typeface="Helvetica-Light" panose="020B0400000000000000" pitchFamily="34" charset="0"/>
+              </a:rPr>
+              <a:t>Connectivité qui ne nécessite pas de connexion internet</a:t>
+            </a:r>
           </a:p>
         </p:txBody>
       </p:sp>
     </p:spTree>
     <p:extLst>
       <p:ext uri="{BB962C8B-B14F-4D97-AF65-F5344CB8AC3E}">
-        <p14:creationId xmlns:p14="http://schemas.microsoft.com/office/powerpoint/2010/main" val="2965969391"/>
+        <p14:creationId xmlns:p14="http://schemas.microsoft.com/office/powerpoint/2010/main" val="2983905163"/>
       </p:ext>
     </p:extLst>
   </p:cSld>
   <p:clrMapOvr>
     <a:masterClrMapping/>
   </p:clrMapOvr>
+  <mc:AlternateContent xmlns:mc="http://schemas.openxmlformats.org/markup-compatibility/2006">
+    <mc:Choice xmlns:p14="http://schemas.microsoft.com/office/powerpoint/2010/main" Requires="p14">
+      <p:transition spd="med" p14:dur="700">
+        <p:fade/>
+      </p:transition>
+    </mc:Choice>
+    <mc:Fallback>
+      <p:transition spd="med">
+        <p:fade/>
+      </p:transition>
+    </mc:Fallback>
+  </mc:AlternateContent>
+  <p:timing>
+    <p:tnLst>
+      <p:par>
+        <p:cTn id="1" dur="indefinite" restart="never" nodeType="tmRoot">
+          <p:childTnLst>
+            <p:seq concurrent="1" nextAc="seek">
+              <p:cTn id="2" dur="indefinite" nodeType="mainSeq">
+                <p:childTnLst>
+                  <p:par>
+                    <p:cTn id="3" fill="hold">
+                      <p:stCondLst>
+                        <p:cond delay="indefinite"/>
+                      </p:stCondLst>
+                      <p:childTnLst>
+                        <p:par>
+                          <p:cTn id="4" fill="hold">
+                            <p:stCondLst>
+                              <p:cond delay="0"/>
+                            </p:stCondLst>
+                            <p:childTnLst>
+                              <p:par>
+                                <p:cTn id="5" presetID="42" presetClass="entr" presetSubtype="0" fill="hold" grpId="0" nodeType="clickEffect">
+                                  <p:stCondLst>
+                                    <p:cond delay="0"/>
+                                  </p:stCondLst>
+                                  <p:childTnLst>
+                                    <p:set>
+                                      <p:cBhvr>
+                                        <p:cTn id="6" dur="1" fill="hold">
+                                          <p:stCondLst>
+                                            <p:cond delay="0"/>
+                                          </p:stCondLst>
+                                        </p:cTn>
+                                        <p:tgtEl>
+                                          <p:spTgt spid="3">
+                                            <p:txEl>
+                                              <p:pRg st="0" end="0"/>
+                                            </p:txEl>
+                                          </p:spTgt>
+                                        </p:tgtEl>
+                                        <p:attrNameLst>
+                                          <p:attrName>style.visibility</p:attrName>
+                                        </p:attrNameLst>
+                                      </p:cBhvr>
+                                      <p:to>
+                                        <p:strVal val="visible"/>
+                                      </p:to>
+                                    </p:set>
+                                    <p:animEffect transition="in" filter="fade">
+                                      <p:cBhvr>
+                                        <p:cTn id="7" dur="1000"/>
+                                        <p:tgtEl>
+                                          <p:spTgt spid="3">
+                                            <p:txEl>
+                                              <p:pRg st="0" end="0"/>
+                                            </p:txEl>
+                                          </p:spTgt>
+                                        </p:tgtEl>
+                                      </p:cBhvr>
+                                    </p:animEffect>
+                                    <p:anim calcmode="lin" valueType="num">
+                                      <p:cBhvr>
+                                        <p:cTn id="8" dur="1000" fill="hold"/>
+                                        <p:tgtEl>
+                                          <p:spTgt spid="3">
+                                            <p:txEl>
+                                              <p:pRg st="0" end="0"/>
+                                            </p:txEl>
+                                          </p:spTgt>
+                                        </p:tgtEl>
+                                        <p:attrNameLst>
+                                          <p:attrName>ppt_x</p:attrName>
+                                        </p:attrNameLst>
+                                      </p:cBhvr>
+                                      <p:tavLst>
+                                        <p:tav tm="0">
+                                          <p:val>
+                                            <p:strVal val="#ppt_x"/>
+                                          </p:val>
+                                        </p:tav>
+                                        <p:tav tm="100000">
+                                          <p:val>
+                                            <p:strVal val="#ppt_x"/>
+                                          </p:val>
+                                        </p:tav>
+                                      </p:tavLst>
+                                    </p:anim>
+                                    <p:anim calcmode="lin" valueType="num">
+                                      <p:cBhvr>
+                                        <p:cTn id="9" dur="1000" fill="hold"/>
+                                        <p:tgtEl>
+                                          <p:spTgt spid="3">
+                                            <p:txEl>
+                                              <p:pRg st="0" end="0"/>
+                                            </p:txEl>
+                                          </p:spTgt>
+                                        </p:tgtEl>
+                                        <p:attrNameLst>
+                                          <p:attrName>ppt_y</p:attrName>
+                                        </p:attrNameLst>
+                                      </p:cBhvr>
+                                      <p:tavLst>
+                                        <p:tav tm="0">
+                                          <p:val>
+                                            <p:strVal val="#ppt_y+.1"/>
+                                          </p:val>
+                                        </p:tav>
+                                        <p:tav tm="100000">
+                                          <p:val>
+                                            <p:strVal val="#ppt_y"/>
+                                          </p:val>
+                                        </p:tav>
+                                      </p:tavLst>
+                                    </p:anim>
+                                  </p:childTnLst>
+                                </p:cTn>
+                              </p:par>
+                            </p:childTnLst>
+                          </p:cTn>
+                        </p:par>
+                      </p:childTnLst>
+                    </p:cTn>
+                  </p:par>
+                  <p:par>
+                    <p:cTn id="10" fill="hold">
+                      <p:stCondLst>
+                        <p:cond delay="indefinite"/>
+                      </p:stCondLst>
+                      <p:childTnLst>
+                        <p:par>
+                          <p:cTn id="11" fill="hold">
+                            <p:stCondLst>
+                              <p:cond delay="0"/>
+                            </p:stCondLst>
+                            <p:childTnLst>
+                              <p:par>
+                                <p:cTn id="12" presetID="42" presetClass="entr" presetSubtype="0" fill="hold" grpId="0" nodeType="clickEffect">
+                                  <p:stCondLst>
+                                    <p:cond delay="0"/>
+                                  </p:stCondLst>
+                                  <p:childTnLst>
+                                    <p:set>
+                                      <p:cBhvr>
+                                        <p:cTn id="13" dur="1" fill="hold">
+                                          <p:stCondLst>
+                                            <p:cond delay="0"/>
+                                          </p:stCondLst>
+                                        </p:cTn>
+                                        <p:tgtEl>
+                                          <p:spTgt spid="3">
+                                            <p:txEl>
+                                              <p:pRg st="1" end="1"/>
+                                            </p:txEl>
+                                          </p:spTgt>
+                                        </p:tgtEl>
+                                        <p:attrNameLst>
+                                          <p:attrName>style.visibility</p:attrName>
+                                        </p:attrNameLst>
+                                      </p:cBhvr>
+                                      <p:to>
+                                        <p:strVal val="visible"/>
+                                      </p:to>
+                                    </p:set>
+                                    <p:animEffect transition="in" filter="fade">
+                                      <p:cBhvr>
+                                        <p:cTn id="14" dur="1000"/>
+                                        <p:tgtEl>
+                                          <p:spTgt spid="3">
+                                            <p:txEl>
+                                              <p:pRg st="1" end="1"/>
+                                            </p:txEl>
+                                          </p:spTgt>
+                                        </p:tgtEl>
+                                      </p:cBhvr>
+                                    </p:animEffect>
+                                    <p:anim calcmode="lin" valueType="num">
+                                      <p:cBhvr>
+                                        <p:cTn id="15" dur="1000" fill="hold"/>
+                                        <p:tgtEl>
+                                          <p:spTgt spid="3">
+                                            <p:txEl>
+                                              <p:pRg st="1" end="1"/>
+                                            </p:txEl>
+                                          </p:spTgt>
+                                        </p:tgtEl>
+                                        <p:attrNameLst>
+                                          <p:attrName>ppt_x</p:attrName>
+                                        </p:attrNameLst>
+                                      </p:cBhvr>
+                                      <p:tavLst>
+                                        <p:tav tm="0">
+                                          <p:val>
+                                            <p:strVal val="#ppt_x"/>
+                                          </p:val>
+                                        </p:tav>
+                                        <p:tav tm="100000">
+                                          <p:val>
+                                            <p:strVal val="#ppt_x"/>
+                                          </p:val>
+                                        </p:tav>
+                                      </p:tavLst>
+                                    </p:anim>
+                                    <p:anim calcmode="lin" valueType="num">
+                                      <p:cBhvr>
+                                        <p:cTn id="16" dur="1000" fill="hold"/>
+                                        <p:tgtEl>
+                                          <p:spTgt spid="3">
+                                            <p:txEl>
+                                              <p:pRg st="1" end="1"/>
+                                            </p:txEl>
+                                          </p:spTgt>
+                                        </p:tgtEl>
+                                        <p:attrNameLst>
+                                          <p:attrName>ppt_y</p:attrName>
+                                        </p:attrNameLst>
+                                      </p:cBhvr>
+                                      <p:tavLst>
+                                        <p:tav tm="0">
+                                          <p:val>
+                                            <p:strVal val="#ppt_y+.1"/>
+                                          </p:val>
+                                        </p:tav>
+                                        <p:tav tm="100000">
+                                          <p:val>
+                                            <p:strVal val="#ppt_y"/>
+                                          </p:val>
+                                        </p:tav>
+                                      </p:tavLst>
+                                    </p:anim>
+                                  </p:childTnLst>
+                                </p:cTn>
+                              </p:par>
+                            </p:childTnLst>
+                          </p:cTn>
+                        </p:par>
+                      </p:childTnLst>
+                    </p:cTn>
+                  </p:par>
+                  <p:par>
+                    <p:cTn id="17" fill="hold">
+                      <p:stCondLst>
+                        <p:cond delay="indefinite"/>
+                      </p:stCondLst>
+                      <p:childTnLst>
+                        <p:par>
+                          <p:cTn id="18" fill="hold">
+                            <p:stCondLst>
+                              <p:cond delay="0"/>
+                            </p:stCondLst>
+                            <p:childTnLst>
+                              <p:par>
+                                <p:cTn id="19" presetID="42" presetClass="entr" presetSubtype="0" fill="hold" grpId="0" nodeType="clickEffect">
+                                  <p:stCondLst>
+                                    <p:cond delay="0"/>
+                                  </p:stCondLst>
+                                  <p:childTnLst>
+                                    <p:set>
+                                      <p:cBhvr>
+                                        <p:cTn id="20" dur="1" fill="hold">
+                                          <p:stCondLst>
+                                            <p:cond delay="0"/>
+                                          </p:stCondLst>
+                                        </p:cTn>
+                                        <p:tgtEl>
+                                          <p:spTgt spid="3">
+                                            <p:txEl>
+                                              <p:pRg st="2" end="2"/>
+                                            </p:txEl>
+                                          </p:spTgt>
+                                        </p:tgtEl>
+                                        <p:attrNameLst>
+                                          <p:attrName>style.visibility</p:attrName>
+                                        </p:attrNameLst>
+                                      </p:cBhvr>
+                                      <p:to>
+                                        <p:strVal val="visible"/>
+                                      </p:to>
+                                    </p:set>
+                                    <p:animEffect transition="in" filter="fade">
+                                      <p:cBhvr>
+                                        <p:cTn id="21" dur="1000"/>
+                                        <p:tgtEl>
+                                          <p:spTgt spid="3">
+                                            <p:txEl>
+                                              <p:pRg st="2" end="2"/>
+                                            </p:txEl>
+                                          </p:spTgt>
+                                        </p:tgtEl>
+                                      </p:cBhvr>
+                                    </p:animEffect>
+                                    <p:anim calcmode="lin" valueType="num">
+                                      <p:cBhvr>
+                                        <p:cTn id="22" dur="1000" fill="hold"/>
+                                        <p:tgtEl>
+                                          <p:spTgt spid="3">
+                                            <p:txEl>
+                                              <p:pRg st="2" end="2"/>
+                                            </p:txEl>
+                                          </p:spTgt>
+                                        </p:tgtEl>
+                                        <p:attrNameLst>
+                                          <p:attrName>ppt_x</p:attrName>
+                                        </p:attrNameLst>
+                                      </p:cBhvr>
+                                      <p:tavLst>
+                                        <p:tav tm="0">
+                                          <p:val>
+                                            <p:strVal val="#ppt_x"/>
+                                          </p:val>
+                                        </p:tav>
+                                        <p:tav tm="100000">
+                                          <p:val>
+                                            <p:strVal val="#ppt_x"/>
+                                          </p:val>
+                                        </p:tav>
+                                      </p:tavLst>
+                                    </p:anim>
+                                    <p:anim calcmode="lin" valueType="num">
+                                      <p:cBhvr>
+                                        <p:cTn id="23" dur="1000" fill="hold"/>
+                                        <p:tgtEl>
+                                          <p:spTgt spid="3">
+                                            <p:txEl>
+                                              <p:pRg st="2" end="2"/>
+                                            </p:txEl>
+                                          </p:spTgt>
+                                        </p:tgtEl>
+                                        <p:attrNameLst>
+                                          <p:attrName>ppt_y</p:attrName>
+                                        </p:attrNameLst>
+                                      </p:cBhvr>
+                                      <p:tavLst>
+                                        <p:tav tm="0">
+                                          <p:val>
+                                            <p:strVal val="#ppt_y+.1"/>
+                                          </p:val>
+                                        </p:tav>
+                                        <p:tav tm="100000">
+                                          <p:val>
+                                            <p:strVal val="#ppt_y"/>
+                                          </p:val>
+                                        </p:tav>
+                                      </p:tavLst>
+                                    </p:anim>
+                                  </p:childTnLst>
+                                </p:cTn>
+                              </p:par>
+                            </p:childTnLst>
+                          </p:cTn>
+                        </p:par>
+                      </p:childTnLst>
+                    </p:cTn>
+                  </p:par>
+                  <p:par>
+                    <p:cTn id="24" fill="hold">
+                      <p:stCondLst>
+                        <p:cond delay="indefinite"/>
+                      </p:stCondLst>
+                      <p:childTnLst>
+                        <p:par>
+                          <p:cTn id="25" fill="hold">
+                            <p:stCondLst>
+                              <p:cond delay="0"/>
+                            </p:stCondLst>
+                            <p:childTnLst>
+                              <p:par>
+                                <p:cTn id="26" presetID="42" presetClass="entr" presetSubtype="0" fill="hold" grpId="0" nodeType="clickEffect">
+                                  <p:stCondLst>
+                                    <p:cond delay="0"/>
+                                  </p:stCondLst>
+                                  <p:childTnLst>
+                                    <p:set>
+                                      <p:cBhvr>
+                                        <p:cTn id="27" dur="1" fill="hold">
+                                          <p:stCondLst>
+                                            <p:cond delay="0"/>
+                                          </p:stCondLst>
+                                        </p:cTn>
+                                        <p:tgtEl>
+                                          <p:spTgt spid="3">
+                                            <p:txEl>
+                                              <p:pRg st="3" end="3"/>
+                                            </p:txEl>
+                                          </p:spTgt>
+                                        </p:tgtEl>
+                                        <p:attrNameLst>
+                                          <p:attrName>style.visibility</p:attrName>
+                                        </p:attrNameLst>
+                                      </p:cBhvr>
+                                      <p:to>
+                                        <p:strVal val="visible"/>
+                                      </p:to>
+                                    </p:set>
+                                    <p:animEffect transition="in" filter="fade">
+                                      <p:cBhvr>
+                                        <p:cTn id="28" dur="1000"/>
+                                        <p:tgtEl>
+                                          <p:spTgt spid="3">
+                                            <p:txEl>
+                                              <p:pRg st="3" end="3"/>
+                                            </p:txEl>
+                                          </p:spTgt>
+                                        </p:tgtEl>
+                                      </p:cBhvr>
+                                    </p:animEffect>
+                                    <p:anim calcmode="lin" valueType="num">
+                                      <p:cBhvr>
+                                        <p:cTn id="29" dur="1000" fill="hold"/>
+                                        <p:tgtEl>
+                                          <p:spTgt spid="3">
+                                            <p:txEl>
+                                              <p:pRg st="3" end="3"/>
+                                            </p:txEl>
+                                          </p:spTgt>
+                                        </p:tgtEl>
+                                        <p:attrNameLst>
+                                          <p:attrName>ppt_x</p:attrName>
+                                        </p:attrNameLst>
+                                      </p:cBhvr>
+                                      <p:tavLst>
+                                        <p:tav tm="0">
+                                          <p:val>
+                                            <p:strVal val="#ppt_x"/>
+                                          </p:val>
+                                        </p:tav>
+                                        <p:tav tm="100000">
+                                          <p:val>
+                                            <p:strVal val="#ppt_x"/>
+                                          </p:val>
+                                        </p:tav>
+                                      </p:tavLst>
+                                    </p:anim>
+                                    <p:anim calcmode="lin" valueType="num">
+                                      <p:cBhvr>
+                                        <p:cTn id="30" dur="1000" fill="hold"/>
+                                        <p:tgtEl>
+                                          <p:spTgt spid="3">
+                                            <p:txEl>
+                                              <p:pRg st="3" end="3"/>
+                                            </p:txEl>
+                                          </p:spTgt>
+                                        </p:tgtEl>
+                                        <p:attrNameLst>
+                                          <p:attrName>ppt_y</p:attrName>
+                                        </p:attrNameLst>
+                                      </p:cBhvr>
+                                      <p:tavLst>
+                                        <p:tav tm="0">
+                                          <p:val>
+                                            <p:strVal val="#ppt_y+.1"/>
+                                          </p:val>
+                                        </p:tav>
+                                        <p:tav tm="100000">
+                                          <p:val>
+                                            <p:strVal val="#ppt_y"/>
+                                          </p:val>
+                                        </p:tav>
+                                      </p:tavLst>
+                                    </p:anim>
+                                  </p:childTnLst>
+                                </p:cTn>
+                              </p:par>
+                            </p:childTnLst>
+                          </p:cTn>
+                        </p:par>
+                      </p:childTnLst>
+                    </p:cTn>
+                  </p:par>
+                </p:childTnLst>
+              </p:cTn>
+              <p:prevCondLst>
+                <p:cond evt="onPrev" delay="0">
+                  <p:tgtEl>
+                    <p:sldTgt/>
+                  </p:tgtEl>
+                </p:cond>
+              </p:prevCondLst>
+              <p:nextCondLst>
+                <p:cond evt="onNext" delay="0">
+                  <p:tgtEl>
+                    <p:sldTgt/>
+                  </p:tgtEl>
+                </p:cond>
+              </p:nextCondLst>
+            </p:seq>
+          </p:childTnLst>
+        </p:cTn>
+      </p:par>
+    </p:tnLst>
+    <p:bldLst>
+      <p:bldP spid="3" grpId="0" build="p"/>
+    </p:bldLst>
+  </p:timing>
 </p:sld>
 </file>
 
@@ -4187,7 +5189,7 @@
           <p:cNvPr id="2" name="Titre 1">
             <a:extLst>
               <a:ext uri="{FF2B5EF4-FFF2-40B4-BE49-F238E27FC236}">
-                <a16:creationId xmlns:a16="http://schemas.microsoft.com/office/drawing/2014/main" id="{1909D473-3EDF-4AC1-A22C-8926B47AF248}"/>
+                <a16:creationId xmlns:a16="http://schemas.microsoft.com/office/drawing/2014/main" id="{9E10A996-CAA0-4DC0-9C1D-8D9E76E54796}"/>
               </a:ext>
             </a:extLst>
           </p:cNvPr>
@@ -4208,7 +5210,7 @@
               <a:rPr lang="fr-FR" dirty="0">
                 <a:latin typeface="Helvetica-Light" panose="020B0400000000000000" pitchFamily="34" charset="0"/>
               </a:rPr>
-              <a:t>L’idée derrière ce projet</a:t>
+              <a:t>Points forts</a:t>
             </a:r>
           </a:p>
         </p:txBody>
@@ -4218,7 +5220,7 @@
           <p:cNvPr id="3" name="Espace réservé du contenu 2">
             <a:extLst>
               <a:ext uri="{FF2B5EF4-FFF2-40B4-BE49-F238E27FC236}">
-                <a16:creationId xmlns:a16="http://schemas.microsoft.com/office/drawing/2014/main" id="{0FFA1DB8-3887-4788-94DC-D53315548BC6}"/>
+                <a16:creationId xmlns:a16="http://schemas.microsoft.com/office/drawing/2014/main" id="{A38DC6FD-DDEB-4600-B800-CB4EC421431C}"/>
               </a:ext>
             </a:extLst>
           </p:cNvPr>
@@ -4231,16 +5233,14 @@
         </p:nvSpPr>
         <p:spPr/>
         <p:txBody>
-          <a:bodyPr>
-            <a:normAutofit/>
-          </a:bodyPr>
+          <a:bodyPr/>
           <a:lstStyle/>
           <a:p>
             <a:r>
               <a:rPr lang="fr-FR" dirty="0">
                 <a:latin typeface="Helvetica-Light" panose="020B0400000000000000" pitchFamily="34" charset="0"/>
               </a:rPr>
-              <a:t>Parler sans que l’on soit enregistré</a:t>
+              <a:t>Chat éphémère </a:t>
             </a:r>
           </a:p>
           <a:p>
@@ -4248,7 +5248,7 @@
               <a:rPr lang="fr-FR" dirty="0">
                 <a:latin typeface="Helvetica-Light" panose="020B0400000000000000" pitchFamily="34" charset="0"/>
               </a:rPr>
-              <a:t>Faire des rencontres</a:t>
+              <a:t>Pas besoin de connexion internet</a:t>
             </a:r>
           </a:p>
           <a:p>
@@ -4256,7 +5256,7 @@
               <a:rPr lang="fr-FR" dirty="0">
                 <a:latin typeface="Helvetica-Light" panose="020B0400000000000000" pitchFamily="34" charset="0"/>
               </a:rPr>
-              <a:t>Avoir les fonctions essentielles d'un chat, qui ici, a l'avantage d'être éphémère</a:t>
+              <a:t>Fin de discussion provoque une déconnexion du chat pour les utilisateurs</a:t>
             </a:r>
           </a:p>
           <a:p>
@@ -4264,7 +5264,7 @@
               <a:rPr lang="fr-FR" dirty="0">
                 <a:latin typeface="Helvetica-Light" panose="020B0400000000000000" pitchFamily="34" charset="0"/>
               </a:rPr>
-              <a:t>Connectivité qui ne nécessite pas de connexion internet</a:t>
+              <a:t>Communication en temps réel</a:t>
             </a:r>
           </a:p>
         </p:txBody>
@@ -4272,13 +5272,518 @@
     </p:spTree>
     <p:extLst>
       <p:ext uri="{BB962C8B-B14F-4D97-AF65-F5344CB8AC3E}">
-        <p14:creationId xmlns:p14="http://schemas.microsoft.com/office/powerpoint/2010/main" val="2983905163"/>
+        <p14:creationId xmlns:p14="http://schemas.microsoft.com/office/powerpoint/2010/main" val="4169272466"/>
       </p:ext>
     </p:extLst>
   </p:cSld>
   <p:clrMapOvr>
     <a:masterClrMapping/>
   </p:clrMapOvr>
+  <mc:AlternateContent xmlns:mc="http://schemas.openxmlformats.org/markup-compatibility/2006">
+    <mc:Choice xmlns:p14="http://schemas.microsoft.com/office/powerpoint/2010/main" Requires="p14">
+      <p:transition spd="med" p14:dur="700">
+        <p:fade/>
+      </p:transition>
+    </mc:Choice>
+    <mc:Fallback>
+      <p:transition spd="med">
+        <p:fade/>
+      </p:transition>
+    </mc:Fallback>
+  </mc:AlternateContent>
+  <p:timing>
+    <p:tnLst>
+      <p:par>
+        <p:cTn id="1" dur="indefinite" restart="never" nodeType="tmRoot">
+          <p:childTnLst>
+            <p:seq concurrent="1" nextAc="seek">
+              <p:cTn id="2" dur="indefinite" nodeType="mainSeq">
+                <p:childTnLst>
+                  <p:par>
+                    <p:cTn id="3" fill="hold">
+                      <p:stCondLst>
+                        <p:cond delay="indefinite"/>
+                      </p:stCondLst>
+                      <p:childTnLst>
+                        <p:par>
+                          <p:cTn id="4" fill="hold">
+                            <p:stCondLst>
+                              <p:cond delay="0"/>
+                            </p:stCondLst>
+                            <p:childTnLst>
+                              <p:par>
+                                <p:cTn id="5" presetID="42" presetClass="entr" presetSubtype="0" fill="hold" grpId="0" nodeType="clickEffect">
+                                  <p:stCondLst>
+                                    <p:cond delay="0"/>
+                                  </p:stCondLst>
+                                  <p:childTnLst>
+                                    <p:set>
+                                      <p:cBhvr>
+                                        <p:cTn id="6" dur="1" fill="hold">
+                                          <p:stCondLst>
+                                            <p:cond delay="0"/>
+                                          </p:stCondLst>
+                                        </p:cTn>
+                                        <p:tgtEl>
+                                          <p:spTgt spid="3">
+                                            <p:txEl>
+                                              <p:pRg st="0" end="0"/>
+                                            </p:txEl>
+                                          </p:spTgt>
+                                        </p:tgtEl>
+                                        <p:attrNameLst>
+                                          <p:attrName>style.visibility</p:attrName>
+                                        </p:attrNameLst>
+                                      </p:cBhvr>
+                                      <p:to>
+                                        <p:strVal val="visible"/>
+                                      </p:to>
+                                    </p:set>
+                                    <p:animEffect transition="in" filter="fade">
+                                      <p:cBhvr>
+                                        <p:cTn id="7" dur="1000"/>
+                                        <p:tgtEl>
+                                          <p:spTgt spid="3">
+                                            <p:txEl>
+                                              <p:pRg st="0" end="0"/>
+                                            </p:txEl>
+                                          </p:spTgt>
+                                        </p:tgtEl>
+                                      </p:cBhvr>
+                                    </p:animEffect>
+                                    <p:anim calcmode="lin" valueType="num">
+                                      <p:cBhvr>
+                                        <p:cTn id="8" dur="1000" fill="hold"/>
+                                        <p:tgtEl>
+                                          <p:spTgt spid="3">
+                                            <p:txEl>
+                                              <p:pRg st="0" end="0"/>
+                                            </p:txEl>
+                                          </p:spTgt>
+                                        </p:tgtEl>
+                                        <p:attrNameLst>
+                                          <p:attrName>ppt_x</p:attrName>
+                                        </p:attrNameLst>
+                                      </p:cBhvr>
+                                      <p:tavLst>
+                                        <p:tav tm="0">
+                                          <p:val>
+                                            <p:strVal val="#ppt_x"/>
+                                          </p:val>
+                                        </p:tav>
+                                        <p:tav tm="100000">
+                                          <p:val>
+                                            <p:strVal val="#ppt_x"/>
+                                          </p:val>
+                                        </p:tav>
+                                      </p:tavLst>
+                                    </p:anim>
+                                    <p:anim calcmode="lin" valueType="num">
+                                      <p:cBhvr>
+                                        <p:cTn id="9" dur="1000" fill="hold"/>
+                                        <p:tgtEl>
+                                          <p:spTgt spid="3">
+                                            <p:txEl>
+                                              <p:pRg st="0" end="0"/>
+                                            </p:txEl>
+                                          </p:spTgt>
+                                        </p:tgtEl>
+                                        <p:attrNameLst>
+                                          <p:attrName>ppt_y</p:attrName>
+                                        </p:attrNameLst>
+                                      </p:cBhvr>
+                                      <p:tavLst>
+                                        <p:tav tm="0">
+                                          <p:val>
+                                            <p:strVal val="#ppt_y+.1"/>
+                                          </p:val>
+                                        </p:tav>
+                                        <p:tav tm="100000">
+                                          <p:val>
+                                            <p:strVal val="#ppt_y"/>
+                                          </p:val>
+                                        </p:tav>
+                                      </p:tavLst>
+                                    </p:anim>
+                                  </p:childTnLst>
+                                </p:cTn>
+                              </p:par>
+                            </p:childTnLst>
+                          </p:cTn>
+                        </p:par>
+                      </p:childTnLst>
+                    </p:cTn>
+                  </p:par>
+                  <p:par>
+                    <p:cTn id="10" fill="hold">
+                      <p:stCondLst>
+                        <p:cond delay="indefinite"/>
+                      </p:stCondLst>
+                      <p:childTnLst>
+                        <p:par>
+                          <p:cTn id="11" fill="hold">
+                            <p:stCondLst>
+                              <p:cond delay="0"/>
+                            </p:stCondLst>
+                            <p:childTnLst>
+                              <p:par>
+                                <p:cTn id="12" presetID="42" presetClass="entr" presetSubtype="0" fill="hold" grpId="0" nodeType="clickEffect">
+                                  <p:stCondLst>
+                                    <p:cond delay="0"/>
+                                  </p:stCondLst>
+                                  <p:childTnLst>
+                                    <p:set>
+                                      <p:cBhvr>
+                                        <p:cTn id="13" dur="1" fill="hold">
+                                          <p:stCondLst>
+                                            <p:cond delay="0"/>
+                                          </p:stCondLst>
+                                        </p:cTn>
+                                        <p:tgtEl>
+                                          <p:spTgt spid="3">
+                                            <p:txEl>
+                                              <p:pRg st="1" end="1"/>
+                                            </p:txEl>
+                                          </p:spTgt>
+                                        </p:tgtEl>
+                                        <p:attrNameLst>
+                                          <p:attrName>style.visibility</p:attrName>
+                                        </p:attrNameLst>
+                                      </p:cBhvr>
+                                      <p:to>
+                                        <p:strVal val="visible"/>
+                                      </p:to>
+                                    </p:set>
+                                    <p:animEffect transition="in" filter="fade">
+                                      <p:cBhvr>
+                                        <p:cTn id="14" dur="1000"/>
+                                        <p:tgtEl>
+                                          <p:spTgt spid="3">
+                                            <p:txEl>
+                                              <p:pRg st="1" end="1"/>
+                                            </p:txEl>
+                                          </p:spTgt>
+                                        </p:tgtEl>
+                                      </p:cBhvr>
+                                    </p:animEffect>
+                                    <p:anim calcmode="lin" valueType="num">
+                                      <p:cBhvr>
+                                        <p:cTn id="15" dur="1000" fill="hold"/>
+                                        <p:tgtEl>
+                                          <p:spTgt spid="3">
+                                            <p:txEl>
+                                              <p:pRg st="1" end="1"/>
+                                            </p:txEl>
+                                          </p:spTgt>
+                                        </p:tgtEl>
+                                        <p:attrNameLst>
+                                          <p:attrName>ppt_x</p:attrName>
+                                        </p:attrNameLst>
+                                      </p:cBhvr>
+                                      <p:tavLst>
+                                        <p:tav tm="0">
+                                          <p:val>
+                                            <p:strVal val="#ppt_x"/>
+                                          </p:val>
+                                        </p:tav>
+                                        <p:tav tm="100000">
+                                          <p:val>
+                                            <p:strVal val="#ppt_x"/>
+                                          </p:val>
+                                        </p:tav>
+                                      </p:tavLst>
+                                    </p:anim>
+                                    <p:anim calcmode="lin" valueType="num">
+                                      <p:cBhvr>
+                                        <p:cTn id="16" dur="1000" fill="hold"/>
+                                        <p:tgtEl>
+                                          <p:spTgt spid="3">
+                                            <p:txEl>
+                                              <p:pRg st="1" end="1"/>
+                                            </p:txEl>
+                                          </p:spTgt>
+                                        </p:tgtEl>
+                                        <p:attrNameLst>
+                                          <p:attrName>ppt_y</p:attrName>
+                                        </p:attrNameLst>
+                                      </p:cBhvr>
+                                      <p:tavLst>
+                                        <p:tav tm="0">
+                                          <p:val>
+                                            <p:strVal val="#ppt_y+.1"/>
+                                          </p:val>
+                                        </p:tav>
+                                        <p:tav tm="100000">
+                                          <p:val>
+                                            <p:strVal val="#ppt_y"/>
+                                          </p:val>
+                                        </p:tav>
+                                      </p:tavLst>
+                                    </p:anim>
+                                  </p:childTnLst>
+                                </p:cTn>
+                              </p:par>
+                            </p:childTnLst>
+                          </p:cTn>
+                        </p:par>
+                      </p:childTnLst>
+                    </p:cTn>
+                  </p:par>
+                  <p:par>
+                    <p:cTn id="17" fill="hold">
+                      <p:stCondLst>
+                        <p:cond delay="indefinite"/>
+                      </p:stCondLst>
+                      <p:childTnLst>
+                        <p:par>
+                          <p:cTn id="18" fill="hold">
+                            <p:stCondLst>
+                              <p:cond delay="0"/>
+                            </p:stCondLst>
+                            <p:childTnLst>
+                              <p:par>
+                                <p:cTn id="19" presetID="42" presetClass="entr" presetSubtype="0" fill="hold" grpId="0" nodeType="clickEffect">
+                                  <p:stCondLst>
+                                    <p:cond delay="0"/>
+                                  </p:stCondLst>
+                                  <p:childTnLst>
+                                    <p:set>
+                                      <p:cBhvr>
+                                        <p:cTn id="20" dur="1" fill="hold">
+                                          <p:stCondLst>
+                                            <p:cond delay="0"/>
+                                          </p:stCondLst>
+                                        </p:cTn>
+                                        <p:tgtEl>
+                                          <p:spTgt spid="3">
+                                            <p:txEl>
+                                              <p:pRg st="2" end="2"/>
+                                            </p:txEl>
+                                          </p:spTgt>
+                                        </p:tgtEl>
+                                        <p:attrNameLst>
+                                          <p:attrName>style.visibility</p:attrName>
+                                        </p:attrNameLst>
+                                      </p:cBhvr>
+                                      <p:to>
+                                        <p:strVal val="visible"/>
+                                      </p:to>
+                                    </p:set>
+                                    <p:animEffect transition="in" filter="fade">
+                                      <p:cBhvr>
+                                        <p:cTn id="21" dur="1000"/>
+                                        <p:tgtEl>
+                                          <p:spTgt spid="3">
+                                            <p:txEl>
+                                              <p:pRg st="2" end="2"/>
+                                            </p:txEl>
+                                          </p:spTgt>
+                                        </p:tgtEl>
+                                      </p:cBhvr>
+                                    </p:animEffect>
+                                    <p:anim calcmode="lin" valueType="num">
+                                      <p:cBhvr>
+                                        <p:cTn id="22" dur="1000" fill="hold"/>
+                                        <p:tgtEl>
+                                          <p:spTgt spid="3">
+                                            <p:txEl>
+                                              <p:pRg st="2" end="2"/>
+                                            </p:txEl>
+                                          </p:spTgt>
+                                        </p:tgtEl>
+                                        <p:attrNameLst>
+                                          <p:attrName>ppt_x</p:attrName>
+                                        </p:attrNameLst>
+                                      </p:cBhvr>
+                                      <p:tavLst>
+                                        <p:tav tm="0">
+                                          <p:val>
+                                            <p:strVal val="#ppt_x"/>
+                                          </p:val>
+                                        </p:tav>
+                                        <p:tav tm="100000">
+                                          <p:val>
+                                            <p:strVal val="#ppt_x"/>
+                                          </p:val>
+                                        </p:tav>
+                                      </p:tavLst>
+                                    </p:anim>
+                                    <p:anim calcmode="lin" valueType="num">
+                                      <p:cBhvr>
+                                        <p:cTn id="23" dur="1000" fill="hold"/>
+                                        <p:tgtEl>
+                                          <p:spTgt spid="3">
+                                            <p:txEl>
+                                              <p:pRg st="2" end="2"/>
+                                            </p:txEl>
+                                          </p:spTgt>
+                                        </p:tgtEl>
+                                        <p:attrNameLst>
+                                          <p:attrName>ppt_y</p:attrName>
+                                        </p:attrNameLst>
+                                      </p:cBhvr>
+                                      <p:tavLst>
+                                        <p:tav tm="0">
+                                          <p:val>
+                                            <p:strVal val="#ppt_y+.1"/>
+                                          </p:val>
+                                        </p:tav>
+                                        <p:tav tm="100000">
+                                          <p:val>
+                                            <p:strVal val="#ppt_y"/>
+                                          </p:val>
+                                        </p:tav>
+                                      </p:tavLst>
+                                    </p:anim>
+                                  </p:childTnLst>
+                                </p:cTn>
+                              </p:par>
+                            </p:childTnLst>
+                          </p:cTn>
+                        </p:par>
+                      </p:childTnLst>
+                    </p:cTn>
+                  </p:par>
+                  <p:par>
+                    <p:cTn id="24" fill="hold">
+                      <p:stCondLst>
+                        <p:cond delay="indefinite"/>
+                      </p:stCondLst>
+                      <p:childTnLst>
+                        <p:par>
+                          <p:cTn id="25" fill="hold">
+                            <p:stCondLst>
+                              <p:cond delay="0"/>
+                            </p:stCondLst>
+                            <p:childTnLst>
+                              <p:par>
+                                <p:cTn id="26" presetID="42" presetClass="entr" presetSubtype="0" fill="hold" grpId="0" nodeType="clickEffect">
+                                  <p:stCondLst>
+                                    <p:cond delay="0"/>
+                                  </p:stCondLst>
+                                  <p:childTnLst>
+                                    <p:set>
+                                      <p:cBhvr>
+                                        <p:cTn id="27" dur="1" fill="hold">
+                                          <p:stCondLst>
+                                            <p:cond delay="0"/>
+                                          </p:stCondLst>
+                                        </p:cTn>
+                                        <p:tgtEl>
+                                          <p:spTgt spid="3">
+                                            <p:txEl>
+                                              <p:pRg st="3" end="3"/>
+                                            </p:txEl>
+                                          </p:spTgt>
+                                        </p:tgtEl>
+                                        <p:attrNameLst>
+                                          <p:attrName>style.visibility</p:attrName>
+                                        </p:attrNameLst>
+                                      </p:cBhvr>
+                                      <p:to>
+                                        <p:strVal val="visible"/>
+                                      </p:to>
+                                    </p:set>
+                                    <p:animEffect transition="in" filter="fade">
+                                      <p:cBhvr>
+                                        <p:cTn id="28" dur="1000"/>
+                                        <p:tgtEl>
+                                          <p:spTgt spid="3">
+                                            <p:txEl>
+                                              <p:pRg st="3" end="3"/>
+                                            </p:txEl>
+                                          </p:spTgt>
+                                        </p:tgtEl>
+                                      </p:cBhvr>
+                                    </p:animEffect>
+                                    <p:anim calcmode="lin" valueType="num">
+                                      <p:cBhvr>
+                                        <p:cTn id="29" dur="1000" fill="hold"/>
+                                        <p:tgtEl>
+                                          <p:spTgt spid="3">
+                                            <p:txEl>
+                                              <p:pRg st="3" end="3"/>
+                                            </p:txEl>
+                                          </p:spTgt>
+                                        </p:tgtEl>
+                                        <p:attrNameLst>
+                                          <p:attrName>ppt_x</p:attrName>
+                                        </p:attrNameLst>
+                                      </p:cBhvr>
+                                      <p:tavLst>
+                                        <p:tav tm="0">
+                                          <p:val>
+                                            <p:strVal val="#ppt_x"/>
+                                          </p:val>
+                                        </p:tav>
+                                        <p:tav tm="100000">
+                                          <p:val>
+                                            <p:strVal val="#ppt_x"/>
+                                          </p:val>
+                                        </p:tav>
+                                      </p:tavLst>
+                                    </p:anim>
+                                    <p:anim calcmode="lin" valueType="num">
+                                      <p:cBhvr>
+                                        <p:cTn id="30" dur="1000" fill="hold"/>
+                                        <p:tgtEl>
+                                          <p:spTgt spid="3">
+                                            <p:txEl>
+                                              <p:pRg st="3" end="3"/>
+                                            </p:txEl>
+                                          </p:spTgt>
+                                        </p:tgtEl>
+                                        <p:attrNameLst>
+                                          <p:attrName>ppt_y</p:attrName>
+                                        </p:attrNameLst>
+                                      </p:cBhvr>
+                                      <p:tavLst>
+                                        <p:tav tm="0">
+                                          <p:val>
+                                            <p:strVal val="#ppt_y+.1"/>
+                                          </p:val>
+                                        </p:tav>
+                                        <p:tav tm="100000">
+                                          <p:val>
+                                            <p:strVal val="#ppt_y"/>
+                                          </p:val>
+                                        </p:tav>
+                                      </p:tavLst>
+                                    </p:anim>
+                                  </p:childTnLst>
+                                </p:cTn>
+                              </p:par>
+                            </p:childTnLst>
+                          </p:cTn>
+                        </p:par>
+                      </p:childTnLst>
+                    </p:cTn>
+                  </p:par>
+                </p:childTnLst>
+              </p:cTn>
+              <p:prevCondLst>
+                <p:cond evt="onPrev" delay="0">
+                  <p:tgtEl>
+                    <p:sldTgt/>
+                  </p:tgtEl>
+                </p:cond>
+              </p:prevCondLst>
+              <p:nextCondLst>
+                <p:cond evt="onNext" delay="0">
+                  <p:tgtEl>
+                    <p:sldTgt/>
+                  </p:tgtEl>
+                </p:cond>
+              </p:nextCondLst>
+            </p:seq>
+          </p:childTnLst>
+        </p:cTn>
+      </p:par>
+    </p:tnLst>
+    <p:bldLst>
+      <p:bldP spid="3" grpId="0" build="p"/>
+    </p:bldLst>
+  </p:timing>
 </p:sld>
 </file>
 
@@ -4304,7 +5809,7 @@
           <p:cNvPr id="2" name="Titre 1">
             <a:extLst>
               <a:ext uri="{FF2B5EF4-FFF2-40B4-BE49-F238E27FC236}">
-                <a16:creationId xmlns:a16="http://schemas.microsoft.com/office/drawing/2014/main" id="{9E10A996-CAA0-4DC0-9C1D-8D9E76E54796}"/>
+                <a16:creationId xmlns:a16="http://schemas.microsoft.com/office/drawing/2014/main" id="{B3329AC3-DC14-4BD0-B090-D0B3253458BA}"/>
               </a:ext>
             </a:extLst>
           </p:cNvPr>
@@ -4325,7 +5830,7 @@
               <a:rPr lang="fr-FR" dirty="0">
                 <a:latin typeface="Helvetica-Light" panose="020B0400000000000000" pitchFamily="34" charset="0"/>
               </a:rPr>
-              <a:t>Points forts</a:t>
+              <a:t>Fonctionnalités</a:t>
             </a:r>
           </a:p>
         </p:txBody>
@@ -4335,7 +5840,7 @@
           <p:cNvPr id="3" name="Espace réservé du contenu 2">
             <a:extLst>
               <a:ext uri="{FF2B5EF4-FFF2-40B4-BE49-F238E27FC236}">
-                <a16:creationId xmlns:a16="http://schemas.microsoft.com/office/drawing/2014/main" id="{A38DC6FD-DDEB-4600-B800-CB4EC421431C}"/>
+                <a16:creationId xmlns:a16="http://schemas.microsoft.com/office/drawing/2014/main" id="{559C78EB-D7EF-45F2-B126-5A8993D0CA54}"/>
               </a:ext>
             </a:extLst>
           </p:cNvPr>
@@ -4355,7 +5860,7 @@
               <a:rPr lang="fr-FR" dirty="0">
                 <a:latin typeface="Helvetica-Light" panose="020B0400000000000000" pitchFamily="34" charset="0"/>
               </a:rPr>
-              <a:t>Pas besoin de connexion internet</a:t>
+              <a:t>Envoi de messages</a:t>
             </a:r>
           </a:p>
           <a:p>
@@ -4363,7 +5868,7 @@
               <a:rPr lang="fr-FR" dirty="0">
                 <a:latin typeface="Helvetica-Light" panose="020B0400000000000000" pitchFamily="34" charset="0"/>
               </a:rPr>
-              <a:t>Chat éphémère </a:t>
+              <a:t>Ajout, modification, suppression d’avatar</a:t>
             </a:r>
           </a:p>
           <a:p>
@@ -4371,7 +5876,7 @@
               <a:rPr lang="fr-FR" dirty="0">
                 <a:latin typeface="Helvetica-Light" panose="020B0400000000000000" pitchFamily="34" charset="0"/>
               </a:rPr>
-              <a:t>Fin de discussion provoque une déconnexion du chat pour les utilisateurs</a:t>
+              <a:t>Envoi d’images</a:t>
             </a:r>
           </a:p>
           <a:p>
@@ -4379,7 +5884,15 @@
               <a:rPr lang="fr-FR" dirty="0">
                 <a:latin typeface="Helvetica-Light" panose="020B0400000000000000" pitchFamily="34" charset="0"/>
               </a:rPr>
-              <a:t>Communication en temps réel</a:t>
+              <a:t>Partage de localisation</a:t>
+            </a:r>
+          </a:p>
+          <a:p>
+            <a:r>
+              <a:rPr lang="fr-FR" dirty="0">
+                <a:latin typeface="Helvetica-Light" panose="020B0400000000000000" pitchFamily="34" charset="0"/>
+              </a:rPr>
+              <a:t>Appel vidéo</a:t>
             </a:r>
           </a:p>
         </p:txBody>
@@ -4387,7 +5900,7 @@
     </p:spTree>
     <p:extLst>
       <p:ext uri="{BB962C8B-B14F-4D97-AF65-F5344CB8AC3E}">
-        <p14:creationId xmlns:p14="http://schemas.microsoft.com/office/powerpoint/2010/main" val="4169272466"/>
+        <p14:creationId xmlns:p14="http://schemas.microsoft.com/office/powerpoint/2010/main" val="2001247997"/>
       </p:ext>
     </p:extLst>
   </p:cSld>
@@ -4419,7 +5932,7 @@
           <p:cNvPr id="2" name="Titre 1">
             <a:extLst>
               <a:ext uri="{FF2B5EF4-FFF2-40B4-BE49-F238E27FC236}">
-                <a16:creationId xmlns:a16="http://schemas.microsoft.com/office/drawing/2014/main" id="{D0B0AC82-1BA4-4F15-8FF4-079A6CFA9750}"/>
+                <a16:creationId xmlns:a16="http://schemas.microsoft.com/office/drawing/2014/main" id="{ABD0262C-D8DE-4C52-A37C-0E08629F491D}"/>
               </a:ext>
             </a:extLst>
           </p:cNvPr>
@@ -4437,8 +5950,10 @@
           <a:p>
             <a:pPr algn="ctr"/>
             <a:r>
-              <a:rPr lang="fr-FR" dirty="0"/>
-              <a:t>Fonctionnalités</a:t>
+              <a:rPr lang="fr-FR" dirty="0">
+                <a:latin typeface="Helvetica-Light" panose="020B0400000000000000" pitchFamily="34" charset="0"/>
+              </a:rPr>
+              <a:t>Intérêts</a:t>
             </a:r>
           </a:p>
         </p:txBody>
@@ -4448,7 +5963,7 @@
           <p:cNvPr id="3" name="Espace réservé du contenu 2">
             <a:extLst>
               <a:ext uri="{FF2B5EF4-FFF2-40B4-BE49-F238E27FC236}">
-                <a16:creationId xmlns:a16="http://schemas.microsoft.com/office/drawing/2014/main" id="{74D41573-F310-4C80-8827-7ED40DEB453B}"/>
+                <a16:creationId xmlns:a16="http://schemas.microsoft.com/office/drawing/2014/main" id="{B97000C7-769B-4C59-A947-B9CAB3D7756B}"/>
               </a:ext>
             </a:extLst>
           </p:cNvPr>
@@ -4464,81 +5979,569 @@
           <a:bodyPr/>
           <a:lstStyle/>
           <a:p>
-            <a:endParaRPr lang="fr-FR" dirty="0">
-              <a:latin typeface="Helvetica-Light" panose="020B0400000000000000" pitchFamily="34" charset="0"/>
-            </a:endParaRPr>
-          </a:p>
-          <a:p>
-            <a:endParaRPr lang="fr-FR" dirty="0">
-              <a:latin typeface="Helvetica-Light" panose="020B0400000000000000" pitchFamily="34" charset="0"/>
-            </a:endParaRPr>
-          </a:p>
-          <a:p>
-            <a:endParaRPr lang="fr-FR" dirty="0">
-              <a:latin typeface="Helvetica-Light" panose="020B0400000000000000" pitchFamily="34" charset="0"/>
-            </a:endParaRPr>
-          </a:p>
-          <a:p>
             <a:r>
               <a:rPr lang="fr-FR" dirty="0">
                 <a:latin typeface="Helvetica-Light" panose="020B0400000000000000" pitchFamily="34" charset="0"/>
               </a:rPr>
-              <a:t>Envoi de message</a:t>
-            </a:r>
-          </a:p>
-          <a:p>
-            <a:endParaRPr lang="fr-FR" dirty="0">
-              <a:latin typeface="Helvetica-Light" panose="020B0400000000000000" pitchFamily="34" charset="0"/>
-            </a:endParaRPr>
+              <a:t> Chat </a:t>
+            </a:r>
+            <a:r>
+              <a:rPr lang="fr-FR" dirty="0" err="1">
+                <a:latin typeface="Helvetica-Light" panose="020B0400000000000000" pitchFamily="34" charset="0"/>
+              </a:rPr>
+              <a:t>éphèmère</a:t>
+            </a:r>
+            <a:r>
+              <a:rPr lang="fr-FR" dirty="0">
+                <a:latin typeface="Helvetica-Light" panose="020B0400000000000000" pitchFamily="34" charset="0"/>
+              </a:rPr>
+              <a:t>  :</a:t>
+            </a:r>
+          </a:p>
+          <a:p>
+            <a:pPr marL="0" indent="0">
+              <a:buNone/>
+            </a:pPr>
+            <a:r>
+              <a:rPr lang="fr-FR" dirty="0">
+                <a:latin typeface="Helvetica-Light" panose="020B0400000000000000" pitchFamily="34" charset="0"/>
+              </a:rPr>
+              <a:t>	- Mobilise l’attention de l’utilisateur </a:t>
+            </a:r>
+          </a:p>
+          <a:p>
+            <a:r>
+              <a:rPr lang="fr-FR" dirty="0">
+                <a:latin typeface="Helvetica-Light" panose="020B0400000000000000" pitchFamily="34" charset="0"/>
+              </a:rPr>
+              <a:t>Objectif principal : mettre en place un moyen de communication simple et sans contrainte</a:t>
+            </a:r>
+          </a:p>
+          <a:p>
+            <a:r>
+              <a:rPr lang="fr-FR" dirty="0">
+                <a:latin typeface="Helvetica-Light" panose="020B0400000000000000" pitchFamily="34" charset="0"/>
+              </a:rPr>
+              <a:t>Objectif secondaire : implémenter les fonctions essentielles d’un chat</a:t>
+            </a:r>
           </a:p>
         </p:txBody>
       </p:sp>
-      <p:pic>
-        <p:nvPicPr>
-          <p:cNvPr id="5" name="Image 4">
-            <a:extLst>
-              <a:ext uri="{FF2B5EF4-FFF2-40B4-BE49-F238E27FC236}">
-                <a16:creationId xmlns:a16="http://schemas.microsoft.com/office/drawing/2014/main" id="{F1579BAB-4F70-4183-82F1-295BB8F70F19}"/>
-              </a:ext>
-            </a:extLst>
-          </p:cNvPr>
-          <p:cNvPicPr>
-            <a:picLocks noChangeAspect="1"/>
-          </p:cNvPicPr>
-          <p:nvPr/>
-        </p:nvPicPr>
-        <p:blipFill>
-          <a:blip r:embed="rId2">
-            <a:extLst>
-              <a:ext uri="{28A0092B-C50C-407E-A947-70E740481C1C}">
-                <a14:useLocalDpi xmlns:a14="http://schemas.microsoft.com/office/drawing/2010/main" val="0"/>
-              </a:ext>
-            </a:extLst>
-          </a:blip>
-          <a:stretch>
-            <a:fillRect/>
-          </a:stretch>
-        </p:blipFill>
-        <p:spPr>
-          <a:xfrm>
-            <a:off x="6398368" y="1596197"/>
-            <a:ext cx="2395657" cy="4896678"/>
-          </a:xfrm>
-          <a:prstGeom prst="rect">
-            <a:avLst/>
-          </a:prstGeom>
-        </p:spPr>
-      </p:pic>
     </p:spTree>
     <p:extLst>
       <p:ext uri="{BB962C8B-B14F-4D97-AF65-F5344CB8AC3E}">
-        <p14:creationId xmlns:p14="http://schemas.microsoft.com/office/powerpoint/2010/main" val="2224913794"/>
+        <p14:creationId xmlns:p14="http://schemas.microsoft.com/office/powerpoint/2010/main" val="1385726154"/>
       </p:ext>
     </p:extLst>
   </p:cSld>
   <p:clrMapOvr>
     <a:masterClrMapping/>
   </p:clrMapOvr>
+  <mc:AlternateContent xmlns:mc="http://schemas.openxmlformats.org/markup-compatibility/2006">
+    <mc:Choice xmlns:p14="http://schemas.microsoft.com/office/powerpoint/2010/main" Requires="p14">
+      <p:transition spd="med" p14:dur="700">
+        <p:fade/>
+      </p:transition>
+    </mc:Choice>
+    <mc:Fallback>
+      <p:transition spd="med">
+        <p:fade/>
+      </p:transition>
+    </mc:Fallback>
+  </mc:AlternateContent>
+  <p:timing>
+    <p:tnLst>
+      <p:par>
+        <p:cTn id="1" dur="indefinite" restart="never" nodeType="tmRoot">
+          <p:childTnLst>
+            <p:seq concurrent="1" nextAc="seek">
+              <p:cTn id="2" dur="indefinite" nodeType="mainSeq">
+                <p:childTnLst>
+                  <p:par>
+                    <p:cTn id="3" fill="hold">
+                      <p:stCondLst>
+                        <p:cond delay="indefinite"/>
+                      </p:stCondLst>
+                      <p:childTnLst>
+                        <p:par>
+                          <p:cTn id="4" fill="hold">
+                            <p:stCondLst>
+                              <p:cond delay="0"/>
+                            </p:stCondLst>
+                            <p:childTnLst>
+                              <p:par>
+                                <p:cTn id="5" presetID="42" presetClass="entr" presetSubtype="0" fill="hold" grpId="0" nodeType="clickEffect">
+                                  <p:stCondLst>
+                                    <p:cond delay="0"/>
+                                  </p:stCondLst>
+                                  <p:childTnLst>
+                                    <p:set>
+                                      <p:cBhvr>
+                                        <p:cTn id="6" dur="1" fill="hold">
+                                          <p:stCondLst>
+                                            <p:cond delay="0"/>
+                                          </p:stCondLst>
+                                        </p:cTn>
+                                        <p:tgtEl>
+                                          <p:spTgt spid="3">
+                                            <p:txEl>
+                                              <p:pRg st="0" end="0"/>
+                                            </p:txEl>
+                                          </p:spTgt>
+                                        </p:tgtEl>
+                                        <p:attrNameLst>
+                                          <p:attrName>style.visibility</p:attrName>
+                                        </p:attrNameLst>
+                                      </p:cBhvr>
+                                      <p:to>
+                                        <p:strVal val="visible"/>
+                                      </p:to>
+                                    </p:set>
+                                    <p:animEffect transition="in" filter="fade">
+                                      <p:cBhvr>
+                                        <p:cTn id="7" dur="1000"/>
+                                        <p:tgtEl>
+                                          <p:spTgt spid="3">
+                                            <p:txEl>
+                                              <p:pRg st="0" end="0"/>
+                                            </p:txEl>
+                                          </p:spTgt>
+                                        </p:tgtEl>
+                                      </p:cBhvr>
+                                    </p:animEffect>
+                                    <p:anim calcmode="lin" valueType="num">
+                                      <p:cBhvr>
+                                        <p:cTn id="8" dur="1000" fill="hold"/>
+                                        <p:tgtEl>
+                                          <p:spTgt spid="3">
+                                            <p:txEl>
+                                              <p:pRg st="0" end="0"/>
+                                            </p:txEl>
+                                          </p:spTgt>
+                                        </p:tgtEl>
+                                        <p:attrNameLst>
+                                          <p:attrName>ppt_x</p:attrName>
+                                        </p:attrNameLst>
+                                      </p:cBhvr>
+                                      <p:tavLst>
+                                        <p:tav tm="0">
+                                          <p:val>
+                                            <p:strVal val="#ppt_x"/>
+                                          </p:val>
+                                        </p:tav>
+                                        <p:tav tm="100000">
+                                          <p:val>
+                                            <p:strVal val="#ppt_x"/>
+                                          </p:val>
+                                        </p:tav>
+                                      </p:tavLst>
+                                    </p:anim>
+                                    <p:anim calcmode="lin" valueType="num">
+                                      <p:cBhvr>
+                                        <p:cTn id="9" dur="1000" fill="hold"/>
+                                        <p:tgtEl>
+                                          <p:spTgt spid="3">
+                                            <p:txEl>
+                                              <p:pRg st="0" end="0"/>
+                                            </p:txEl>
+                                          </p:spTgt>
+                                        </p:tgtEl>
+                                        <p:attrNameLst>
+                                          <p:attrName>ppt_y</p:attrName>
+                                        </p:attrNameLst>
+                                      </p:cBhvr>
+                                      <p:tavLst>
+                                        <p:tav tm="0">
+                                          <p:val>
+                                            <p:strVal val="#ppt_y+.1"/>
+                                          </p:val>
+                                        </p:tav>
+                                        <p:tav tm="100000">
+                                          <p:val>
+                                            <p:strVal val="#ppt_y"/>
+                                          </p:val>
+                                        </p:tav>
+                                      </p:tavLst>
+                                    </p:anim>
+                                  </p:childTnLst>
+                                </p:cTn>
+                              </p:par>
+                            </p:childTnLst>
+                          </p:cTn>
+                        </p:par>
+                      </p:childTnLst>
+                    </p:cTn>
+                  </p:par>
+                  <p:par>
+                    <p:cTn id="10" fill="hold">
+                      <p:stCondLst>
+                        <p:cond delay="indefinite"/>
+                      </p:stCondLst>
+                      <p:childTnLst>
+                        <p:par>
+                          <p:cTn id="11" fill="hold">
+                            <p:stCondLst>
+                              <p:cond delay="0"/>
+                            </p:stCondLst>
+                            <p:childTnLst>
+                              <p:par>
+                                <p:cTn id="12" presetID="42" presetClass="entr" presetSubtype="0" fill="hold" grpId="0" nodeType="clickEffect">
+                                  <p:stCondLst>
+                                    <p:cond delay="0"/>
+                                  </p:stCondLst>
+                                  <p:childTnLst>
+                                    <p:set>
+                                      <p:cBhvr>
+                                        <p:cTn id="13" dur="1" fill="hold">
+                                          <p:stCondLst>
+                                            <p:cond delay="0"/>
+                                          </p:stCondLst>
+                                        </p:cTn>
+                                        <p:tgtEl>
+                                          <p:spTgt spid="3">
+                                            <p:txEl>
+                                              <p:pRg st="1" end="1"/>
+                                            </p:txEl>
+                                          </p:spTgt>
+                                        </p:tgtEl>
+                                        <p:attrNameLst>
+                                          <p:attrName>style.visibility</p:attrName>
+                                        </p:attrNameLst>
+                                      </p:cBhvr>
+                                      <p:to>
+                                        <p:strVal val="visible"/>
+                                      </p:to>
+                                    </p:set>
+                                    <p:animEffect transition="in" filter="fade">
+                                      <p:cBhvr>
+                                        <p:cTn id="14" dur="1000"/>
+                                        <p:tgtEl>
+                                          <p:spTgt spid="3">
+                                            <p:txEl>
+                                              <p:pRg st="1" end="1"/>
+                                            </p:txEl>
+                                          </p:spTgt>
+                                        </p:tgtEl>
+                                      </p:cBhvr>
+                                    </p:animEffect>
+                                    <p:anim calcmode="lin" valueType="num">
+                                      <p:cBhvr>
+                                        <p:cTn id="15" dur="1000" fill="hold"/>
+                                        <p:tgtEl>
+                                          <p:spTgt spid="3">
+                                            <p:txEl>
+                                              <p:pRg st="1" end="1"/>
+                                            </p:txEl>
+                                          </p:spTgt>
+                                        </p:tgtEl>
+                                        <p:attrNameLst>
+                                          <p:attrName>ppt_x</p:attrName>
+                                        </p:attrNameLst>
+                                      </p:cBhvr>
+                                      <p:tavLst>
+                                        <p:tav tm="0">
+                                          <p:val>
+                                            <p:strVal val="#ppt_x"/>
+                                          </p:val>
+                                        </p:tav>
+                                        <p:tav tm="100000">
+                                          <p:val>
+                                            <p:strVal val="#ppt_x"/>
+                                          </p:val>
+                                        </p:tav>
+                                      </p:tavLst>
+                                    </p:anim>
+                                    <p:anim calcmode="lin" valueType="num">
+                                      <p:cBhvr>
+                                        <p:cTn id="16" dur="1000" fill="hold"/>
+                                        <p:tgtEl>
+                                          <p:spTgt spid="3">
+                                            <p:txEl>
+                                              <p:pRg st="1" end="1"/>
+                                            </p:txEl>
+                                          </p:spTgt>
+                                        </p:tgtEl>
+                                        <p:attrNameLst>
+                                          <p:attrName>ppt_y</p:attrName>
+                                        </p:attrNameLst>
+                                      </p:cBhvr>
+                                      <p:tavLst>
+                                        <p:tav tm="0">
+                                          <p:val>
+                                            <p:strVal val="#ppt_y+.1"/>
+                                          </p:val>
+                                        </p:tav>
+                                        <p:tav tm="100000">
+                                          <p:val>
+                                            <p:strVal val="#ppt_y"/>
+                                          </p:val>
+                                        </p:tav>
+                                      </p:tavLst>
+                                    </p:anim>
+                                  </p:childTnLst>
+                                </p:cTn>
+                              </p:par>
+                            </p:childTnLst>
+                          </p:cTn>
+                        </p:par>
+                      </p:childTnLst>
+                    </p:cTn>
+                  </p:par>
+                  <p:par>
+                    <p:cTn id="17" fill="hold">
+                      <p:stCondLst>
+                        <p:cond delay="indefinite"/>
+                      </p:stCondLst>
+                      <p:childTnLst>
+                        <p:par>
+                          <p:cTn id="18" fill="hold">
+                            <p:stCondLst>
+                              <p:cond delay="0"/>
+                            </p:stCondLst>
+                            <p:childTnLst>
+                              <p:par>
+                                <p:cTn id="19" presetID="42" presetClass="entr" presetSubtype="0" fill="hold" grpId="0" nodeType="clickEffect">
+                                  <p:stCondLst>
+                                    <p:cond delay="0"/>
+                                  </p:stCondLst>
+                                  <p:childTnLst>
+                                    <p:set>
+                                      <p:cBhvr>
+                                        <p:cTn id="20" dur="1" fill="hold">
+                                          <p:stCondLst>
+                                            <p:cond delay="0"/>
+                                          </p:stCondLst>
+                                        </p:cTn>
+                                        <p:tgtEl>
+                                          <p:spTgt spid="3">
+                                            <p:txEl>
+                                              <p:pRg st="2" end="2"/>
+                                            </p:txEl>
+                                          </p:spTgt>
+                                        </p:tgtEl>
+                                        <p:attrNameLst>
+                                          <p:attrName>style.visibility</p:attrName>
+                                        </p:attrNameLst>
+                                      </p:cBhvr>
+                                      <p:to>
+                                        <p:strVal val="visible"/>
+                                      </p:to>
+                                    </p:set>
+                                    <p:animEffect transition="in" filter="fade">
+                                      <p:cBhvr>
+                                        <p:cTn id="21" dur="1000"/>
+                                        <p:tgtEl>
+                                          <p:spTgt spid="3">
+                                            <p:txEl>
+                                              <p:pRg st="2" end="2"/>
+                                            </p:txEl>
+                                          </p:spTgt>
+                                        </p:tgtEl>
+                                      </p:cBhvr>
+                                    </p:animEffect>
+                                    <p:anim calcmode="lin" valueType="num">
+                                      <p:cBhvr>
+                                        <p:cTn id="22" dur="1000" fill="hold"/>
+                                        <p:tgtEl>
+                                          <p:spTgt spid="3">
+                                            <p:txEl>
+                                              <p:pRg st="2" end="2"/>
+                                            </p:txEl>
+                                          </p:spTgt>
+                                        </p:tgtEl>
+                                        <p:attrNameLst>
+                                          <p:attrName>ppt_x</p:attrName>
+                                        </p:attrNameLst>
+                                      </p:cBhvr>
+                                      <p:tavLst>
+                                        <p:tav tm="0">
+                                          <p:val>
+                                            <p:strVal val="#ppt_x"/>
+                                          </p:val>
+                                        </p:tav>
+                                        <p:tav tm="100000">
+                                          <p:val>
+                                            <p:strVal val="#ppt_x"/>
+                                          </p:val>
+                                        </p:tav>
+                                      </p:tavLst>
+                                    </p:anim>
+                                    <p:anim calcmode="lin" valueType="num">
+                                      <p:cBhvr>
+                                        <p:cTn id="23" dur="1000" fill="hold"/>
+                                        <p:tgtEl>
+                                          <p:spTgt spid="3">
+                                            <p:txEl>
+                                              <p:pRg st="2" end="2"/>
+                                            </p:txEl>
+                                          </p:spTgt>
+                                        </p:tgtEl>
+                                        <p:attrNameLst>
+                                          <p:attrName>ppt_y</p:attrName>
+                                        </p:attrNameLst>
+                                      </p:cBhvr>
+                                      <p:tavLst>
+                                        <p:tav tm="0">
+                                          <p:val>
+                                            <p:strVal val="#ppt_y+.1"/>
+                                          </p:val>
+                                        </p:tav>
+                                        <p:tav tm="100000">
+                                          <p:val>
+                                            <p:strVal val="#ppt_y"/>
+                                          </p:val>
+                                        </p:tav>
+                                      </p:tavLst>
+                                    </p:anim>
+                                  </p:childTnLst>
+                                </p:cTn>
+                              </p:par>
+                            </p:childTnLst>
+                          </p:cTn>
+                        </p:par>
+                      </p:childTnLst>
+                    </p:cTn>
+                  </p:par>
+                  <p:par>
+                    <p:cTn id="24" fill="hold">
+                      <p:stCondLst>
+                        <p:cond delay="indefinite"/>
+                      </p:stCondLst>
+                      <p:childTnLst>
+                        <p:par>
+                          <p:cTn id="25" fill="hold">
+                            <p:stCondLst>
+                              <p:cond delay="0"/>
+                            </p:stCondLst>
+                            <p:childTnLst>
+                              <p:par>
+                                <p:cTn id="26" presetID="42" presetClass="entr" presetSubtype="0" fill="hold" grpId="0" nodeType="clickEffect">
+                                  <p:stCondLst>
+                                    <p:cond delay="0"/>
+                                  </p:stCondLst>
+                                  <p:childTnLst>
+                                    <p:set>
+                                      <p:cBhvr>
+                                        <p:cTn id="27" dur="1" fill="hold">
+                                          <p:stCondLst>
+                                            <p:cond delay="0"/>
+                                          </p:stCondLst>
+                                        </p:cTn>
+                                        <p:tgtEl>
+                                          <p:spTgt spid="3">
+                                            <p:txEl>
+                                              <p:pRg st="3" end="3"/>
+                                            </p:txEl>
+                                          </p:spTgt>
+                                        </p:tgtEl>
+                                        <p:attrNameLst>
+                                          <p:attrName>style.visibility</p:attrName>
+                                        </p:attrNameLst>
+                                      </p:cBhvr>
+                                      <p:to>
+                                        <p:strVal val="visible"/>
+                                      </p:to>
+                                    </p:set>
+                                    <p:animEffect transition="in" filter="fade">
+                                      <p:cBhvr>
+                                        <p:cTn id="28" dur="1000"/>
+                                        <p:tgtEl>
+                                          <p:spTgt spid="3">
+                                            <p:txEl>
+                                              <p:pRg st="3" end="3"/>
+                                            </p:txEl>
+                                          </p:spTgt>
+                                        </p:tgtEl>
+                                      </p:cBhvr>
+                                    </p:animEffect>
+                                    <p:anim calcmode="lin" valueType="num">
+                                      <p:cBhvr>
+                                        <p:cTn id="29" dur="1000" fill="hold"/>
+                                        <p:tgtEl>
+                                          <p:spTgt spid="3">
+                                            <p:txEl>
+                                              <p:pRg st="3" end="3"/>
+                                            </p:txEl>
+                                          </p:spTgt>
+                                        </p:tgtEl>
+                                        <p:attrNameLst>
+                                          <p:attrName>ppt_x</p:attrName>
+                                        </p:attrNameLst>
+                                      </p:cBhvr>
+                                      <p:tavLst>
+                                        <p:tav tm="0">
+                                          <p:val>
+                                            <p:strVal val="#ppt_x"/>
+                                          </p:val>
+                                        </p:tav>
+                                        <p:tav tm="100000">
+                                          <p:val>
+                                            <p:strVal val="#ppt_x"/>
+                                          </p:val>
+                                        </p:tav>
+                                      </p:tavLst>
+                                    </p:anim>
+                                    <p:anim calcmode="lin" valueType="num">
+                                      <p:cBhvr>
+                                        <p:cTn id="30" dur="1000" fill="hold"/>
+                                        <p:tgtEl>
+                                          <p:spTgt spid="3">
+                                            <p:txEl>
+                                              <p:pRg st="3" end="3"/>
+                                            </p:txEl>
+                                          </p:spTgt>
+                                        </p:tgtEl>
+                                        <p:attrNameLst>
+                                          <p:attrName>ppt_y</p:attrName>
+                                        </p:attrNameLst>
+                                      </p:cBhvr>
+                                      <p:tavLst>
+                                        <p:tav tm="0">
+                                          <p:val>
+                                            <p:strVal val="#ppt_y+.1"/>
+                                          </p:val>
+                                        </p:tav>
+                                        <p:tav tm="100000">
+                                          <p:val>
+                                            <p:strVal val="#ppt_y"/>
+                                          </p:val>
+                                        </p:tav>
+                                      </p:tavLst>
+                                    </p:anim>
+                                  </p:childTnLst>
+                                </p:cTn>
+                              </p:par>
+                            </p:childTnLst>
+                          </p:cTn>
+                        </p:par>
+                      </p:childTnLst>
+                    </p:cTn>
+                  </p:par>
+                </p:childTnLst>
+              </p:cTn>
+              <p:prevCondLst>
+                <p:cond evt="onPrev" delay="0">
+                  <p:tgtEl>
+                    <p:sldTgt/>
+                  </p:tgtEl>
+                </p:cond>
+              </p:prevCondLst>
+              <p:nextCondLst>
+                <p:cond evt="onNext" delay="0">
+                  <p:tgtEl>
+                    <p:sldTgt/>
+                  </p:tgtEl>
+                </p:cond>
+              </p:nextCondLst>
+            </p:seq>
+          </p:childTnLst>
+        </p:cTn>
+      </p:par>
+    </p:tnLst>
+    <p:bldLst>
+      <p:bldP spid="3" grpId="0" build="p"/>
+    </p:bldLst>
+  </p:timing>
 </p:sld>
 </file>
 
@@ -4564,7 +6567,7 @@
           <p:cNvPr id="2" name="Titre 1">
             <a:extLst>
               <a:ext uri="{FF2B5EF4-FFF2-40B4-BE49-F238E27FC236}">
-                <a16:creationId xmlns:a16="http://schemas.microsoft.com/office/drawing/2014/main" id="{D0B0AC82-1BA4-4F15-8FF4-079A6CFA9750}"/>
+                <a16:creationId xmlns:a16="http://schemas.microsoft.com/office/drawing/2014/main" id="{F034CE1F-ADF4-4B23-A222-E31B5A268960}"/>
               </a:ext>
             </a:extLst>
           </p:cNvPr>
@@ -4582,8 +6585,10 @@
           <a:p>
             <a:pPr algn="ctr"/>
             <a:r>
-              <a:rPr lang="fr-FR" dirty="0"/>
-              <a:t>Fonctionnalités</a:t>
+              <a:rPr lang="fr-FR" dirty="0">
+                <a:latin typeface="Helvetica-Light" panose="020B0400000000000000" pitchFamily="34" charset="0"/>
+              </a:rPr>
+              <a:t>Possibilité d’évolution</a:t>
             </a:r>
           </a:p>
         </p:txBody>
@@ -4593,7 +6598,7 @@
           <p:cNvPr id="3" name="Espace réservé du contenu 2">
             <a:extLst>
               <a:ext uri="{FF2B5EF4-FFF2-40B4-BE49-F238E27FC236}">
-                <a16:creationId xmlns:a16="http://schemas.microsoft.com/office/drawing/2014/main" id="{74D41573-F310-4C80-8827-7ED40DEB453B}"/>
+                <a16:creationId xmlns:a16="http://schemas.microsoft.com/office/drawing/2014/main" id="{BAAFEF82-5000-44C5-9108-84BDA5757C28}"/>
               </a:ext>
             </a:extLst>
           </p:cNvPr>
@@ -4613,7 +6618,55 @@
               <a:rPr lang="fr-FR" dirty="0">
                 <a:latin typeface="Helvetica-Light" panose="020B0400000000000000" pitchFamily="34" charset="0"/>
               </a:rPr>
-              <a:t>Ajouter, modifier, supprimer son avatar</a:t>
+              <a:t>L’appel audio</a:t>
+            </a:r>
+          </a:p>
+          <a:p>
+            <a:r>
+              <a:rPr lang="fr-FR" dirty="0">
+                <a:latin typeface="Helvetica-Light" panose="020B0400000000000000" pitchFamily="34" charset="0"/>
+              </a:rPr>
+              <a:t>L’appel vidéo avec son</a:t>
+            </a:r>
+          </a:p>
+          <a:p>
+            <a:r>
+              <a:rPr lang="fr-FR" dirty="0">
+                <a:latin typeface="Helvetica-Light" panose="020B0400000000000000" pitchFamily="34" charset="0"/>
+              </a:rPr>
+              <a:t>Partage de vidéo</a:t>
+            </a:r>
+          </a:p>
+          <a:p>
+            <a:r>
+              <a:rPr lang="fr-FR" dirty="0">
+                <a:latin typeface="Helvetica-Light" panose="020B0400000000000000" pitchFamily="34" charset="0"/>
+              </a:rPr>
+              <a:t>Ajout de mini-jeux</a:t>
+            </a:r>
+          </a:p>
+          <a:p>
+            <a:r>
+              <a:rPr lang="fr-FR" dirty="0">
+                <a:latin typeface="Helvetica-Light" panose="020B0400000000000000" pitchFamily="34" charset="0"/>
+              </a:rPr>
+              <a:t>Chat de groupe</a:t>
+            </a:r>
+          </a:p>
+          <a:p>
+            <a:r>
+              <a:rPr lang="fr-FR" dirty="0">
+                <a:latin typeface="Helvetica-Light" panose="020B0400000000000000" pitchFamily="34" charset="0"/>
+              </a:rPr>
+              <a:t>Cryptage des messages de bout en bout</a:t>
+            </a:r>
+          </a:p>
+          <a:p>
+            <a:r>
+              <a:rPr lang="fr-FR" dirty="0">
+                <a:latin typeface="Helvetica-Light" panose="020B0400000000000000" pitchFamily="34" charset="0"/>
+              </a:rPr>
+              <a:t>Possibilité de changer de nom d’utilisateur</a:t>
             </a:r>
           </a:p>
         </p:txBody>
@@ -4621,13 +6674,863 @@
     </p:spTree>
     <p:extLst>
       <p:ext uri="{BB962C8B-B14F-4D97-AF65-F5344CB8AC3E}">
-        <p14:creationId xmlns:p14="http://schemas.microsoft.com/office/powerpoint/2010/main" val="1744349762"/>
+        <p14:creationId xmlns:p14="http://schemas.microsoft.com/office/powerpoint/2010/main" val="118572163"/>
       </p:ext>
     </p:extLst>
   </p:cSld>
   <p:clrMapOvr>
     <a:masterClrMapping/>
   </p:clrMapOvr>
+  <mc:AlternateContent xmlns:mc="http://schemas.openxmlformats.org/markup-compatibility/2006">
+    <mc:Choice xmlns:p14="http://schemas.microsoft.com/office/powerpoint/2010/main" Requires="p14">
+      <p:transition spd="med" p14:dur="700">
+        <p:fade/>
+      </p:transition>
+    </mc:Choice>
+    <mc:Fallback>
+      <p:transition spd="med">
+        <p:fade/>
+      </p:transition>
+    </mc:Fallback>
+  </mc:AlternateContent>
+  <p:timing>
+    <p:tnLst>
+      <p:par>
+        <p:cTn id="1" dur="indefinite" restart="never" nodeType="tmRoot">
+          <p:childTnLst>
+            <p:seq concurrent="1" nextAc="seek">
+              <p:cTn id="2" dur="indefinite" nodeType="mainSeq">
+                <p:childTnLst>
+                  <p:par>
+                    <p:cTn id="3" fill="hold">
+                      <p:stCondLst>
+                        <p:cond delay="indefinite"/>
+                      </p:stCondLst>
+                      <p:childTnLst>
+                        <p:par>
+                          <p:cTn id="4" fill="hold">
+                            <p:stCondLst>
+                              <p:cond delay="0"/>
+                            </p:stCondLst>
+                            <p:childTnLst>
+                              <p:par>
+                                <p:cTn id="5" presetID="42" presetClass="entr" presetSubtype="0" fill="hold" grpId="0" nodeType="clickEffect">
+                                  <p:stCondLst>
+                                    <p:cond delay="0"/>
+                                  </p:stCondLst>
+                                  <p:childTnLst>
+                                    <p:set>
+                                      <p:cBhvr>
+                                        <p:cTn id="6" dur="1" fill="hold">
+                                          <p:stCondLst>
+                                            <p:cond delay="0"/>
+                                          </p:stCondLst>
+                                        </p:cTn>
+                                        <p:tgtEl>
+                                          <p:spTgt spid="3">
+                                            <p:txEl>
+                                              <p:pRg st="0" end="0"/>
+                                            </p:txEl>
+                                          </p:spTgt>
+                                        </p:tgtEl>
+                                        <p:attrNameLst>
+                                          <p:attrName>style.visibility</p:attrName>
+                                        </p:attrNameLst>
+                                      </p:cBhvr>
+                                      <p:to>
+                                        <p:strVal val="visible"/>
+                                      </p:to>
+                                    </p:set>
+                                    <p:animEffect transition="in" filter="fade">
+                                      <p:cBhvr>
+                                        <p:cTn id="7" dur="1000"/>
+                                        <p:tgtEl>
+                                          <p:spTgt spid="3">
+                                            <p:txEl>
+                                              <p:pRg st="0" end="0"/>
+                                            </p:txEl>
+                                          </p:spTgt>
+                                        </p:tgtEl>
+                                      </p:cBhvr>
+                                    </p:animEffect>
+                                    <p:anim calcmode="lin" valueType="num">
+                                      <p:cBhvr>
+                                        <p:cTn id="8" dur="1000" fill="hold"/>
+                                        <p:tgtEl>
+                                          <p:spTgt spid="3">
+                                            <p:txEl>
+                                              <p:pRg st="0" end="0"/>
+                                            </p:txEl>
+                                          </p:spTgt>
+                                        </p:tgtEl>
+                                        <p:attrNameLst>
+                                          <p:attrName>ppt_x</p:attrName>
+                                        </p:attrNameLst>
+                                      </p:cBhvr>
+                                      <p:tavLst>
+                                        <p:tav tm="0">
+                                          <p:val>
+                                            <p:strVal val="#ppt_x"/>
+                                          </p:val>
+                                        </p:tav>
+                                        <p:tav tm="100000">
+                                          <p:val>
+                                            <p:strVal val="#ppt_x"/>
+                                          </p:val>
+                                        </p:tav>
+                                      </p:tavLst>
+                                    </p:anim>
+                                    <p:anim calcmode="lin" valueType="num">
+                                      <p:cBhvr>
+                                        <p:cTn id="9" dur="1000" fill="hold"/>
+                                        <p:tgtEl>
+                                          <p:spTgt spid="3">
+                                            <p:txEl>
+                                              <p:pRg st="0" end="0"/>
+                                            </p:txEl>
+                                          </p:spTgt>
+                                        </p:tgtEl>
+                                        <p:attrNameLst>
+                                          <p:attrName>ppt_y</p:attrName>
+                                        </p:attrNameLst>
+                                      </p:cBhvr>
+                                      <p:tavLst>
+                                        <p:tav tm="0">
+                                          <p:val>
+                                            <p:strVal val="#ppt_y+.1"/>
+                                          </p:val>
+                                        </p:tav>
+                                        <p:tav tm="100000">
+                                          <p:val>
+                                            <p:strVal val="#ppt_y"/>
+                                          </p:val>
+                                        </p:tav>
+                                      </p:tavLst>
+                                    </p:anim>
+                                  </p:childTnLst>
+                                </p:cTn>
+                              </p:par>
+                            </p:childTnLst>
+                          </p:cTn>
+                        </p:par>
+                      </p:childTnLst>
+                    </p:cTn>
+                  </p:par>
+                  <p:par>
+                    <p:cTn id="10" fill="hold">
+                      <p:stCondLst>
+                        <p:cond delay="indefinite"/>
+                      </p:stCondLst>
+                      <p:childTnLst>
+                        <p:par>
+                          <p:cTn id="11" fill="hold">
+                            <p:stCondLst>
+                              <p:cond delay="0"/>
+                            </p:stCondLst>
+                            <p:childTnLst>
+                              <p:par>
+                                <p:cTn id="12" presetID="42" presetClass="entr" presetSubtype="0" fill="hold" grpId="0" nodeType="clickEffect">
+                                  <p:stCondLst>
+                                    <p:cond delay="0"/>
+                                  </p:stCondLst>
+                                  <p:childTnLst>
+                                    <p:set>
+                                      <p:cBhvr>
+                                        <p:cTn id="13" dur="1" fill="hold">
+                                          <p:stCondLst>
+                                            <p:cond delay="0"/>
+                                          </p:stCondLst>
+                                        </p:cTn>
+                                        <p:tgtEl>
+                                          <p:spTgt spid="3">
+                                            <p:txEl>
+                                              <p:pRg st="1" end="1"/>
+                                            </p:txEl>
+                                          </p:spTgt>
+                                        </p:tgtEl>
+                                        <p:attrNameLst>
+                                          <p:attrName>style.visibility</p:attrName>
+                                        </p:attrNameLst>
+                                      </p:cBhvr>
+                                      <p:to>
+                                        <p:strVal val="visible"/>
+                                      </p:to>
+                                    </p:set>
+                                    <p:animEffect transition="in" filter="fade">
+                                      <p:cBhvr>
+                                        <p:cTn id="14" dur="1000"/>
+                                        <p:tgtEl>
+                                          <p:spTgt spid="3">
+                                            <p:txEl>
+                                              <p:pRg st="1" end="1"/>
+                                            </p:txEl>
+                                          </p:spTgt>
+                                        </p:tgtEl>
+                                      </p:cBhvr>
+                                    </p:animEffect>
+                                    <p:anim calcmode="lin" valueType="num">
+                                      <p:cBhvr>
+                                        <p:cTn id="15" dur="1000" fill="hold"/>
+                                        <p:tgtEl>
+                                          <p:spTgt spid="3">
+                                            <p:txEl>
+                                              <p:pRg st="1" end="1"/>
+                                            </p:txEl>
+                                          </p:spTgt>
+                                        </p:tgtEl>
+                                        <p:attrNameLst>
+                                          <p:attrName>ppt_x</p:attrName>
+                                        </p:attrNameLst>
+                                      </p:cBhvr>
+                                      <p:tavLst>
+                                        <p:tav tm="0">
+                                          <p:val>
+                                            <p:strVal val="#ppt_x"/>
+                                          </p:val>
+                                        </p:tav>
+                                        <p:tav tm="100000">
+                                          <p:val>
+                                            <p:strVal val="#ppt_x"/>
+                                          </p:val>
+                                        </p:tav>
+                                      </p:tavLst>
+                                    </p:anim>
+                                    <p:anim calcmode="lin" valueType="num">
+                                      <p:cBhvr>
+                                        <p:cTn id="16" dur="1000" fill="hold"/>
+                                        <p:tgtEl>
+                                          <p:spTgt spid="3">
+                                            <p:txEl>
+                                              <p:pRg st="1" end="1"/>
+                                            </p:txEl>
+                                          </p:spTgt>
+                                        </p:tgtEl>
+                                        <p:attrNameLst>
+                                          <p:attrName>ppt_y</p:attrName>
+                                        </p:attrNameLst>
+                                      </p:cBhvr>
+                                      <p:tavLst>
+                                        <p:tav tm="0">
+                                          <p:val>
+                                            <p:strVal val="#ppt_y+.1"/>
+                                          </p:val>
+                                        </p:tav>
+                                        <p:tav tm="100000">
+                                          <p:val>
+                                            <p:strVal val="#ppt_y"/>
+                                          </p:val>
+                                        </p:tav>
+                                      </p:tavLst>
+                                    </p:anim>
+                                  </p:childTnLst>
+                                </p:cTn>
+                              </p:par>
+                            </p:childTnLst>
+                          </p:cTn>
+                        </p:par>
+                      </p:childTnLst>
+                    </p:cTn>
+                  </p:par>
+                  <p:par>
+                    <p:cTn id="17" fill="hold">
+                      <p:stCondLst>
+                        <p:cond delay="indefinite"/>
+                      </p:stCondLst>
+                      <p:childTnLst>
+                        <p:par>
+                          <p:cTn id="18" fill="hold">
+                            <p:stCondLst>
+                              <p:cond delay="0"/>
+                            </p:stCondLst>
+                            <p:childTnLst>
+                              <p:par>
+                                <p:cTn id="19" presetID="42" presetClass="entr" presetSubtype="0" fill="hold" grpId="0" nodeType="clickEffect">
+                                  <p:stCondLst>
+                                    <p:cond delay="0"/>
+                                  </p:stCondLst>
+                                  <p:childTnLst>
+                                    <p:set>
+                                      <p:cBhvr>
+                                        <p:cTn id="20" dur="1" fill="hold">
+                                          <p:stCondLst>
+                                            <p:cond delay="0"/>
+                                          </p:stCondLst>
+                                        </p:cTn>
+                                        <p:tgtEl>
+                                          <p:spTgt spid="3">
+                                            <p:txEl>
+                                              <p:pRg st="2" end="2"/>
+                                            </p:txEl>
+                                          </p:spTgt>
+                                        </p:tgtEl>
+                                        <p:attrNameLst>
+                                          <p:attrName>style.visibility</p:attrName>
+                                        </p:attrNameLst>
+                                      </p:cBhvr>
+                                      <p:to>
+                                        <p:strVal val="visible"/>
+                                      </p:to>
+                                    </p:set>
+                                    <p:animEffect transition="in" filter="fade">
+                                      <p:cBhvr>
+                                        <p:cTn id="21" dur="1000"/>
+                                        <p:tgtEl>
+                                          <p:spTgt spid="3">
+                                            <p:txEl>
+                                              <p:pRg st="2" end="2"/>
+                                            </p:txEl>
+                                          </p:spTgt>
+                                        </p:tgtEl>
+                                      </p:cBhvr>
+                                    </p:animEffect>
+                                    <p:anim calcmode="lin" valueType="num">
+                                      <p:cBhvr>
+                                        <p:cTn id="22" dur="1000" fill="hold"/>
+                                        <p:tgtEl>
+                                          <p:spTgt spid="3">
+                                            <p:txEl>
+                                              <p:pRg st="2" end="2"/>
+                                            </p:txEl>
+                                          </p:spTgt>
+                                        </p:tgtEl>
+                                        <p:attrNameLst>
+                                          <p:attrName>ppt_x</p:attrName>
+                                        </p:attrNameLst>
+                                      </p:cBhvr>
+                                      <p:tavLst>
+                                        <p:tav tm="0">
+                                          <p:val>
+                                            <p:strVal val="#ppt_x"/>
+                                          </p:val>
+                                        </p:tav>
+                                        <p:tav tm="100000">
+                                          <p:val>
+                                            <p:strVal val="#ppt_x"/>
+                                          </p:val>
+                                        </p:tav>
+                                      </p:tavLst>
+                                    </p:anim>
+                                    <p:anim calcmode="lin" valueType="num">
+                                      <p:cBhvr>
+                                        <p:cTn id="23" dur="1000" fill="hold"/>
+                                        <p:tgtEl>
+                                          <p:spTgt spid="3">
+                                            <p:txEl>
+                                              <p:pRg st="2" end="2"/>
+                                            </p:txEl>
+                                          </p:spTgt>
+                                        </p:tgtEl>
+                                        <p:attrNameLst>
+                                          <p:attrName>ppt_y</p:attrName>
+                                        </p:attrNameLst>
+                                      </p:cBhvr>
+                                      <p:tavLst>
+                                        <p:tav tm="0">
+                                          <p:val>
+                                            <p:strVal val="#ppt_y+.1"/>
+                                          </p:val>
+                                        </p:tav>
+                                        <p:tav tm="100000">
+                                          <p:val>
+                                            <p:strVal val="#ppt_y"/>
+                                          </p:val>
+                                        </p:tav>
+                                      </p:tavLst>
+                                    </p:anim>
+                                  </p:childTnLst>
+                                </p:cTn>
+                              </p:par>
+                            </p:childTnLst>
+                          </p:cTn>
+                        </p:par>
+                      </p:childTnLst>
+                    </p:cTn>
+                  </p:par>
+                  <p:par>
+                    <p:cTn id="24" fill="hold">
+                      <p:stCondLst>
+                        <p:cond delay="indefinite"/>
+                      </p:stCondLst>
+                      <p:childTnLst>
+                        <p:par>
+                          <p:cTn id="25" fill="hold">
+                            <p:stCondLst>
+                              <p:cond delay="0"/>
+                            </p:stCondLst>
+                            <p:childTnLst>
+                              <p:par>
+                                <p:cTn id="26" presetID="42" presetClass="entr" presetSubtype="0" fill="hold" grpId="0" nodeType="clickEffect">
+                                  <p:stCondLst>
+                                    <p:cond delay="0"/>
+                                  </p:stCondLst>
+                                  <p:childTnLst>
+                                    <p:set>
+                                      <p:cBhvr>
+                                        <p:cTn id="27" dur="1" fill="hold">
+                                          <p:stCondLst>
+                                            <p:cond delay="0"/>
+                                          </p:stCondLst>
+                                        </p:cTn>
+                                        <p:tgtEl>
+                                          <p:spTgt spid="3">
+                                            <p:txEl>
+                                              <p:pRg st="3" end="3"/>
+                                            </p:txEl>
+                                          </p:spTgt>
+                                        </p:tgtEl>
+                                        <p:attrNameLst>
+                                          <p:attrName>style.visibility</p:attrName>
+                                        </p:attrNameLst>
+                                      </p:cBhvr>
+                                      <p:to>
+                                        <p:strVal val="visible"/>
+                                      </p:to>
+                                    </p:set>
+                                    <p:animEffect transition="in" filter="fade">
+                                      <p:cBhvr>
+                                        <p:cTn id="28" dur="1000"/>
+                                        <p:tgtEl>
+                                          <p:spTgt spid="3">
+                                            <p:txEl>
+                                              <p:pRg st="3" end="3"/>
+                                            </p:txEl>
+                                          </p:spTgt>
+                                        </p:tgtEl>
+                                      </p:cBhvr>
+                                    </p:animEffect>
+                                    <p:anim calcmode="lin" valueType="num">
+                                      <p:cBhvr>
+                                        <p:cTn id="29" dur="1000" fill="hold"/>
+                                        <p:tgtEl>
+                                          <p:spTgt spid="3">
+                                            <p:txEl>
+                                              <p:pRg st="3" end="3"/>
+                                            </p:txEl>
+                                          </p:spTgt>
+                                        </p:tgtEl>
+                                        <p:attrNameLst>
+                                          <p:attrName>ppt_x</p:attrName>
+                                        </p:attrNameLst>
+                                      </p:cBhvr>
+                                      <p:tavLst>
+                                        <p:tav tm="0">
+                                          <p:val>
+                                            <p:strVal val="#ppt_x"/>
+                                          </p:val>
+                                        </p:tav>
+                                        <p:tav tm="100000">
+                                          <p:val>
+                                            <p:strVal val="#ppt_x"/>
+                                          </p:val>
+                                        </p:tav>
+                                      </p:tavLst>
+                                    </p:anim>
+                                    <p:anim calcmode="lin" valueType="num">
+                                      <p:cBhvr>
+                                        <p:cTn id="30" dur="1000" fill="hold"/>
+                                        <p:tgtEl>
+                                          <p:spTgt spid="3">
+                                            <p:txEl>
+                                              <p:pRg st="3" end="3"/>
+                                            </p:txEl>
+                                          </p:spTgt>
+                                        </p:tgtEl>
+                                        <p:attrNameLst>
+                                          <p:attrName>ppt_y</p:attrName>
+                                        </p:attrNameLst>
+                                      </p:cBhvr>
+                                      <p:tavLst>
+                                        <p:tav tm="0">
+                                          <p:val>
+                                            <p:strVal val="#ppt_y+.1"/>
+                                          </p:val>
+                                        </p:tav>
+                                        <p:tav tm="100000">
+                                          <p:val>
+                                            <p:strVal val="#ppt_y"/>
+                                          </p:val>
+                                        </p:tav>
+                                      </p:tavLst>
+                                    </p:anim>
+                                  </p:childTnLst>
+                                </p:cTn>
+                              </p:par>
+                            </p:childTnLst>
+                          </p:cTn>
+                        </p:par>
+                      </p:childTnLst>
+                    </p:cTn>
+                  </p:par>
+                  <p:par>
+                    <p:cTn id="31" fill="hold">
+                      <p:stCondLst>
+                        <p:cond delay="indefinite"/>
+                      </p:stCondLst>
+                      <p:childTnLst>
+                        <p:par>
+                          <p:cTn id="32" fill="hold">
+                            <p:stCondLst>
+                              <p:cond delay="0"/>
+                            </p:stCondLst>
+                            <p:childTnLst>
+                              <p:par>
+                                <p:cTn id="33" presetID="42" presetClass="entr" presetSubtype="0" fill="hold" grpId="0" nodeType="clickEffect">
+                                  <p:stCondLst>
+                                    <p:cond delay="0"/>
+                                  </p:stCondLst>
+                                  <p:childTnLst>
+                                    <p:set>
+                                      <p:cBhvr>
+                                        <p:cTn id="34" dur="1" fill="hold">
+                                          <p:stCondLst>
+                                            <p:cond delay="0"/>
+                                          </p:stCondLst>
+                                        </p:cTn>
+                                        <p:tgtEl>
+                                          <p:spTgt spid="3">
+                                            <p:txEl>
+                                              <p:pRg st="4" end="4"/>
+                                            </p:txEl>
+                                          </p:spTgt>
+                                        </p:tgtEl>
+                                        <p:attrNameLst>
+                                          <p:attrName>style.visibility</p:attrName>
+                                        </p:attrNameLst>
+                                      </p:cBhvr>
+                                      <p:to>
+                                        <p:strVal val="visible"/>
+                                      </p:to>
+                                    </p:set>
+                                    <p:animEffect transition="in" filter="fade">
+                                      <p:cBhvr>
+                                        <p:cTn id="35" dur="1000"/>
+                                        <p:tgtEl>
+                                          <p:spTgt spid="3">
+                                            <p:txEl>
+                                              <p:pRg st="4" end="4"/>
+                                            </p:txEl>
+                                          </p:spTgt>
+                                        </p:tgtEl>
+                                      </p:cBhvr>
+                                    </p:animEffect>
+                                    <p:anim calcmode="lin" valueType="num">
+                                      <p:cBhvr>
+                                        <p:cTn id="36" dur="1000" fill="hold"/>
+                                        <p:tgtEl>
+                                          <p:spTgt spid="3">
+                                            <p:txEl>
+                                              <p:pRg st="4" end="4"/>
+                                            </p:txEl>
+                                          </p:spTgt>
+                                        </p:tgtEl>
+                                        <p:attrNameLst>
+                                          <p:attrName>ppt_x</p:attrName>
+                                        </p:attrNameLst>
+                                      </p:cBhvr>
+                                      <p:tavLst>
+                                        <p:tav tm="0">
+                                          <p:val>
+                                            <p:strVal val="#ppt_x"/>
+                                          </p:val>
+                                        </p:tav>
+                                        <p:tav tm="100000">
+                                          <p:val>
+                                            <p:strVal val="#ppt_x"/>
+                                          </p:val>
+                                        </p:tav>
+                                      </p:tavLst>
+                                    </p:anim>
+                                    <p:anim calcmode="lin" valueType="num">
+                                      <p:cBhvr>
+                                        <p:cTn id="37" dur="1000" fill="hold"/>
+                                        <p:tgtEl>
+                                          <p:spTgt spid="3">
+                                            <p:txEl>
+                                              <p:pRg st="4" end="4"/>
+                                            </p:txEl>
+                                          </p:spTgt>
+                                        </p:tgtEl>
+                                        <p:attrNameLst>
+                                          <p:attrName>ppt_y</p:attrName>
+                                        </p:attrNameLst>
+                                      </p:cBhvr>
+                                      <p:tavLst>
+                                        <p:tav tm="0">
+                                          <p:val>
+                                            <p:strVal val="#ppt_y+.1"/>
+                                          </p:val>
+                                        </p:tav>
+                                        <p:tav tm="100000">
+                                          <p:val>
+                                            <p:strVal val="#ppt_y"/>
+                                          </p:val>
+                                        </p:tav>
+                                      </p:tavLst>
+                                    </p:anim>
+                                  </p:childTnLst>
+                                </p:cTn>
+                              </p:par>
+                            </p:childTnLst>
+                          </p:cTn>
+                        </p:par>
+                      </p:childTnLst>
+                    </p:cTn>
+                  </p:par>
+                  <p:par>
+                    <p:cTn id="38" fill="hold">
+                      <p:stCondLst>
+                        <p:cond delay="indefinite"/>
+                      </p:stCondLst>
+                      <p:childTnLst>
+                        <p:par>
+                          <p:cTn id="39" fill="hold">
+                            <p:stCondLst>
+                              <p:cond delay="0"/>
+                            </p:stCondLst>
+                            <p:childTnLst>
+                              <p:par>
+                                <p:cTn id="40" presetID="42" presetClass="entr" presetSubtype="0" fill="hold" grpId="0" nodeType="clickEffect">
+                                  <p:stCondLst>
+                                    <p:cond delay="0"/>
+                                  </p:stCondLst>
+                                  <p:childTnLst>
+                                    <p:set>
+                                      <p:cBhvr>
+                                        <p:cTn id="41" dur="1" fill="hold">
+                                          <p:stCondLst>
+                                            <p:cond delay="0"/>
+                                          </p:stCondLst>
+                                        </p:cTn>
+                                        <p:tgtEl>
+                                          <p:spTgt spid="3">
+                                            <p:txEl>
+                                              <p:pRg st="5" end="5"/>
+                                            </p:txEl>
+                                          </p:spTgt>
+                                        </p:tgtEl>
+                                        <p:attrNameLst>
+                                          <p:attrName>style.visibility</p:attrName>
+                                        </p:attrNameLst>
+                                      </p:cBhvr>
+                                      <p:to>
+                                        <p:strVal val="visible"/>
+                                      </p:to>
+                                    </p:set>
+                                    <p:animEffect transition="in" filter="fade">
+                                      <p:cBhvr>
+                                        <p:cTn id="42" dur="1000"/>
+                                        <p:tgtEl>
+                                          <p:spTgt spid="3">
+                                            <p:txEl>
+                                              <p:pRg st="5" end="5"/>
+                                            </p:txEl>
+                                          </p:spTgt>
+                                        </p:tgtEl>
+                                      </p:cBhvr>
+                                    </p:animEffect>
+                                    <p:anim calcmode="lin" valueType="num">
+                                      <p:cBhvr>
+                                        <p:cTn id="43" dur="1000" fill="hold"/>
+                                        <p:tgtEl>
+                                          <p:spTgt spid="3">
+                                            <p:txEl>
+                                              <p:pRg st="5" end="5"/>
+                                            </p:txEl>
+                                          </p:spTgt>
+                                        </p:tgtEl>
+                                        <p:attrNameLst>
+                                          <p:attrName>ppt_x</p:attrName>
+                                        </p:attrNameLst>
+                                      </p:cBhvr>
+                                      <p:tavLst>
+                                        <p:tav tm="0">
+                                          <p:val>
+                                            <p:strVal val="#ppt_x"/>
+                                          </p:val>
+                                        </p:tav>
+                                        <p:tav tm="100000">
+                                          <p:val>
+                                            <p:strVal val="#ppt_x"/>
+                                          </p:val>
+                                        </p:tav>
+                                      </p:tavLst>
+                                    </p:anim>
+                                    <p:anim calcmode="lin" valueType="num">
+                                      <p:cBhvr>
+                                        <p:cTn id="44" dur="1000" fill="hold"/>
+                                        <p:tgtEl>
+                                          <p:spTgt spid="3">
+                                            <p:txEl>
+                                              <p:pRg st="5" end="5"/>
+                                            </p:txEl>
+                                          </p:spTgt>
+                                        </p:tgtEl>
+                                        <p:attrNameLst>
+                                          <p:attrName>ppt_y</p:attrName>
+                                        </p:attrNameLst>
+                                      </p:cBhvr>
+                                      <p:tavLst>
+                                        <p:tav tm="0">
+                                          <p:val>
+                                            <p:strVal val="#ppt_y+.1"/>
+                                          </p:val>
+                                        </p:tav>
+                                        <p:tav tm="100000">
+                                          <p:val>
+                                            <p:strVal val="#ppt_y"/>
+                                          </p:val>
+                                        </p:tav>
+                                      </p:tavLst>
+                                    </p:anim>
+                                  </p:childTnLst>
+                                </p:cTn>
+                              </p:par>
+                            </p:childTnLst>
+                          </p:cTn>
+                        </p:par>
+                      </p:childTnLst>
+                    </p:cTn>
+                  </p:par>
+                  <p:par>
+                    <p:cTn id="45" fill="hold">
+                      <p:stCondLst>
+                        <p:cond delay="indefinite"/>
+                      </p:stCondLst>
+                      <p:childTnLst>
+                        <p:par>
+                          <p:cTn id="46" fill="hold">
+                            <p:stCondLst>
+                              <p:cond delay="0"/>
+                            </p:stCondLst>
+                            <p:childTnLst>
+                              <p:par>
+                                <p:cTn id="47" presetID="42" presetClass="entr" presetSubtype="0" fill="hold" grpId="0" nodeType="clickEffect">
+                                  <p:stCondLst>
+                                    <p:cond delay="0"/>
+                                  </p:stCondLst>
+                                  <p:childTnLst>
+                                    <p:set>
+                                      <p:cBhvr>
+                                        <p:cTn id="48" dur="1" fill="hold">
+                                          <p:stCondLst>
+                                            <p:cond delay="0"/>
+                                          </p:stCondLst>
+                                        </p:cTn>
+                                        <p:tgtEl>
+                                          <p:spTgt spid="3">
+                                            <p:txEl>
+                                              <p:pRg st="6" end="6"/>
+                                            </p:txEl>
+                                          </p:spTgt>
+                                        </p:tgtEl>
+                                        <p:attrNameLst>
+                                          <p:attrName>style.visibility</p:attrName>
+                                        </p:attrNameLst>
+                                      </p:cBhvr>
+                                      <p:to>
+                                        <p:strVal val="visible"/>
+                                      </p:to>
+                                    </p:set>
+                                    <p:animEffect transition="in" filter="fade">
+                                      <p:cBhvr>
+                                        <p:cTn id="49" dur="1000"/>
+                                        <p:tgtEl>
+                                          <p:spTgt spid="3">
+                                            <p:txEl>
+                                              <p:pRg st="6" end="6"/>
+                                            </p:txEl>
+                                          </p:spTgt>
+                                        </p:tgtEl>
+                                      </p:cBhvr>
+                                    </p:animEffect>
+                                    <p:anim calcmode="lin" valueType="num">
+                                      <p:cBhvr>
+                                        <p:cTn id="50" dur="1000" fill="hold"/>
+                                        <p:tgtEl>
+                                          <p:spTgt spid="3">
+                                            <p:txEl>
+                                              <p:pRg st="6" end="6"/>
+                                            </p:txEl>
+                                          </p:spTgt>
+                                        </p:tgtEl>
+                                        <p:attrNameLst>
+                                          <p:attrName>ppt_x</p:attrName>
+                                        </p:attrNameLst>
+                                      </p:cBhvr>
+                                      <p:tavLst>
+                                        <p:tav tm="0">
+                                          <p:val>
+                                            <p:strVal val="#ppt_x"/>
+                                          </p:val>
+                                        </p:tav>
+                                        <p:tav tm="100000">
+                                          <p:val>
+                                            <p:strVal val="#ppt_x"/>
+                                          </p:val>
+                                        </p:tav>
+                                      </p:tavLst>
+                                    </p:anim>
+                                    <p:anim calcmode="lin" valueType="num">
+                                      <p:cBhvr>
+                                        <p:cTn id="51" dur="1000" fill="hold"/>
+                                        <p:tgtEl>
+                                          <p:spTgt spid="3">
+                                            <p:txEl>
+                                              <p:pRg st="6" end="6"/>
+                                            </p:txEl>
+                                          </p:spTgt>
+                                        </p:tgtEl>
+                                        <p:attrNameLst>
+                                          <p:attrName>ppt_y</p:attrName>
+                                        </p:attrNameLst>
+                                      </p:cBhvr>
+                                      <p:tavLst>
+                                        <p:tav tm="0">
+                                          <p:val>
+                                            <p:strVal val="#ppt_y+.1"/>
+                                          </p:val>
+                                        </p:tav>
+                                        <p:tav tm="100000">
+                                          <p:val>
+                                            <p:strVal val="#ppt_y"/>
+                                          </p:val>
+                                        </p:tav>
+                                      </p:tavLst>
+                                    </p:anim>
+                                  </p:childTnLst>
+                                </p:cTn>
+                              </p:par>
+                            </p:childTnLst>
+                          </p:cTn>
+                        </p:par>
+                      </p:childTnLst>
+                    </p:cTn>
+                  </p:par>
+                </p:childTnLst>
+              </p:cTn>
+              <p:prevCondLst>
+                <p:cond evt="onPrev" delay="0">
+                  <p:tgtEl>
+                    <p:sldTgt/>
+                  </p:tgtEl>
+                </p:cond>
+              </p:prevCondLst>
+              <p:nextCondLst>
+                <p:cond evt="onNext" delay="0">
+                  <p:tgtEl>
+                    <p:sldTgt/>
+                  </p:tgtEl>
+                </p:cond>
+              </p:nextCondLst>
+            </p:seq>
+          </p:childTnLst>
+        </p:cTn>
+      </p:par>
+    </p:tnLst>
+    <p:bldLst>
+      <p:bldP spid="3" grpId="0" build="p"/>
+    </p:bldLst>
+  </p:timing>
 </p:sld>
 </file>
 
@@ -4653,7 +7556,7 @@
           <p:cNvPr id="2" name="Titre 1">
             <a:extLst>
               <a:ext uri="{FF2B5EF4-FFF2-40B4-BE49-F238E27FC236}">
-                <a16:creationId xmlns:a16="http://schemas.microsoft.com/office/drawing/2014/main" id="{D0B0AC82-1BA4-4F15-8FF4-079A6CFA9750}"/>
+                <a16:creationId xmlns:a16="http://schemas.microsoft.com/office/drawing/2014/main" id="{6ECDB449-CF83-4E13-BAE4-CDE74A36EA14}"/>
               </a:ext>
             </a:extLst>
           </p:cNvPr>
@@ -4671,8 +7574,10 @@
           <a:p>
             <a:pPr algn="ctr"/>
             <a:r>
-              <a:rPr lang="fr-FR" dirty="0"/>
-              <a:t>Fonctionnalités</a:t>
+              <a:rPr lang="fr-FR" dirty="0">
+                <a:latin typeface="Helvetica-Light" panose="020B0400000000000000" pitchFamily="34" charset="0"/>
+              </a:rPr>
+              <a:t>Démonstration</a:t>
             </a:r>
           </a:p>
         </p:txBody>
@@ -4682,7 +7587,7 @@
           <p:cNvPr id="3" name="Espace réservé du contenu 2">
             <a:extLst>
               <a:ext uri="{FF2B5EF4-FFF2-40B4-BE49-F238E27FC236}">
-                <a16:creationId xmlns:a16="http://schemas.microsoft.com/office/drawing/2014/main" id="{74D41573-F310-4C80-8827-7ED40DEB453B}"/>
+                <a16:creationId xmlns:a16="http://schemas.microsoft.com/office/drawing/2014/main" id="{19A66241-1368-4F92-B864-297BC617CCAB}"/>
               </a:ext>
             </a:extLst>
           </p:cNvPr>
@@ -4702,127 +7607,17 @@
               <a:rPr lang="fr-FR" dirty="0">
                 <a:latin typeface="Helvetica-Light" panose="020B0400000000000000" pitchFamily="34" charset="0"/>
               </a:rPr>
-              <a:t>Envoi d’une image via galerie ou caméra</a:t>
-            </a:r>
-          </a:p>
-        </p:txBody>
-      </p:sp>
-    </p:spTree>
-    <p:extLst>
-      <p:ext uri="{BB962C8B-B14F-4D97-AF65-F5344CB8AC3E}">
-        <p14:creationId xmlns:p14="http://schemas.microsoft.com/office/powerpoint/2010/main" val="3556748884"/>
-      </p:ext>
-    </p:extLst>
-  </p:cSld>
-  <p:clrMapOvr>
-    <a:masterClrMapping/>
-  </p:clrMapOvr>
-</p:sld>
-</file>
-
-<file path=ppt/slides/slide9.xml><?xml version="1.0" encoding="utf-8"?>
-<p:sld xmlns:a="http://schemas.openxmlformats.org/drawingml/2006/main" xmlns:r="http://schemas.openxmlformats.org/officeDocument/2006/relationships" xmlns:p="http://schemas.openxmlformats.org/presentationml/2006/main">
-  <p:cSld>
-    <p:spTree>
-      <p:nvGrpSpPr>
-        <p:cNvPr id="1" name=""/>
-        <p:cNvGrpSpPr/>
-        <p:nvPr/>
-      </p:nvGrpSpPr>
-      <p:grpSpPr>
-        <a:xfrm>
-          <a:off x="0" y="0"/>
-          <a:ext cx="0" cy="0"/>
-          <a:chOff x="0" y="0"/>
-          <a:chExt cx="0" cy="0"/>
-        </a:xfrm>
-      </p:grpSpPr>
-      <p:sp>
-        <p:nvSpPr>
-          <p:cNvPr id="2" name="Titre 1">
-            <a:extLst>
-              <a:ext uri="{FF2B5EF4-FFF2-40B4-BE49-F238E27FC236}">
-                <a16:creationId xmlns:a16="http://schemas.microsoft.com/office/drawing/2014/main" id="{D0B0AC82-1BA4-4F15-8FF4-079A6CFA9750}"/>
-              </a:ext>
-            </a:extLst>
-          </p:cNvPr>
-          <p:cNvSpPr>
-            <a:spLocks noGrp="1"/>
-          </p:cNvSpPr>
-          <p:nvPr>
-            <p:ph type="title"/>
-          </p:nvPr>
-        </p:nvSpPr>
-        <p:spPr/>
-        <p:txBody>
-          <a:bodyPr/>
-          <a:lstStyle/>
-          <a:p>
-            <a:pPr algn="ctr"/>
-            <a:r>
-              <a:rPr lang="fr-FR" dirty="0"/>
-              <a:t>Fonctionnalités</a:t>
-            </a:r>
-          </a:p>
-        </p:txBody>
-      </p:sp>
-      <p:sp>
-        <p:nvSpPr>
-          <p:cNvPr id="3" name="Espace réservé du contenu 2">
-            <a:extLst>
-              <a:ext uri="{FF2B5EF4-FFF2-40B4-BE49-F238E27FC236}">
-                <a16:creationId xmlns:a16="http://schemas.microsoft.com/office/drawing/2014/main" id="{74D41573-F310-4C80-8827-7ED40DEB453B}"/>
-              </a:ext>
-            </a:extLst>
-          </p:cNvPr>
-          <p:cNvSpPr>
-            <a:spLocks noGrp="1"/>
-          </p:cNvSpPr>
-          <p:nvPr>
-            <p:ph idx="1"/>
-          </p:nvPr>
-        </p:nvSpPr>
-        <p:spPr/>
-        <p:txBody>
-          <a:bodyPr/>
-          <a:lstStyle/>
-          <a:p>
-            <a:endParaRPr lang="fr-FR" dirty="0">
-              <a:latin typeface="Helvetica-Light" panose="020B0400000000000000" pitchFamily="34" charset="0"/>
-            </a:endParaRPr>
-          </a:p>
-          <a:p>
-            <a:endParaRPr lang="fr-FR" dirty="0">
-              <a:latin typeface="Helvetica-Light" panose="020B0400000000000000" pitchFamily="34" charset="0"/>
-            </a:endParaRPr>
-          </a:p>
-          <a:p>
-            <a:endParaRPr lang="fr-FR">
-              <a:latin typeface="Helvetica-Light" panose="020B0400000000000000" pitchFamily="34" charset="0"/>
-            </a:endParaRPr>
-          </a:p>
-          <a:p>
-            <a:r>
-              <a:rPr lang="fr-FR">
-                <a:latin typeface="Helvetica-Light" panose="020B0400000000000000" pitchFamily="34" charset="0"/>
-              </a:rPr>
-              <a:t>Partage </a:t>
-            </a:r>
-            <a:r>
-              <a:rPr lang="fr-FR" dirty="0">
-                <a:latin typeface="Helvetica-Light" panose="020B0400000000000000" pitchFamily="34" charset="0"/>
-              </a:rPr>
-              <a:t>de localisation</a:t>
+              <a:t>Démonstration de l’application en direct</a:t>
             </a:r>
           </a:p>
         </p:txBody>
       </p:sp>
       <p:pic>
         <p:nvPicPr>
-          <p:cNvPr id="5" name="Image 4">
-            <a:extLst>
-              <a:ext uri="{FF2B5EF4-FFF2-40B4-BE49-F238E27FC236}">
-                <a16:creationId xmlns:a16="http://schemas.microsoft.com/office/drawing/2014/main" id="{67AC4C79-48F7-4591-8D1C-95A1BACFD167}"/>
+          <p:cNvPr id="4" name="Image 3">
+            <a:extLst>
+              <a:ext uri="{FF2B5EF4-FFF2-40B4-BE49-F238E27FC236}">
+                <a16:creationId xmlns:a16="http://schemas.microsoft.com/office/drawing/2014/main" id="{580773F5-72B9-4DA6-B517-6A27B5664CA7}"/>
               </a:ext>
             </a:extLst>
           </p:cNvPr>
@@ -4845,8 +7640,8 @@
         </p:blipFill>
         <p:spPr>
           <a:xfrm>
-            <a:off x="7285333" y="1690688"/>
-            <a:ext cx="2052031" cy="4194313"/>
+            <a:off x="7430985" y="2413000"/>
+            <a:ext cx="1996043" cy="4079875"/>
           </a:xfrm>
           <a:prstGeom prst="rect">
             <a:avLst/>
@@ -4856,7 +7651,7 @@
     </p:spTree>
     <p:extLst>
       <p:ext uri="{BB962C8B-B14F-4D97-AF65-F5344CB8AC3E}">
-        <p14:creationId xmlns:p14="http://schemas.microsoft.com/office/powerpoint/2010/main" val="297754459"/>
+        <p14:creationId xmlns:p14="http://schemas.microsoft.com/office/powerpoint/2010/main" val="3407391751"/>
       </p:ext>
     </p:extLst>
   </p:cSld>
